--- a/demoManagement.pptx
+++ b/demoManagement.pptx
@@ -114,6 +114,11 @@
       </a:defRPr>
     </a:lvl9pPr>
   </p:defaultTextStyle>
+  <p:extLst>
+    <p:ext uri="{EFAFB233-063F-42B5-8137-9DF3F51BA10A}">
+      <p15:sldGuideLst xmlns:p15="http://schemas.microsoft.com/office/powerpoint/2012/main"/>
+    </p:ext>
+  </p:extLst>
 </p:presentation>
 </file>
 
@@ -199,7 +204,7 @@
           <a:p>
             <a:fld id="{D7F99AC3-EDB1-8945-8615-410AEF21B21A}" type="datetimeFigureOut">
               <a:rPr lang="en-US" smtClean="0"/>
-              <a:t>12/6/17</a:t>
+              <a:t>12/7/17</a:t>
             </a:fld>
             <a:endParaRPr lang="en-US"/>
           </a:p>
@@ -601,7 +606,7 @@
           <a:noFill/>
           <a:extLst>
             <a:ext uri="{909E8E84-426E-40dd-AFC4-6F175D3DCCD1}">
-              <a14:hiddenFill xmlns:a14="http://schemas.microsoft.com/office/drawing/2010/main" xmlns="">
+              <a14:hiddenFill xmlns="" xmlns:a14="http://schemas.microsoft.com/office/drawing/2010/main">
                 <a:solidFill>
                   <a:srgbClr val="FFFFFF"/>
                 </a:solidFill>
@@ -661,7 +666,7 @@
             </a:ln>
             <a:extLst>
               <a:ext uri="{91240B29-F687-4f45-9708-019B960494DF}">
-                <a14:hiddenLine xmlns:a14="http://schemas.microsoft.com/office/drawing/2010/main" xmlns="" w="9525">
+                <a14:hiddenLine xmlns="" xmlns:a14="http://schemas.microsoft.com/office/drawing/2010/main" w="9525">
                   <a:solidFill>
                     <a:srgbClr val="000000"/>
                   </a:solidFill>
@@ -751,7 +756,7 @@
             </a:ln>
             <a:extLst>
               <a:ext uri="{91240B29-F687-4f45-9708-019B960494DF}">
-                <a14:hiddenLine xmlns:a14="http://schemas.microsoft.com/office/drawing/2010/main" xmlns="" w="9525">
+                <a14:hiddenLine xmlns="" xmlns:a14="http://schemas.microsoft.com/office/drawing/2010/main" w="9525">
                   <a:solidFill>
                     <a:srgbClr val="000000"/>
                   </a:solidFill>
@@ -841,7 +846,7 @@
             </a:ln>
             <a:extLst>
               <a:ext uri="{91240B29-F687-4f45-9708-019B960494DF}">
-                <a14:hiddenLine xmlns:a14="http://schemas.microsoft.com/office/drawing/2010/main" xmlns="" w="9525">
+                <a14:hiddenLine xmlns="" xmlns:a14="http://schemas.microsoft.com/office/drawing/2010/main" w="9525">
                   <a:solidFill>
                     <a:srgbClr val="000000"/>
                   </a:solidFill>
@@ -875,7 +880,7 @@
             </a:ln>
             <a:extLst>
               <a:ext uri="{91240B29-F687-4f45-9708-019B960494DF}">
-                <a14:hiddenLine xmlns:a14="http://schemas.microsoft.com/office/drawing/2010/main" xmlns="" w="9525">
+                <a14:hiddenLine xmlns="" xmlns:a14="http://schemas.microsoft.com/office/drawing/2010/main" w="9525">
                   <a:solidFill>
                     <a:srgbClr val="000000"/>
                   </a:solidFill>
@@ -965,7 +970,7 @@
             </a:ln>
             <a:extLst>
               <a:ext uri="{91240B29-F687-4f45-9708-019B960494DF}">
-                <a14:hiddenLine xmlns:a14="http://schemas.microsoft.com/office/drawing/2010/main" xmlns="" w="9525">
+                <a14:hiddenLine xmlns="" xmlns:a14="http://schemas.microsoft.com/office/drawing/2010/main" w="9525">
                   <a:solidFill>
                     <a:srgbClr val="000000"/>
                   </a:solidFill>
@@ -1027,7 +1032,7 @@
             </a:ln>
             <a:extLst>
               <a:ext uri="{91240B29-F687-4f45-9708-019B960494DF}">
-                <a14:hiddenLine xmlns:a14="http://schemas.microsoft.com/office/drawing/2010/main" xmlns="" w="9525">
+                <a14:hiddenLine xmlns="" xmlns:a14="http://schemas.microsoft.com/office/drawing/2010/main" w="9525">
                   <a:solidFill>
                     <a:srgbClr val="000000"/>
                   </a:solidFill>
@@ -1089,7 +1094,7 @@
             </a:ln>
             <a:extLst>
               <a:ext uri="{91240B29-F687-4f45-9708-019B960494DF}">
-                <a14:hiddenLine xmlns:a14="http://schemas.microsoft.com/office/drawing/2010/main" xmlns="" w="9525">
+                <a14:hiddenLine xmlns="" xmlns:a14="http://schemas.microsoft.com/office/drawing/2010/main" w="9525">
                   <a:solidFill>
                     <a:srgbClr val="000000"/>
                   </a:solidFill>
@@ -1179,7 +1184,7 @@
             </a:ln>
             <a:extLst>
               <a:ext uri="{91240B29-F687-4f45-9708-019B960494DF}">
-                <a14:hiddenLine xmlns:a14="http://schemas.microsoft.com/office/drawing/2010/main" xmlns="" w="9525">
+                <a14:hiddenLine xmlns="" xmlns:a14="http://schemas.microsoft.com/office/drawing/2010/main" w="9525">
                   <a:solidFill>
                     <a:srgbClr val="000000"/>
                   </a:solidFill>
@@ -1241,7 +1246,7 @@
             </a:ln>
             <a:extLst>
               <a:ext uri="{91240B29-F687-4f45-9708-019B960494DF}">
-                <a14:hiddenLine xmlns:a14="http://schemas.microsoft.com/office/drawing/2010/main" xmlns="" w="9525">
+                <a14:hiddenLine xmlns="" xmlns:a14="http://schemas.microsoft.com/office/drawing/2010/main" w="9525">
                   <a:solidFill>
                     <a:srgbClr val="000000"/>
                   </a:solidFill>
@@ -1303,7 +1308,7 @@
             </a:ln>
             <a:extLst>
               <a:ext uri="{91240B29-F687-4f45-9708-019B960494DF}">
-                <a14:hiddenLine xmlns:a14="http://schemas.microsoft.com/office/drawing/2010/main" xmlns="" w="9525">
+                <a14:hiddenLine xmlns="" xmlns:a14="http://schemas.microsoft.com/office/drawing/2010/main" w="9525">
                   <a:solidFill>
                     <a:srgbClr val="000000"/>
                   </a:solidFill>
@@ -1393,7 +1398,7 @@
             </a:ln>
             <a:extLst>
               <a:ext uri="{91240B29-F687-4f45-9708-019B960494DF}">
-                <a14:hiddenLine xmlns:a14="http://schemas.microsoft.com/office/drawing/2010/main" xmlns="" w="9525">
+                <a14:hiddenLine xmlns="" xmlns:a14="http://schemas.microsoft.com/office/drawing/2010/main" w="9525">
                   <a:solidFill>
                     <a:srgbClr val="000000"/>
                   </a:solidFill>
@@ -1483,7 +1488,7 @@
             </a:ln>
             <a:extLst>
               <a:ext uri="{91240B29-F687-4f45-9708-019B960494DF}">
-                <a14:hiddenLine xmlns:a14="http://schemas.microsoft.com/office/drawing/2010/main" xmlns="" w="9525">
+                <a14:hiddenLine xmlns="" xmlns:a14="http://schemas.microsoft.com/office/drawing/2010/main" w="9525">
                   <a:solidFill>
                     <a:srgbClr val="000000"/>
                   </a:solidFill>
@@ -1545,7 +1550,7 @@
             </a:ln>
             <a:extLst>
               <a:ext uri="{91240B29-F687-4f45-9708-019B960494DF}">
-                <a14:hiddenLine xmlns:a14="http://schemas.microsoft.com/office/drawing/2010/main" xmlns="" w="9525">
+                <a14:hiddenLine xmlns="" xmlns:a14="http://schemas.microsoft.com/office/drawing/2010/main" w="9525">
                   <a:solidFill>
                     <a:srgbClr val="000000"/>
                   </a:solidFill>
@@ -1655,7 +1660,7 @@
             </a:ln>
             <a:extLst>
               <a:ext uri="{91240B29-F687-4f45-9708-019B960494DF}">
-                <a14:hiddenLine xmlns:a14="http://schemas.microsoft.com/office/drawing/2010/main" xmlns="" w="9525">
+                <a14:hiddenLine xmlns="" xmlns:a14="http://schemas.microsoft.com/office/drawing/2010/main" w="9525">
                   <a:solidFill>
                     <a:srgbClr val="000000"/>
                   </a:solidFill>
@@ -1717,7 +1722,7 @@
             </a:ln>
             <a:extLst>
               <a:ext uri="{91240B29-F687-4f45-9708-019B960494DF}">
-                <a14:hiddenLine xmlns:a14="http://schemas.microsoft.com/office/drawing/2010/main" xmlns="" w="9525">
+                <a14:hiddenLine xmlns="" xmlns:a14="http://schemas.microsoft.com/office/drawing/2010/main" w="9525">
                   <a:solidFill>
                     <a:srgbClr val="000000"/>
                   </a:solidFill>
@@ -1807,7 +1812,7 @@
             </a:ln>
             <a:extLst>
               <a:ext uri="{91240B29-F687-4f45-9708-019B960494DF}">
-                <a14:hiddenLine xmlns:a14="http://schemas.microsoft.com/office/drawing/2010/main" xmlns="" w="9525">
+                <a14:hiddenLine xmlns="" xmlns:a14="http://schemas.microsoft.com/office/drawing/2010/main" w="9525">
                   <a:solidFill>
                     <a:srgbClr val="000000"/>
                   </a:solidFill>
@@ -1897,7 +1902,7 @@
             </a:ln>
             <a:extLst>
               <a:ext uri="{91240B29-F687-4f45-9708-019B960494DF}">
-                <a14:hiddenLine xmlns:a14="http://schemas.microsoft.com/office/drawing/2010/main" xmlns="" w="9525">
+                <a14:hiddenLine xmlns="" xmlns:a14="http://schemas.microsoft.com/office/drawing/2010/main" w="9525">
                   <a:solidFill>
                     <a:srgbClr val="000000"/>
                   </a:solidFill>
@@ -1959,7 +1964,7 @@
             </a:ln>
             <a:extLst>
               <a:ext uri="{91240B29-F687-4f45-9708-019B960494DF}">
-                <a14:hiddenLine xmlns:a14="http://schemas.microsoft.com/office/drawing/2010/main" xmlns="" w="9525">
+                <a14:hiddenLine xmlns="" xmlns:a14="http://schemas.microsoft.com/office/drawing/2010/main" w="9525">
                   <a:solidFill>
                     <a:srgbClr val="000000"/>
                   </a:solidFill>
@@ -2049,7 +2054,7 @@
             </a:ln>
             <a:extLst>
               <a:ext uri="{91240B29-F687-4f45-9708-019B960494DF}">
-                <a14:hiddenLine xmlns:a14="http://schemas.microsoft.com/office/drawing/2010/main" xmlns="" w="9525">
+                <a14:hiddenLine xmlns="" xmlns:a14="http://schemas.microsoft.com/office/drawing/2010/main" w="9525">
                   <a:solidFill>
                     <a:srgbClr val="000000"/>
                   </a:solidFill>
@@ -2139,7 +2144,7 @@
             </a:ln>
             <a:extLst>
               <a:ext uri="{91240B29-F687-4f45-9708-019B960494DF}">
-                <a14:hiddenLine xmlns:a14="http://schemas.microsoft.com/office/drawing/2010/main" xmlns="" w="9525">
+                <a14:hiddenLine xmlns="" xmlns:a14="http://schemas.microsoft.com/office/drawing/2010/main" w="9525">
                   <a:solidFill>
                     <a:srgbClr val="000000"/>
                   </a:solidFill>
@@ -2195,7 +2200,7 @@
             </a:ln>
             <a:extLst>
               <a:ext uri="{91240B29-F687-4f45-9708-019B960494DF}">
-                <a14:hiddenLine xmlns:a14="http://schemas.microsoft.com/office/drawing/2010/main" xmlns="" w="9525">
+                <a14:hiddenLine xmlns="" xmlns:a14="http://schemas.microsoft.com/office/drawing/2010/main" w="9525">
                   <a:solidFill>
                     <a:srgbClr val="000000"/>
                   </a:solidFill>
@@ -2285,7 +2290,7 @@
             </a:ln>
             <a:extLst>
               <a:ext uri="{91240B29-F687-4f45-9708-019B960494DF}">
-                <a14:hiddenLine xmlns:a14="http://schemas.microsoft.com/office/drawing/2010/main" xmlns="" w="9525">
+                <a14:hiddenLine xmlns="" xmlns:a14="http://schemas.microsoft.com/office/drawing/2010/main" w="9525">
                   <a:solidFill>
                     <a:srgbClr val="000000"/>
                   </a:solidFill>
@@ -2341,7 +2346,7 @@
             </a:ln>
             <a:extLst>
               <a:ext uri="{91240B29-F687-4f45-9708-019B960494DF}">
-                <a14:hiddenLine xmlns:a14="http://schemas.microsoft.com/office/drawing/2010/main" xmlns="" w="9525">
+                <a14:hiddenLine xmlns="" xmlns:a14="http://schemas.microsoft.com/office/drawing/2010/main" w="9525">
                   <a:solidFill>
                     <a:srgbClr val="000000"/>
                   </a:solidFill>
@@ -2431,7 +2436,7 @@
             </a:ln>
             <a:extLst>
               <a:ext uri="{91240B29-F687-4f45-9708-019B960494DF}">
-                <a14:hiddenLine xmlns:a14="http://schemas.microsoft.com/office/drawing/2010/main" xmlns="" w="9525">
+                <a14:hiddenLine xmlns="" xmlns:a14="http://schemas.microsoft.com/office/drawing/2010/main" w="9525">
                   <a:solidFill>
                     <a:srgbClr val="000000"/>
                   </a:solidFill>
@@ -2499,7 +2504,7 @@
             </a:ln>
             <a:extLst>
               <a:ext uri="{91240B29-F687-4f45-9708-019B960494DF}">
-                <a14:hiddenLine xmlns:a14="http://schemas.microsoft.com/office/drawing/2010/main" xmlns="" w="9525">
+                <a14:hiddenLine xmlns="" xmlns:a14="http://schemas.microsoft.com/office/drawing/2010/main" w="9525">
                   <a:solidFill>
                     <a:srgbClr val="000000"/>
                   </a:solidFill>
@@ -2589,7 +2594,7 @@
             </a:ln>
             <a:extLst>
               <a:ext uri="{91240B29-F687-4f45-9708-019B960494DF}">
-                <a14:hiddenLine xmlns:a14="http://schemas.microsoft.com/office/drawing/2010/main" xmlns="" w="9525">
+                <a14:hiddenLine xmlns="" xmlns:a14="http://schemas.microsoft.com/office/drawing/2010/main" w="9525">
                   <a:solidFill>
                     <a:srgbClr val="000000"/>
                   </a:solidFill>
@@ -2657,7 +2662,7 @@
             </a:ln>
             <a:extLst>
               <a:ext uri="{91240B29-F687-4f45-9708-019B960494DF}">
-                <a14:hiddenLine xmlns:a14="http://schemas.microsoft.com/office/drawing/2010/main" xmlns="" w="9525">
+                <a14:hiddenLine xmlns="" xmlns:a14="http://schemas.microsoft.com/office/drawing/2010/main" w="9525">
                   <a:solidFill>
                     <a:srgbClr val="000000"/>
                   </a:solidFill>
@@ -2747,7 +2752,7 @@
             </a:ln>
             <a:extLst>
               <a:ext uri="{91240B29-F687-4f45-9708-019B960494DF}">
-                <a14:hiddenLine xmlns:a14="http://schemas.microsoft.com/office/drawing/2010/main" xmlns="" w="9525">
+                <a14:hiddenLine xmlns="" xmlns:a14="http://schemas.microsoft.com/office/drawing/2010/main" w="9525">
                   <a:solidFill>
                     <a:srgbClr val="000000"/>
                   </a:solidFill>
@@ -2781,7 +2786,7 @@
             </a:ln>
             <a:extLst>
               <a:ext uri="{91240B29-F687-4f45-9708-019B960494DF}">
-                <a14:hiddenLine xmlns:a14="http://schemas.microsoft.com/office/drawing/2010/main" xmlns="" w="9525">
+                <a14:hiddenLine xmlns="" xmlns:a14="http://schemas.microsoft.com/office/drawing/2010/main" w="9525">
                   <a:solidFill>
                     <a:srgbClr val="000000"/>
                   </a:solidFill>
@@ -2871,7 +2876,7 @@
             </a:ln>
             <a:extLst>
               <a:ext uri="{91240B29-F687-4f45-9708-019B960494DF}">
-                <a14:hiddenLine xmlns:a14="http://schemas.microsoft.com/office/drawing/2010/main" xmlns="" w="9525">
+                <a14:hiddenLine xmlns="" xmlns:a14="http://schemas.microsoft.com/office/drawing/2010/main" w="9525">
                   <a:solidFill>
                     <a:srgbClr val="000000"/>
                   </a:solidFill>
@@ -2933,7 +2938,7 @@
             </a:ln>
             <a:extLst>
               <a:ext uri="{91240B29-F687-4f45-9708-019B960494DF}">
-                <a14:hiddenLine xmlns:a14="http://schemas.microsoft.com/office/drawing/2010/main" xmlns="" w="9525">
+                <a14:hiddenLine xmlns="" xmlns:a14="http://schemas.microsoft.com/office/drawing/2010/main" w="9525">
                   <a:solidFill>
                     <a:srgbClr val="000000"/>
                   </a:solidFill>
@@ -2995,7 +3000,7 @@
             </a:ln>
             <a:extLst>
               <a:ext uri="{91240B29-F687-4f45-9708-019B960494DF}">
-                <a14:hiddenLine xmlns:a14="http://schemas.microsoft.com/office/drawing/2010/main" xmlns="" w="9525">
+                <a14:hiddenLine xmlns="" xmlns:a14="http://schemas.microsoft.com/office/drawing/2010/main" w="9525">
                   <a:solidFill>
                     <a:srgbClr val="000000"/>
                   </a:solidFill>
@@ -3085,7 +3090,7 @@
             </a:ln>
             <a:extLst>
               <a:ext uri="{91240B29-F687-4f45-9708-019B960494DF}">
-                <a14:hiddenLine xmlns:a14="http://schemas.microsoft.com/office/drawing/2010/main" xmlns="" w="9525">
+                <a14:hiddenLine xmlns="" xmlns:a14="http://schemas.microsoft.com/office/drawing/2010/main" w="9525">
                   <a:solidFill>
                     <a:srgbClr val="000000"/>
                   </a:solidFill>
@@ -3153,7 +3158,7 @@
             </a:ln>
             <a:extLst>
               <a:ext uri="{91240B29-F687-4f45-9708-019B960494DF}">
-                <a14:hiddenLine xmlns:a14="http://schemas.microsoft.com/office/drawing/2010/main" xmlns="" w="9525">
+                <a14:hiddenLine xmlns="" xmlns:a14="http://schemas.microsoft.com/office/drawing/2010/main" w="9525">
                   <a:solidFill>
                     <a:srgbClr val="000000"/>
                   </a:solidFill>
@@ -3215,7 +3220,7 @@
             </a:ln>
             <a:extLst>
               <a:ext uri="{91240B29-F687-4f45-9708-019B960494DF}">
-                <a14:hiddenLine xmlns:a14="http://schemas.microsoft.com/office/drawing/2010/main" xmlns="" w="9525">
+                <a14:hiddenLine xmlns="" xmlns:a14="http://schemas.microsoft.com/office/drawing/2010/main" w="9525">
                   <a:solidFill>
                     <a:srgbClr val="000000"/>
                   </a:solidFill>
@@ -3305,7 +3310,7 @@
             </a:ln>
             <a:extLst>
               <a:ext uri="{91240B29-F687-4f45-9708-019B960494DF}">
-                <a14:hiddenLine xmlns:a14="http://schemas.microsoft.com/office/drawing/2010/main" xmlns="" w="9525">
+                <a14:hiddenLine xmlns="" xmlns:a14="http://schemas.microsoft.com/office/drawing/2010/main" w="9525">
                   <a:solidFill>
                     <a:srgbClr val="000000"/>
                   </a:solidFill>
@@ -3367,7 +3372,7 @@
             </a:ln>
             <a:extLst>
               <a:ext uri="{91240B29-F687-4f45-9708-019B960494DF}">
-                <a14:hiddenLine xmlns:a14="http://schemas.microsoft.com/office/drawing/2010/main" xmlns="" w="9525">
+                <a14:hiddenLine xmlns="" xmlns:a14="http://schemas.microsoft.com/office/drawing/2010/main" w="9525">
                   <a:solidFill>
                     <a:srgbClr val="000000"/>
                   </a:solidFill>
@@ -3457,7 +3462,7 @@
             </a:ln>
             <a:extLst>
               <a:ext uri="{91240B29-F687-4f45-9708-019B960494DF}">
-                <a14:hiddenLine xmlns:a14="http://schemas.microsoft.com/office/drawing/2010/main" xmlns="" w="9525">
+                <a14:hiddenLine xmlns="" xmlns:a14="http://schemas.microsoft.com/office/drawing/2010/main" w="9525">
                   <a:solidFill>
                     <a:srgbClr val="000000"/>
                   </a:solidFill>
@@ -3519,7 +3524,7 @@
             </a:ln>
             <a:extLst>
               <a:ext uri="{91240B29-F687-4f45-9708-019B960494DF}">
-                <a14:hiddenLine xmlns:a14="http://schemas.microsoft.com/office/drawing/2010/main" xmlns="" w="9525">
+                <a14:hiddenLine xmlns="" xmlns:a14="http://schemas.microsoft.com/office/drawing/2010/main" w="9525">
                   <a:solidFill>
                     <a:srgbClr val="000000"/>
                   </a:solidFill>
@@ -3609,7 +3614,7 @@
             </a:ln>
             <a:extLst>
               <a:ext uri="{91240B29-F687-4f45-9708-019B960494DF}">
-                <a14:hiddenLine xmlns:a14="http://schemas.microsoft.com/office/drawing/2010/main" xmlns="" w="9525">
+                <a14:hiddenLine xmlns="" xmlns:a14="http://schemas.microsoft.com/office/drawing/2010/main" w="9525">
                   <a:solidFill>
                     <a:srgbClr val="000000"/>
                   </a:solidFill>
@@ -3643,7 +3648,7 @@
             </a:ln>
             <a:extLst>
               <a:ext uri="{91240B29-F687-4f45-9708-019B960494DF}">
-                <a14:hiddenLine xmlns:a14="http://schemas.microsoft.com/office/drawing/2010/main" xmlns="" w="9525">
+                <a14:hiddenLine xmlns="" xmlns:a14="http://schemas.microsoft.com/office/drawing/2010/main" w="9525">
                   <a:solidFill>
                     <a:srgbClr val="000000"/>
                   </a:solidFill>
@@ -3708,7 +3713,7 @@
             </a:ln>
             <a:extLst>
               <a:ext uri="{91240B29-F687-4f45-9708-019B960494DF}">
-                <a14:hiddenLine xmlns:a14="http://schemas.microsoft.com/office/drawing/2010/main" xmlns="" w="9525">
+                <a14:hiddenLine xmlns="" xmlns:a14="http://schemas.microsoft.com/office/drawing/2010/main" w="9525">
                   <a:solidFill>
                     <a:srgbClr val="000000"/>
                   </a:solidFill>
@@ -3798,7 +3803,7 @@
             </a:ln>
             <a:extLst>
               <a:ext uri="{91240B29-F687-4f45-9708-019B960494DF}">
-                <a14:hiddenLine xmlns:a14="http://schemas.microsoft.com/office/drawing/2010/main" xmlns="" w="9525">
+                <a14:hiddenLine xmlns="" xmlns:a14="http://schemas.microsoft.com/office/drawing/2010/main" w="9525">
                   <a:solidFill>
                     <a:srgbClr val="000000"/>
                   </a:solidFill>
@@ -3860,7 +3865,7 @@
             </a:ln>
             <a:extLst>
               <a:ext uri="{91240B29-F687-4f45-9708-019B960494DF}">
-                <a14:hiddenLine xmlns:a14="http://schemas.microsoft.com/office/drawing/2010/main" xmlns="" w="9525">
+                <a14:hiddenLine xmlns="" xmlns:a14="http://schemas.microsoft.com/office/drawing/2010/main" w="9525">
                   <a:solidFill>
                     <a:srgbClr val="000000"/>
                   </a:solidFill>
@@ -3950,7 +3955,7 @@
             </a:ln>
             <a:extLst>
               <a:ext uri="{91240B29-F687-4f45-9708-019B960494DF}">
-                <a14:hiddenLine xmlns:a14="http://schemas.microsoft.com/office/drawing/2010/main" xmlns="" w="9525">
+                <a14:hiddenLine xmlns="" xmlns:a14="http://schemas.microsoft.com/office/drawing/2010/main" w="9525">
                   <a:solidFill>
                     <a:srgbClr val="000000"/>
                   </a:solidFill>
@@ -4040,7 +4045,7 @@
             </a:ln>
             <a:extLst>
               <a:ext uri="{91240B29-F687-4f45-9708-019B960494DF}">
-                <a14:hiddenLine xmlns:a14="http://schemas.microsoft.com/office/drawing/2010/main" xmlns="" w="9525">
+                <a14:hiddenLine xmlns="" xmlns:a14="http://schemas.microsoft.com/office/drawing/2010/main" w="9525">
                   <a:solidFill>
                     <a:srgbClr val="000000"/>
                   </a:solidFill>
@@ -4105,7 +4110,7 @@
             </a:ln>
             <a:extLst>
               <a:ext uri="{91240B29-F687-4f45-9708-019B960494DF}">
-                <a14:hiddenLine xmlns:a14="http://schemas.microsoft.com/office/drawing/2010/main" xmlns="" w="9525">
+                <a14:hiddenLine xmlns="" xmlns:a14="http://schemas.microsoft.com/office/drawing/2010/main" w="9525">
                   <a:solidFill>
                     <a:srgbClr val="000000"/>
                   </a:solidFill>
@@ -4167,7 +4172,7 @@
             </a:ln>
             <a:extLst>
               <a:ext uri="{91240B29-F687-4f45-9708-019B960494DF}">
-                <a14:hiddenLine xmlns:a14="http://schemas.microsoft.com/office/drawing/2010/main" xmlns="" w="9525">
+                <a14:hiddenLine xmlns="" xmlns:a14="http://schemas.microsoft.com/office/drawing/2010/main" w="9525">
                   <a:solidFill>
                     <a:srgbClr val="000000"/>
                   </a:solidFill>
@@ -4257,7 +4262,7 @@
             </a:ln>
             <a:extLst>
               <a:ext uri="{91240B29-F687-4f45-9708-019B960494DF}">
-                <a14:hiddenLine xmlns:a14="http://schemas.microsoft.com/office/drawing/2010/main" xmlns="" w="9525">
+                <a14:hiddenLine xmlns="" xmlns:a14="http://schemas.microsoft.com/office/drawing/2010/main" w="9525">
                   <a:solidFill>
                     <a:srgbClr val="000000"/>
                   </a:solidFill>
@@ -4347,7 +4352,7 @@
             </a:ln>
             <a:extLst>
               <a:ext uri="{91240B29-F687-4f45-9708-019B960494DF}">
-                <a14:hiddenLine xmlns:a14="http://schemas.microsoft.com/office/drawing/2010/main" xmlns="" w="9525">
+                <a14:hiddenLine xmlns="" xmlns:a14="http://schemas.microsoft.com/office/drawing/2010/main" w="9525">
                   <a:solidFill>
                     <a:srgbClr val="000000"/>
                   </a:solidFill>
@@ -4409,7 +4414,7 @@
             </a:ln>
             <a:extLst>
               <a:ext uri="{91240B29-F687-4f45-9708-019B960494DF}">
-                <a14:hiddenLine xmlns:a14="http://schemas.microsoft.com/office/drawing/2010/main" xmlns="" w="9525">
+                <a14:hiddenLine xmlns="" xmlns:a14="http://schemas.microsoft.com/office/drawing/2010/main" w="9525">
                   <a:solidFill>
                     <a:srgbClr val="000000"/>
                   </a:solidFill>
@@ -4529,7 +4534,7 @@
             </a:ln>
             <a:extLst>
               <a:ext uri="{91240B29-F687-4f45-9708-019B960494DF}">
-                <a14:hiddenLine xmlns:a14="http://schemas.microsoft.com/office/drawing/2010/main" xmlns="" w="9525">
+                <a14:hiddenLine xmlns="" xmlns:a14="http://schemas.microsoft.com/office/drawing/2010/main" w="9525">
                   <a:solidFill>
                     <a:srgbClr val="000000"/>
                   </a:solidFill>
@@ -4597,7 +4602,7 @@
             </a:ln>
             <a:extLst>
               <a:ext uri="{91240B29-F687-4f45-9708-019B960494DF}">
-                <a14:hiddenLine xmlns:a14="http://schemas.microsoft.com/office/drawing/2010/main" xmlns="" w="9525">
+                <a14:hiddenLine xmlns="" xmlns:a14="http://schemas.microsoft.com/office/drawing/2010/main" w="9525">
                   <a:solidFill>
                     <a:srgbClr val="000000"/>
                   </a:solidFill>
@@ -4687,7 +4692,7 @@
             </a:ln>
             <a:extLst>
               <a:ext uri="{91240B29-F687-4f45-9708-019B960494DF}">
-                <a14:hiddenLine xmlns:a14="http://schemas.microsoft.com/office/drawing/2010/main" xmlns="" w="9525">
+                <a14:hiddenLine xmlns="" xmlns:a14="http://schemas.microsoft.com/office/drawing/2010/main" w="9525">
                   <a:solidFill>
                     <a:srgbClr val="000000"/>
                   </a:solidFill>
@@ -4827,7 +4832,7 @@
           <a:p>
             <a:fld id="{48A87A34-81AB-432B-8DAE-1953F412C126}" type="datetimeFigureOut">
               <a:rPr lang="en-US" dirty="0"/>
-              <a:t>12/6/17</a:t>
+              <a:t>12/7/17</a:t>
             </a:fld>
             <a:endParaRPr lang="en-US" dirty="0"/>
           </a:p>
@@ -5089,7 +5094,7 @@
           <a:p>
             <a:fld id="{48A87A34-81AB-432B-8DAE-1953F412C126}" type="datetimeFigureOut">
               <a:rPr lang="en-US" dirty="0"/>
-              <a:t>12/6/17</a:t>
+              <a:t>12/7/17</a:t>
             </a:fld>
             <a:endParaRPr lang="en-US" dirty="0"/>
           </a:p>
@@ -5280,7 +5285,7 @@
           <a:p>
             <a:fld id="{48A87A34-81AB-432B-8DAE-1953F412C126}" type="datetimeFigureOut">
               <a:rPr lang="en-US" dirty="0"/>
-              <a:t>12/6/17</a:t>
+              <a:t>12/7/17</a:t>
             </a:fld>
             <a:endParaRPr lang="en-US" dirty="0"/>
           </a:p>
@@ -5538,7 +5543,7 @@
           <a:p>
             <a:fld id="{48A87A34-81AB-432B-8DAE-1953F412C126}" type="datetimeFigureOut">
               <a:rPr lang="en-US" dirty="0"/>
-              <a:t>12/6/17</a:t>
+              <a:t>12/7/17</a:t>
             </a:fld>
             <a:endParaRPr lang="en-US" dirty="0"/>
           </a:p>
@@ -5967,7 +5972,7 @@
           <a:p>
             <a:fld id="{48A87A34-81AB-432B-8DAE-1953F412C126}" type="datetimeFigureOut">
               <a:rPr lang="en-US" dirty="0"/>
-              <a:t>12/6/17</a:t>
+              <a:t>12/7/17</a:t>
             </a:fld>
             <a:endParaRPr lang="en-US" dirty="0"/>
           </a:p>
@@ -6508,7 +6513,7 @@
           <a:p>
             <a:fld id="{48A87A34-81AB-432B-8DAE-1953F412C126}" type="datetimeFigureOut">
               <a:rPr lang="en-US" dirty="0"/>
-              <a:t>12/6/17</a:t>
+              <a:t>12/7/17</a:t>
             </a:fld>
             <a:endParaRPr lang="en-US" dirty="0"/>
           </a:p>
@@ -7223,7 +7228,7 @@
           <a:p>
             <a:fld id="{48A87A34-81AB-432B-8DAE-1953F412C126}" type="datetimeFigureOut">
               <a:rPr lang="en-US" dirty="0"/>
-              <a:t>12/6/17</a:t>
+              <a:t>12/7/17</a:t>
             </a:fld>
             <a:endParaRPr lang="en-US" dirty="0"/>
           </a:p>
@@ -7388,7 +7393,7 @@
           <a:p>
             <a:fld id="{48A87A34-81AB-432B-8DAE-1953F412C126}" type="datetimeFigureOut">
               <a:rPr lang="en-US" dirty="0"/>
-              <a:t>12/6/17</a:t>
+              <a:t>12/7/17</a:t>
             </a:fld>
             <a:endParaRPr lang="en-US" dirty="0"/>
           </a:p>
@@ -7563,7 +7568,7 @@
           <a:p>
             <a:fld id="{48A87A34-81AB-432B-8DAE-1953F412C126}" type="datetimeFigureOut">
               <a:rPr lang="en-US" dirty="0"/>
-              <a:t>12/6/17</a:t>
+              <a:t>12/7/17</a:t>
             </a:fld>
             <a:endParaRPr lang="en-US" dirty="0"/>
           </a:p>
@@ -7728,7 +7733,7 @@
           <a:p>
             <a:fld id="{48A87A34-81AB-432B-8DAE-1953F412C126}" type="datetimeFigureOut">
               <a:rPr lang="en-US" dirty="0"/>
-              <a:t>12/6/17</a:t>
+              <a:t>12/7/17</a:t>
             </a:fld>
             <a:endParaRPr lang="en-US" dirty="0"/>
           </a:p>
@@ -7973,7 +7978,7 @@
           <a:p>
             <a:fld id="{48A87A34-81AB-432B-8DAE-1953F412C126}" type="datetimeFigureOut">
               <a:rPr lang="en-US" dirty="0"/>
-              <a:t>12/6/17</a:t>
+              <a:t>12/7/17</a:t>
             </a:fld>
             <a:endParaRPr lang="en-US" dirty="0"/>
           </a:p>
@@ -8200,7 +8205,7 @@
           <a:p>
             <a:fld id="{48A87A34-81AB-432B-8DAE-1953F412C126}" type="datetimeFigureOut">
               <a:rPr lang="en-US" dirty="0"/>
-              <a:t>12/6/17</a:t>
+              <a:t>12/7/17</a:t>
             </a:fld>
             <a:endParaRPr lang="en-US" dirty="0"/>
           </a:p>
@@ -8576,7 +8581,7 @@
           <a:p>
             <a:fld id="{48A87A34-81AB-432B-8DAE-1953F412C126}" type="datetimeFigureOut">
               <a:rPr lang="en-US" dirty="0"/>
-              <a:t>12/6/17</a:t>
+              <a:t>12/7/17</a:t>
             </a:fld>
             <a:endParaRPr lang="en-US" dirty="0"/>
           </a:p>
@@ -8689,7 +8694,7 @@
           <a:p>
             <a:fld id="{48A87A34-81AB-432B-8DAE-1953F412C126}" type="datetimeFigureOut">
               <a:rPr lang="en-US" dirty="0"/>
-              <a:t>12/6/17</a:t>
+              <a:t>12/7/17</a:t>
             </a:fld>
             <a:endParaRPr lang="en-US" dirty="0"/>
           </a:p>
@@ -8779,7 +8784,7 @@
           <a:p>
             <a:fld id="{48A87A34-81AB-432B-8DAE-1953F412C126}" type="datetimeFigureOut">
               <a:rPr lang="en-US" dirty="0"/>
-              <a:t>12/6/17</a:t>
+              <a:t>12/7/17</a:t>
             </a:fld>
             <a:endParaRPr lang="en-US" dirty="0"/>
           </a:p>
@@ -9023,7 +9028,7 @@
           <a:p>
             <a:fld id="{48A87A34-81AB-432B-8DAE-1953F412C126}" type="datetimeFigureOut">
               <a:rPr lang="en-US" dirty="0"/>
-              <a:t>12/6/17</a:t>
+              <a:t>12/7/17</a:t>
             </a:fld>
             <a:endParaRPr lang="en-US" dirty="0"/>
           </a:p>
@@ -9298,7 +9303,7 @@
           <a:p>
             <a:fld id="{48A87A34-81AB-432B-8DAE-1953F412C126}" type="datetimeFigureOut">
               <a:rPr lang="en-US" dirty="0"/>
-              <a:t>12/6/17</a:t>
+              <a:t>12/7/17</a:t>
             </a:fld>
             <a:endParaRPr lang="en-US" dirty="0"/>
           </a:p>
@@ -9409,7 +9414,7 @@
           <a:noFill/>
           <a:extLst>
             <a:ext uri="{909E8E84-426E-40dd-AFC4-6F175D3DCCD1}">
-              <a14:hiddenFill xmlns:a14="http://schemas.microsoft.com/office/drawing/2010/main" xmlns="">
+              <a14:hiddenFill xmlns="" xmlns:a14="http://schemas.microsoft.com/office/drawing/2010/main">
                 <a:solidFill>
                   <a:srgbClr val="FFFFFF"/>
                 </a:solidFill>
@@ -9483,7 +9488,7 @@
               </a:ln>
               <a:extLst>
                 <a:ext uri="{91240B29-F687-4f45-9708-019B960494DF}">
-                  <a14:hiddenLine xmlns:a14="http://schemas.microsoft.com/office/drawing/2010/main" xmlns="" w="9525">
+                  <a14:hiddenLine xmlns="" xmlns:a14="http://schemas.microsoft.com/office/drawing/2010/main" w="9525">
                     <a:solidFill>
                       <a:srgbClr val="000000"/>
                     </a:solidFill>
@@ -9573,7 +9578,7 @@
               </a:ln>
               <a:extLst>
                 <a:ext uri="{91240B29-F687-4f45-9708-019B960494DF}">
-                  <a14:hiddenLine xmlns:a14="http://schemas.microsoft.com/office/drawing/2010/main" xmlns="" w="9525">
+                  <a14:hiddenLine xmlns="" xmlns:a14="http://schemas.microsoft.com/office/drawing/2010/main" w="9525">
                     <a:solidFill>
                       <a:srgbClr val="000000"/>
                     </a:solidFill>
@@ -9663,7 +9668,7 @@
               </a:ln>
               <a:extLst>
                 <a:ext uri="{91240B29-F687-4f45-9708-019B960494DF}">
-                  <a14:hiddenLine xmlns:a14="http://schemas.microsoft.com/office/drawing/2010/main" xmlns="" w="9525">
+                  <a14:hiddenLine xmlns="" xmlns:a14="http://schemas.microsoft.com/office/drawing/2010/main" w="9525">
                     <a:solidFill>
                       <a:srgbClr val="000000"/>
                     </a:solidFill>
@@ -9725,7 +9730,7 @@
               </a:ln>
               <a:extLst>
                 <a:ext uri="{91240B29-F687-4f45-9708-019B960494DF}">
-                  <a14:hiddenLine xmlns:a14="http://schemas.microsoft.com/office/drawing/2010/main" xmlns="" w="9525">
+                  <a14:hiddenLine xmlns="" xmlns:a14="http://schemas.microsoft.com/office/drawing/2010/main" w="9525">
                     <a:solidFill>
                       <a:srgbClr val="000000"/>
                     </a:solidFill>
@@ -9815,7 +9820,7 @@
               </a:ln>
               <a:extLst>
                 <a:ext uri="{91240B29-F687-4f45-9708-019B960494DF}">
-                  <a14:hiddenLine xmlns:a14="http://schemas.microsoft.com/office/drawing/2010/main" xmlns="" w="9525">
+                  <a14:hiddenLine xmlns="" xmlns:a14="http://schemas.microsoft.com/office/drawing/2010/main" w="9525">
                     <a:solidFill>
                       <a:srgbClr val="000000"/>
                     </a:solidFill>
@@ -9877,7 +9882,7 @@
               </a:ln>
               <a:extLst>
                 <a:ext uri="{91240B29-F687-4f45-9708-019B960494DF}">
-                  <a14:hiddenLine xmlns:a14="http://schemas.microsoft.com/office/drawing/2010/main" xmlns="" w="9525">
+                  <a14:hiddenLine xmlns="" xmlns:a14="http://schemas.microsoft.com/office/drawing/2010/main" w="9525">
                     <a:solidFill>
                       <a:srgbClr val="000000"/>
                     </a:solidFill>
@@ -9939,7 +9944,7 @@
               </a:ln>
               <a:extLst>
                 <a:ext uri="{91240B29-F687-4f45-9708-019B960494DF}">
-                  <a14:hiddenLine xmlns:a14="http://schemas.microsoft.com/office/drawing/2010/main" xmlns="" w="9525">
+                  <a14:hiddenLine xmlns="" xmlns:a14="http://schemas.microsoft.com/office/drawing/2010/main" w="9525">
                     <a:solidFill>
                       <a:srgbClr val="000000"/>
                     </a:solidFill>
@@ -10029,7 +10034,7 @@
               </a:ln>
               <a:extLst>
                 <a:ext uri="{91240B29-F687-4f45-9708-019B960494DF}">
-                  <a14:hiddenLine xmlns:a14="http://schemas.microsoft.com/office/drawing/2010/main" xmlns="" w="9525">
+                  <a14:hiddenLine xmlns="" xmlns:a14="http://schemas.microsoft.com/office/drawing/2010/main" w="9525">
                     <a:solidFill>
                       <a:srgbClr val="000000"/>
                     </a:solidFill>
@@ -10119,7 +10124,7 @@
               </a:ln>
               <a:extLst>
                 <a:ext uri="{91240B29-F687-4f45-9708-019B960494DF}">
-                  <a14:hiddenLine xmlns:a14="http://schemas.microsoft.com/office/drawing/2010/main" xmlns="" w="9525">
+                  <a14:hiddenLine xmlns="" xmlns:a14="http://schemas.microsoft.com/office/drawing/2010/main" w="9525">
                     <a:solidFill>
                       <a:srgbClr val="000000"/>
                     </a:solidFill>
@@ -10181,7 +10186,7 @@
               </a:ln>
               <a:extLst>
                 <a:ext uri="{91240B29-F687-4f45-9708-019B960494DF}">
-                  <a14:hiddenLine xmlns:a14="http://schemas.microsoft.com/office/drawing/2010/main" xmlns="" w="9525">
+                  <a14:hiddenLine xmlns="" xmlns:a14="http://schemas.microsoft.com/office/drawing/2010/main" w="9525">
                     <a:solidFill>
                       <a:srgbClr val="000000"/>
                     </a:solidFill>
@@ -10291,7 +10296,7 @@
               </a:ln>
               <a:extLst>
                 <a:ext uri="{91240B29-F687-4f45-9708-019B960494DF}">
-                  <a14:hiddenLine xmlns:a14="http://schemas.microsoft.com/office/drawing/2010/main" xmlns="" w="9525">
+                  <a14:hiddenLine xmlns="" xmlns:a14="http://schemas.microsoft.com/office/drawing/2010/main" w="9525">
                     <a:solidFill>
                       <a:srgbClr val="000000"/>
                     </a:solidFill>
@@ -10375,7 +10380,7 @@
               </a:ln>
               <a:extLst>
                 <a:ext uri="{91240B29-F687-4f45-9708-019B960494DF}">
-                  <a14:hiddenLine xmlns:a14="http://schemas.microsoft.com/office/drawing/2010/main" xmlns="" w="9525">
+                  <a14:hiddenLine xmlns="" xmlns:a14="http://schemas.microsoft.com/office/drawing/2010/main" w="9525">
                     <a:solidFill>
                       <a:srgbClr val="000000"/>
                     </a:solidFill>
@@ -10437,7 +10442,7 @@
               </a:ln>
               <a:extLst>
                 <a:ext uri="{91240B29-F687-4f45-9708-019B960494DF}">
-                  <a14:hiddenLine xmlns:a14="http://schemas.microsoft.com/office/drawing/2010/main" xmlns="" w="9525">
+                  <a14:hiddenLine xmlns="" xmlns:a14="http://schemas.microsoft.com/office/drawing/2010/main" w="9525">
                     <a:solidFill>
                       <a:srgbClr val="000000"/>
                     </a:solidFill>
@@ -10499,7 +10504,7 @@
               </a:ln>
               <a:extLst>
                 <a:ext uri="{91240B29-F687-4f45-9708-019B960494DF}">
-                  <a14:hiddenLine xmlns:a14="http://schemas.microsoft.com/office/drawing/2010/main" xmlns="" w="9525">
+                  <a14:hiddenLine xmlns="" xmlns:a14="http://schemas.microsoft.com/office/drawing/2010/main" w="9525">
                     <a:solidFill>
                       <a:srgbClr val="000000"/>
                     </a:solidFill>
@@ -10589,7 +10594,7 @@
               </a:ln>
               <a:extLst>
                 <a:ext uri="{91240B29-F687-4f45-9708-019B960494DF}">
-                  <a14:hiddenLine xmlns:a14="http://schemas.microsoft.com/office/drawing/2010/main" xmlns="" w="9525">
+                  <a14:hiddenLine xmlns="" xmlns:a14="http://schemas.microsoft.com/office/drawing/2010/main" w="9525">
                     <a:solidFill>
                       <a:srgbClr val="000000"/>
                     </a:solidFill>
@@ -10623,7 +10628,7 @@
               </a:ln>
               <a:extLst>
                 <a:ext uri="{91240B29-F687-4f45-9708-019B960494DF}">
-                  <a14:hiddenLine xmlns:a14="http://schemas.microsoft.com/office/drawing/2010/main" xmlns="" w="9525">
+                  <a14:hiddenLine xmlns="" xmlns:a14="http://schemas.microsoft.com/office/drawing/2010/main" w="9525">
                     <a:solidFill>
                       <a:srgbClr val="000000"/>
                     </a:solidFill>
@@ -10688,7 +10693,7 @@
               </a:ln>
               <a:extLst>
                 <a:ext uri="{91240B29-F687-4f45-9708-019B960494DF}">
-                  <a14:hiddenLine xmlns:a14="http://schemas.microsoft.com/office/drawing/2010/main" xmlns="" w="9525">
+                  <a14:hiddenLine xmlns="" xmlns:a14="http://schemas.microsoft.com/office/drawing/2010/main" w="9525">
                     <a:solidFill>
                       <a:srgbClr val="000000"/>
                     </a:solidFill>
@@ -10778,7 +10783,7 @@
               </a:ln>
               <a:extLst>
                 <a:ext uri="{91240B29-F687-4f45-9708-019B960494DF}">
-                  <a14:hiddenLine xmlns:a14="http://schemas.microsoft.com/office/drawing/2010/main" xmlns="" w="9525">
+                  <a14:hiddenLine xmlns="" xmlns:a14="http://schemas.microsoft.com/office/drawing/2010/main" w="9525">
                     <a:solidFill>
                       <a:srgbClr val="000000"/>
                     </a:solidFill>
@@ -10840,7 +10845,7 @@
               </a:ln>
               <a:extLst>
                 <a:ext uri="{91240B29-F687-4f45-9708-019B960494DF}">
-                  <a14:hiddenLine xmlns:a14="http://schemas.microsoft.com/office/drawing/2010/main" xmlns="" w="9525">
+                  <a14:hiddenLine xmlns="" xmlns:a14="http://schemas.microsoft.com/office/drawing/2010/main" w="9525">
                     <a:solidFill>
                       <a:srgbClr val="000000"/>
                     </a:solidFill>
@@ -10930,7 +10935,7 @@
               </a:ln>
               <a:extLst>
                 <a:ext uri="{91240B29-F687-4f45-9708-019B960494DF}">
-                  <a14:hiddenLine xmlns:a14="http://schemas.microsoft.com/office/drawing/2010/main" xmlns="" w="9525">
+                  <a14:hiddenLine xmlns="" xmlns:a14="http://schemas.microsoft.com/office/drawing/2010/main" w="9525">
                     <a:solidFill>
                       <a:srgbClr val="000000"/>
                     </a:solidFill>
@@ -10995,7 +11000,7 @@
               </a:ln>
               <a:extLst>
                 <a:ext uri="{91240B29-F687-4f45-9708-019B960494DF}">
-                  <a14:hiddenLine xmlns:a14="http://schemas.microsoft.com/office/drawing/2010/main" xmlns="" w="9525">
+                  <a14:hiddenLine xmlns="" xmlns:a14="http://schemas.microsoft.com/office/drawing/2010/main" w="9525">
                     <a:solidFill>
                       <a:srgbClr val="000000"/>
                     </a:solidFill>
@@ -11057,7 +11062,7 @@
               </a:ln>
               <a:extLst>
                 <a:ext uri="{91240B29-F687-4f45-9708-019B960494DF}">
-                  <a14:hiddenLine xmlns:a14="http://schemas.microsoft.com/office/drawing/2010/main" xmlns="" w="9525">
+                  <a14:hiddenLine xmlns="" xmlns:a14="http://schemas.microsoft.com/office/drawing/2010/main" w="9525">
                     <a:solidFill>
                       <a:srgbClr val="000000"/>
                     </a:solidFill>
@@ -11147,7 +11152,7 @@
               </a:ln>
               <a:extLst>
                 <a:ext uri="{91240B29-F687-4f45-9708-019B960494DF}">
-                  <a14:hiddenLine xmlns:a14="http://schemas.microsoft.com/office/drawing/2010/main" xmlns="" w="9525">
+                  <a14:hiddenLine xmlns="" xmlns:a14="http://schemas.microsoft.com/office/drawing/2010/main" w="9525">
                     <a:solidFill>
                       <a:srgbClr val="000000"/>
                     </a:solidFill>
@@ -11237,7 +11242,7 @@
               </a:ln>
               <a:extLst>
                 <a:ext uri="{91240B29-F687-4f45-9708-019B960494DF}">
-                  <a14:hiddenLine xmlns:a14="http://schemas.microsoft.com/office/drawing/2010/main" xmlns="" w="9525">
+                  <a14:hiddenLine xmlns="" xmlns:a14="http://schemas.microsoft.com/office/drawing/2010/main" w="9525">
                     <a:solidFill>
                       <a:srgbClr val="000000"/>
                     </a:solidFill>
@@ -11302,7 +11307,7 @@
               </a:ln>
               <a:extLst>
                 <a:ext uri="{91240B29-F687-4f45-9708-019B960494DF}">
-                  <a14:hiddenLine xmlns:a14="http://schemas.microsoft.com/office/drawing/2010/main" xmlns="" w="9525">
+                  <a14:hiddenLine xmlns="" xmlns:a14="http://schemas.microsoft.com/office/drawing/2010/main" w="9525">
                     <a:solidFill>
                       <a:srgbClr val="000000"/>
                     </a:solidFill>
@@ -11422,7 +11427,7 @@
               </a:ln>
               <a:extLst>
                 <a:ext uri="{91240B29-F687-4f45-9708-019B960494DF}">
-                  <a14:hiddenLine xmlns:a14="http://schemas.microsoft.com/office/drawing/2010/main" xmlns="" w="9525">
+                  <a14:hiddenLine xmlns="" xmlns:a14="http://schemas.microsoft.com/office/drawing/2010/main" w="9525">
                     <a:solidFill>
                       <a:srgbClr val="000000"/>
                     </a:solidFill>
@@ -11520,7 +11525,7 @@
               </a:ln>
               <a:extLst>
                 <a:ext uri="{91240B29-F687-4f45-9708-019B960494DF}">
-                  <a14:hiddenLine xmlns:a14="http://schemas.microsoft.com/office/drawing/2010/main" xmlns="" w="9525">
+                  <a14:hiddenLine xmlns="" xmlns:a14="http://schemas.microsoft.com/office/drawing/2010/main" w="9525">
                     <a:solidFill>
                       <a:srgbClr val="000000"/>
                     </a:solidFill>
@@ -11635,7 +11640,7 @@
               </a:ln>
               <a:extLst>
                 <a:ext uri="{91240B29-F687-4f45-9708-019B960494DF}">
-                  <a14:hiddenLine xmlns:a14="http://schemas.microsoft.com/office/drawing/2010/main" xmlns="" w="9525">
+                  <a14:hiddenLine xmlns="" xmlns:a14="http://schemas.microsoft.com/office/drawing/2010/main" w="9525">
                     <a:solidFill>
                       <a:srgbClr val="000000"/>
                     </a:solidFill>
@@ -11725,7 +11730,7 @@
               </a:ln>
               <a:extLst>
                 <a:ext uri="{91240B29-F687-4f45-9708-019B960494DF}">
-                  <a14:hiddenLine xmlns:a14="http://schemas.microsoft.com/office/drawing/2010/main" xmlns="" w="9525">
+                  <a14:hiddenLine xmlns="" xmlns:a14="http://schemas.microsoft.com/office/drawing/2010/main" w="9525">
                     <a:solidFill>
                       <a:srgbClr val="000000"/>
                     </a:solidFill>
@@ -11790,7 +11795,7 @@
               </a:ln>
               <a:extLst>
                 <a:ext uri="{91240B29-F687-4f45-9708-019B960494DF}">
-                  <a14:hiddenLine xmlns:a14="http://schemas.microsoft.com/office/drawing/2010/main" xmlns="" w="9525">
+                  <a14:hiddenLine xmlns="" xmlns:a14="http://schemas.microsoft.com/office/drawing/2010/main" w="9525">
                     <a:solidFill>
                       <a:srgbClr val="000000"/>
                     </a:solidFill>
@@ -11880,7 +11885,7 @@
               </a:ln>
               <a:extLst>
                 <a:ext uri="{91240B29-F687-4f45-9708-019B960494DF}">
-                  <a14:hiddenLine xmlns:a14="http://schemas.microsoft.com/office/drawing/2010/main" xmlns="" w="9525">
+                  <a14:hiddenLine xmlns="" xmlns:a14="http://schemas.microsoft.com/office/drawing/2010/main" w="9525">
                     <a:solidFill>
                       <a:srgbClr val="000000"/>
                     </a:solidFill>
@@ -11948,7 +11953,7 @@
               </a:ln>
               <a:extLst>
                 <a:ext uri="{91240B29-F687-4f45-9708-019B960494DF}">
-                  <a14:hiddenLine xmlns:a14="http://schemas.microsoft.com/office/drawing/2010/main" xmlns="" w="9525">
+                  <a14:hiddenLine xmlns="" xmlns:a14="http://schemas.microsoft.com/office/drawing/2010/main" w="9525">
                     <a:solidFill>
                       <a:srgbClr val="000000"/>
                     </a:solidFill>
@@ -12038,7 +12043,7 @@
               </a:ln>
               <a:extLst>
                 <a:ext uri="{91240B29-F687-4f45-9708-019B960494DF}">
-                  <a14:hiddenLine xmlns:a14="http://schemas.microsoft.com/office/drawing/2010/main" xmlns="" w="9525">
+                  <a14:hiddenLine xmlns="" xmlns:a14="http://schemas.microsoft.com/office/drawing/2010/main" w="9525">
                     <a:solidFill>
                       <a:srgbClr val="000000"/>
                     </a:solidFill>
@@ -12106,7 +12111,7 @@
               </a:ln>
               <a:extLst>
                 <a:ext uri="{91240B29-F687-4f45-9708-019B960494DF}">
-                  <a14:hiddenLine xmlns:a14="http://schemas.microsoft.com/office/drawing/2010/main" xmlns="" w="9525">
+                  <a14:hiddenLine xmlns="" xmlns:a14="http://schemas.microsoft.com/office/drawing/2010/main" w="9525">
                     <a:solidFill>
                       <a:srgbClr val="000000"/>
                     </a:solidFill>
@@ -12196,7 +12201,7 @@
               </a:ln>
               <a:extLst>
                 <a:ext uri="{91240B29-F687-4f45-9708-019B960494DF}">
-                  <a14:hiddenLine xmlns:a14="http://schemas.microsoft.com/office/drawing/2010/main" xmlns="" w="9525">
+                  <a14:hiddenLine xmlns="" xmlns:a14="http://schemas.microsoft.com/office/drawing/2010/main" w="9525">
                     <a:solidFill>
                       <a:srgbClr val="000000"/>
                     </a:solidFill>
@@ -12230,7 +12235,7 @@
               </a:ln>
               <a:extLst>
                 <a:ext uri="{91240B29-F687-4f45-9708-019B960494DF}">
-                  <a14:hiddenLine xmlns:a14="http://schemas.microsoft.com/office/drawing/2010/main" xmlns="" w="9525">
+                  <a14:hiddenLine xmlns="" xmlns:a14="http://schemas.microsoft.com/office/drawing/2010/main" w="9525">
                     <a:solidFill>
                       <a:srgbClr val="000000"/>
                     </a:solidFill>
@@ -12371,7 +12376,7 @@
             <a:fld id="{48A87A34-81AB-432B-8DAE-1953F412C126}" type="datetimeFigureOut">
               <a:rPr lang="en-US" dirty="0"/>
               <a:pPr/>
-              <a:t>12/6/17</a:t>
+              <a:t>12/7/17</a:t>
             </a:fld>
             <a:endParaRPr lang="en-US" dirty="0"/>
           </a:p>
@@ -12911,6 +12916,9 @@
   <p:clrMapOvr>
     <a:masterClrMapping/>
   </p:clrMapOvr>
+  <p:transition spd="slow">
+    <p:wipe/>
+  </p:transition>
   <p:timing>
     <p:tnLst>
       <p:par>
@@ -13028,12 +13036,358 @@
   <p:clrMapOvr>
     <a:masterClrMapping/>
   </p:clrMapOvr>
+  <p:transition spd="slow">
+    <p:wipe/>
+  </p:transition>
   <p:timing>
     <p:tnLst>
       <p:par>
-        <p:cTn id="1" dur="indefinite" restart="never" nodeType="tmRoot"/>
+        <p:cTn id="1" dur="indefinite" restart="never" nodeType="tmRoot">
+          <p:childTnLst>
+            <p:seq concurrent="1" nextAc="seek">
+              <p:cTn id="2" dur="indefinite" nodeType="mainSeq">
+                <p:childTnLst>
+                  <p:par>
+                    <p:cTn id="3" fill="hold">
+                      <p:stCondLst>
+                        <p:cond delay="indefinite"/>
+                        <p:cond evt="onBegin" delay="0">
+                          <p:tn val="2"/>
+                        </p:cond>
+                      </p:stCondLst>
+                      <p:childTnLst>
+                        <p:par>
+                          <p:cTn id="4" fill="hold">
+                            <p:stCondLst>
+                              <p:cond delay="0"/>
+                            </p:stCondLst>
+                            <p:childTnLst>
+                              <p:par>
+                                <p:cTn id="5" presetID="14" presetClass="entr" presetSubtype="10" fill="hold" grpId="0" nodeType="afterEffect">
+                                  <p:stCondLst>
+                                    <p:cond delay="0"/>
+                                  </p:stCondLst>
+                                  <p:childTnLst>
+                                    <p:set>
+                                      <p:cBhvr>
+                                        <p:cTn id="6" dur="1" fill="hold">
+                                          <p:stCondLst>
+                                            <p:cond delay="0"/>
+                                          </p:stCondLst>
+                                        </p:cTn>
+                                        <p:tgtEl>
+                                          <p:spTgt spid="2"/>
+                                        </p:tgtEl>
+                                        <p:attrNameLst>
+                                          <p:attrName>style.visibility</p:attrName>
+                                        </p:attrNameLst>
+                                      </p:cBhvr>
+                                      <p:to>
+                                        <p:strVal val="visible"/>
+                                      </p:to>
+                                    </p:set>
+                                    <p:animEffect transition="in" filter="randombar(horizontal)">
+                                      <p:cBhvr>
+                                        <p:cTn id="7" dur="500"/>
+                                        <p:tgtEl>
+                                          <p:spTgt spid="2"/>
+                                        </p:tgtEl>
+                                      </p:cBhvr>
+                                    </p:animEffect>
+                                  </p:childTnLst>
+                                </p:cTn>
+                              </p:par>
+                            </p:childTnLst>
+                          </p:cTn>
+                        </p:par>
+                        <p:par>
+                          <p:cTn id="8" fill="hold">
+                            <p:stCondLst>
+                              <p:cond delay="500"/>
+                            </p:stCondLst>
+                            <p:childTnLst>
+                              <p:par>
+                                <p:cTn id="9" presetID="14" presetClass="entr" presetSubtype="10" fill="hold" grpId="0" nodeType="afterEffect">
+                                  <p:stCondLst>
+                                    <p:cond delay="500"/>
+                                  </p:stCondLst>
+                                  <p:childTnLst>
+                                    <p:set>
+                                      <p:cBhvr>
+                                        <p:cTn id="10" dur="1" fill="hold">
+                                          <p:stCondLst>
+                                            <p:cond delay="0"/>
+                                          </p:stCondLst>
+                                        </p:cTn>
+                                        <p:tgtEl>
+                                          <p:spTgt spid="3">
+                                            <p:txEl>
+                                              <p:pRg st="0" end="0"/>
+                                            </p:txEl>
+                                          </p:spTgt>
+                                        </p:tgtEl>
+                                        <p:attrNameLst>
+                                          <p:attrName>style.visibility</p:attrName>
+                                        </p:attrNameLst>
+                                      </p:cBhvr>
+                                      <p:to>
+                                        <p:strVal val="visible"/>
+                                      </p:to>
+                                    </p:set>
+                                    <p:animEffect transition="in" filter="randombar(horizontal)">
+                                      <p:cBhvr>
+                                        <p:cTn id="11" dur="500"/>
+                                        <p:tgtEl>
+                                          <p:spTgt spid="3">
+                                            <p:txEl>
+                                              <p:pRg st="0" end="0"/>
+                                            </p:txEl>
+                                          </p:spTgt>
+                                        </p:tgtEl>
+                                      </p:cBhvr>
+                                    </p:animEffect>
+                                  </p:childTnLst>
+                                </p:cTn>
+                              </p:par>
+                            </p:childTnLst>
+                          </p:cTn>
+                        </p:par>
+                        <p:par>
+                          <p:cTn id="12" fill="hold">
+                            <p:stCondLst>
+                              <p:cond delay="1500"/>
+                            </p:stCondLst>
+                            <p:childTnLst>
+                              <p:par>
+                                <p:cTn id="13" presetID="14" presetClass="entr" presetSubtype="10" fill="hold" grpId="0" nodeType="afterEffect">
+                                  <p:stCondLst>
+                                    <p:cond delay="500"/>
+                                  </p:stCondLst>
+                                  <p:childTnLst>
+                                    <p:set>
+                                      <p:cBhvr>
+                                        <p:cTn id="14" dur="1" fill="hold">
+                                          <p:stCondLst>
+                                            <p:cond delay="0"/>
+                                          </p:stCondLst>
+                                        </p:cTn>
+                                        <p:tgtEl>
+                                          <p:spTgt spid="3">
+                                            <p:txEl>
+                                              <p:pRg st="1" end="1"/>
+                                            </p:txEl>
+                                          </p:spTgt>
+                                        </p:tgtEl>
+                                        <p:attrNameLst>
+                                          <p:attrName>style.visibility</p:attrName>
+                                        </p:attrNameLst>
+                                      </p:cBhvr>
+                                      <p:to>
+                                        <p:strVal val="visible"/>
+                                      </p:to>
+                                    </p:set>
+                                    <p:animEffect transition="in" filter="randombar(horizontal)">
+                                      <p:cBhvr>
+                                        <p:cTn id="15" dur="500"/>
+                                        <p:tgtEl>
+                                          <p:spTgt spid="3">
+                                            <p:txEl>
+                                              <p:pRg st="1" end="1"/>
+                                            </p:txEl>
+                                          </p:spTgt>
+                                        </p:tgtEl>
+                                      </p:cBhvr>
+                                    </p:animEffect>
+                                  </p:childTnLst>
+                                </p:cTn>
+                              </p:par>
+                            </p:childTnLst>
+                          </p:cTn>
+                        </p:par>
+                        <p:par>
+                          <p:cTn id="16" fill="hold">
+                            <p:stCondLst>
+                              <p:cond delay="2500"/>
+                            </p:stCondLst>
+                            <p:childTnLst>
+                              <p:par>
+                                <p:cTn id="17" presetID="14" presetClass="entr" presetSubtype="10" fill="hold" grpId="0" nodeType="afterEffect">
+                                  <p:stCondLst>
+                                    <p:cond delay="500"/>
+                                  </p:stCondLst>
+                                  <p:childTnLst>
+                                    <p:set>
+                                      <p:cBhvr>
+                                        <p:cTn id="18" dur="1" fill="hold">
+                                          <p:stCondLst>
+                                            <p:cond delay="0"/>
+                                          </p:stCondLst>
+                                        </p:cTn>
+                                        <p:tgtEl>
+                                          <p:spTgt spid="3">
+                                            <p:txEl>
+                                              <p:pRg st="2" end="2"/>
+                                            </p:txEl>
+                                          </p:spTgt>
+                                        </p:tgtEl>
+                                        <p:attrNameLst>
+                                          <p:attrName>style.visibility</p:attrName>
+                                        </p:attrNameLst>
+                                      </p:cBhvr>
+                                      <p:to>
+                                        <p:strVal val="visible"/>
+                                      </p:to>
+                                    </p:set>
+                                    <p:animEffect transition="in" filter="randombar(horizontal)">
+                                      <p:cBhvr>
+                                        <p:cTn id="19" dur="500"/>
+                                        <p:tgtEl>
+                                          <p:spTgt spid="3">
+                                            <p:txEl>
+                                              <p:pRg st="2" end="2"/>
+                                            </p:txEl>
+                                          </p:spTgt>
+                                        </p:tgtEl>
+                                      </p:cBhvr>
+                                    </p:animEffect>
+                                  </p:childTnLst>
+                                </p:cTn>
+                              </p:par>
+                            </p:childTnLst>
+                          </p:cTn>
+                        </p:par>
+                        <p:par>
+                          <p:cTn id="20" fill="hold">
+                            <p:stCondLst>
+                              <p:cond delay="3500"/>
+                            </p:stCondLst>
+                            <p:childTnLst>
+                              <p:par>
+                                <p:cTn id="21" presetID="14" presetClass="entr" presetSubtype="10" fill="hold" grpId="0" nodeType="afterEffect">
+                                  <p:stCondLst>
+                                    <p:cond delay="500"/>
+                                  </p:stCondLst>
+                                  <p:childTnLst>
+                                    <p:set>
+                                      <p:cBhvr>
+                                        <p:cTn id="22" dur="1" fill="hold">
+                                          <p:stCondLst>
+                                            <p:cond delay="0"/>
+                                          </p:stCondLst>
+                                        </p:cTn>
+                                        <p:tgtEl>
+                                          <p:spTgt spid="3">
+                                            <p:txEl>
+                                              <p:pRg st="3" end="3"/>
+                                            </p:txEl>
+                                          </p:spTgt>
+                                        </p:tgtEl>
+                                        <p:attrNameLst>
+                                          <p:attrName>style.visibility</p:attrName>
+                                        </p:attrNameLst>
+                                      </p:cBhvr>
+                                      <p:to>
+                                        <p:strVal val="visible"/>
+                                      </p:to>
+                                    </p:set>
+                                    <p:animEffect transition="in" filter="randombar(horizontal)">
+                                      <p:cBhvr>
+                                        <p:cTn id="23" dur="500"/>
+                                        <p:tgtEl>
+                                          <p:spTgt spid="3">
+                                            <p:txEl>
+                                              <p:pRg st="3" end="3"/>
+                                            </p:txEl>
+                                          </p:spTgt>
+                                        </p:tgtEl>
+                                      </p:cBhvr>
+                                    </p:animEffect>
+                                  </p:childTnLst>
+                                </p:cTn>
+                              </p:par>
+                            </p:childTnLst>
+                          </p:cTn>
+                        </p:par>
+                        <p:par>
+                          <p:cTn id="24" fill="hold">
+                            <p:stCondLst>
+                              <p:cond delay="4500"/>
+                            </p:stCondLst>
+                            <p:childTnLst>
+                              <p:par>
+                                <p:cTn id="25" presetID="14" presetClass="entr" presetSubtype="10" fill="hold" grpId="0" nodeType="afterEffect">
+                                  <p:stCondLst>
+                                    <p:cond delay="500"/>
+                                  </p:stCondLst>
+                                  <p:childTnLst>
+                                    <p:set>
+                                      <p:cBhvr>
+                                        <p:cTn id="26" dur="1" fill="hold">
+                                          <p:stCondLst>
+                                            <p:cond delay="0"/>
+                                          </p:stCondLst>
+                                        </p:cTn>
+                                        <p:tgtEl>
+                                          <p:spTgt spid="3">
+                                            <p:txEl>
+                                              <p:pRg st="4" end="4"/>
+                                            </p:txEl>
+                                          </p:spTgt>
+                                        </p:tgtEl>
+                                        <p:attrNameLst>
+                                          <p:attrName>style.visibility</p:attrName>
+                                        </p:attrNameLst>
+                                      </p:cBhvr>
+                                      <p:to>
+                                        <p:strVal val="visible"/>
+                                      </p:to>
+                                    </p:set>
+                                    <p:animEffect transition="in" filter="randombar(horizontal)">
+                                      <p:cBhvr>
+                                        <p:cTn id="27" dur="500"/>
+                                        <p:tgtEl>
+                                          <p:spTgt spid="3">
+                                            <p:txEl>
+                                              <p:pRg st="4" end="4"/>
+                                            </p:txEl>
+                                          </p:spTgt>
+                                        </p:tgtEl>
+                                      </p:cBhvr>
+                                    </p:animEffect>
+                                  </p:childTnLst>
+                                </p:cTn>
+                              </p:par>
+                            </p:childTnLst>
+                          </p:cTn>
+                        </p:par>
+                      </p:childTnLst>
+                    </p:cTn>
+                  </p:par>
+                </p:childTnLst>
+              </p:cTn>
+              <p:prevCondLst>
+                <p:cond evt="onPrev" delay="0">
+                  <p:tgtEl>
+                    <p:sldTgt/>
+                  </p:tgtEl>
+                </p:cond>
+              </p:prevCondLst>
+              <p:nextCondLst>
+                <p:cond evt="onNext" delay="0">
+                  <p:tgtEl>
+                    <p:sldTgt/>
+                  </p:tgtEl>
+                </p:cond>
+              </p:nextCondLst>
+            </p:seq>
+          </p:childTnLst>
+        </p:cTn>
       </p:par>
     </p:tnLst>
+    <p:bldLst>
+      <p:bldP spid="2" grpId="0"/>
+      <p:bldP spid="3" grpId="0" uiExpand="1" build="p"/>
+    </p:bldLst>
   </p:timing>
 </p:sld>
 </file>
@@ -13157,12 +13511,246 @@
   <p:clrMapOvr>
     <a:masterClrMapping/>
   </p:clrMapOvr>
+  <p:transition spd="slow">
+    <p:wipe/>
+  </p:transition>
   <p:timing>
     <p:tnLst>
       <p:par>
-        <p:cTn id="1" dur="indefinite" restart="never" nodeType="tmRoot"/>
+        <p:cTn id="1" dur="indefinite" restart="never" nodeType="tmRoot">
+          <p:childTnLst>
+            <p:seq concurrent="1" nextAc="seek">
+              <p:cTn id="2" dur="indefinite" nodeType="mainSeq">
+                <p:childTnLst>
+                  <p:par>
+                    <p:cTn id="3" fill="hold">
+                      <p:stCondLst>
+                        <p:cond delay="indefinite"/>
+                        <p:cond evt="onBegin" delay="0">
+                          <p:tn val="2"/>
+                        </p:cond>
+                      </p:stCondLst>
+                      <p:childTnLst>
+                        <p:par>
+                          <p:cTn id="4" fill="hold">
+                            <p:stCondLst>
+                              <p:cond delay="0"/>
+                            </p:stCondLst>
+                            <p:childTnLst>
+                              <p:par>
+                                <p:cTn id="5" presetID="16" presetClass="entr" presetSubtype="21" fill="hold" grpId="0" nodeType="afterEffect">
+                                  <p:stCondLst>
+                                    <p:cond delay="0"/>
+                                  </p:stCondLst>
+                                  <p:childTnLst>
+                                    <p:set>
+                                      <p:cBhvr>
+                                        <p:cTn id="6" dur="1" fill="hold">
+                                          <p:stCondLst>
+                                            <p:cond delay="0"/>
+                                          </p:stCondLst>
+                                        </p:cTn>
+                                        <p:tgtEl>
+                                          <p:spTgt spid="2"/>
+                                        </p:tgtEl>
+                                        <p:attrNameLst>
+                                          <p:attrName>style.visibility</p:attrName>
+                                        </p:attrNameLst>
+                                      </p:cBhvr>
+                                      <p:to>
+                                        <p:strVal val="visible"/>
+                                      </p:to>
+                                    </p:set>
+                                    <p:animEffect transition="in" filter="barn(inVertical)">
+                                      <p:cBhvr>
+                                        <p:cTn id="7" dur="500"/>
+                                        <p:tgtEl>
+                                          <p:spTgt spid="2"/>
+                                        </p:tgtEl>
+                                      </p:cBhvr>
+                                    </p:animEffect>
+                                  </p:childTnLst>
+                                </p:cTn>
+                              </p:par>
+                            </p:childTnLst>
+                          </p:cTn>
+                        </p:par>
+                        <p:par>
+                          <p:cTn id="8" fill="hold">
+                            <p:stCondLst>
+                              <p:cond delay="500"/>
+                            </p:stCondLst>
+                            <p:childTnLst>
+                              <p:par>
+                                <p:cTn id="9" presetID="16" presetClass="entr" presetSubtype="21" fill="hold" nodeType="afterEffect">
+                                  <p:stCondLst>
+                                    <p:cond delay="1000"/>
+                                  </p:stCondLst>
+                                  <p:childTnLst>
+                                    <p:set>
+                                      <p:cBhvr>
+                                        <p:cTn id="10" dur="1" fill="hold">
+                                          <p:stCondLst>
+                                            <p:cond delay="0"/>
+                                          </p:stCondLst>
+                                        </p:cTn>
+                                        <p:tgtEl>
+                                          <p:spTgt spid="4"/>
+                                        </p:tgtEl>
+                                        <p:attrNameLst>
+                                          <p:attrName>style.visibility</p:attrName>
+                                        </p:attrNameLst>
+                                      </p:cBhvr>
+                                      <p:to>
+                                        <p:strVal val="visible"/>
+                                      </p:to>
+                                    </p:set>
+                                    <p:animEffect transition="in" filter="barn(inVertical)">
+                                      <p:cBhvr>
+                                        <p:cTn id="11" dur="500"/>
+                                        <p:tgtEl>
+                                          <p:spTgt spid="4"/>
+                                        </p:tgtEl>
+                                      </p:cBhvr>
+                                    </p:animEffect>
+                                  </p:childTnLst>
+                                </p:cTn>
+                              </p:par>
+                            </p:childTnLst>
+                          </p:cTn>
+                        </p:par>
+                        <p:par>
+                          <p:cTn id="12" fill="hold">
+                            <p:stCondLst>
+                              <p:cond delay="2000"/>
+                            </p:stCondLst>
+                            <p:childTnLst>
+                              <p:par>
+                                <p:cTn id="13" presetID="16" presetClass="entr" presetSubtype="21" fill="hold" grpId="0" nodeType="afterEffect">
+                                  <p:stCondLst>
+                                    <p:cond delay="500"/>
+                                  </p:stCondLst>
+                                  <p:childTnLst>
+                                    <p:set>
+                                      <p:cBhvr>
+                                        <p:cTn id="14" dur="1" fill="hold">
+                                          <p:stCondLst>
+                                            <p:cond delay="0"/>
+                                          </p:stCondLst>
+                                        </p:cTn>
+                                        <p:tgtEl>
+                                          <p:spTgt spid="3">
+                                            <p:txEl>
+                                              <p:pRg st="0" end="0"/>
+                                            </p:txEl>
+                                          </p:spTgt>
+                                        </p:tgtEl>
+                                        <p:attrNameLst>
+                                          <p:attrName>style.visibility</p:attrName>
+                                        </p:attrNameLst>
+                                      </p:cBhvr>
+                                      <p:to>
+                                        <p:strVal val="visible"/>
+                                      </p:to>
+                                    </p:set>
+                                    <p:animEffect transition="in" filter="barn(inVertical)">
+                                      <p:cBhvr>
+                                        <p:cTn id="15" dur="500"/>
+                                        <p:tgtEl>
+                                          <p:spTgt spid="3">
+                                            <p:txEl>
+                                              <p:pRg st="0" end="0"/>
+                                            </p:txEl>
+                                          </p:spTgt>
+                                        </p:tgtEl>
+                                      </p:cBhvr>
+                                    </p:animEffect>
+                                  </p:childTnLst>
+                                </p:cTn>
+                              </p:par>
+                            </p:childTnLst>
+                          </p:cTn>
+                        </p:par>
+                        <p:par>
+                          <p:cTn id="16" fill="hold">
+                            <p:stCondLst>
+                              <p:cond delay="3000"/>
+                            </p:stCondLst>
+                            <p:childTnLst>
+                              <p:par>
+                                <p:cTn id="17" presetID="16" presetClass="entr" presetSubtype="21" fill="hold" grpId="0" nodeType="afterEffect">
+                                  <p:stCondLst>
+                                    <p:cond delay="500"/>
+                                  </p:stCondLst>
+                                  <p:childTnLst>
+                                    <p:set>
+                                      <p:cBhvr>
+                                        <p:cTn id="18" dur="1" fill="hold">
+                                          <p:stCondLst>
+                                            <p:cond delay="0"/>
+                                          </p:stCondLst>
+                                        </p:cTn>
+                                        <p:tgtEl>
+                                          <p:spTgt spid="3">
+                                            <p:txEl>
+                                              <p:pRg st="1" end="1"/>
+                                            </p:txEl>
+                                          </p:spTgt>
+                                        </p:tgtEl>
+                                        <p:attrNameLst>
+                                          <p:attrName>style.visibility</p:attrName>
+                                        </p:attrNameLst>
+                                      </p:cBhvr>
+                                      <p:to>
+                                        <p:strVal val="visible"/>
+                                      </p:to>
+                                    </p:set>
+                                    <p:animEffect transition="in" filter="barn(inVertical)">
+                                      <p:cBhvr>
+                                        <p:cTn id="19" dur="500"/>
+                                        <p:tgtEl>
+                                          <p:spTgt spid="3">
+                                            <p:txEl>
+                                              <p:pRg st="1" end="1"/>
+                                            </p:txEl>
+                                          </p:spTgt>
+                                        </p:tgtEl>
+                                      </p:cBhvr>
+                                    </p:animEffect>
+                                  </p:childTnLst>
+                                </p:cTn>
+                              </p:par>
+                            </p:childTnLst>
+                          </p:cTn>
+                        </p:par>
+                      </p:childTnLst>
+                    </p:cTn>
+                  </p:par>
+                </p:childTnLst>
+              </p:cTn>
+              <p:prevCondLst>
+                <p:cond evt="onPrev" delay="0">
+                  <p:tgtEl>
+                    <p:sldTgt/>
+                  </p:tgtEl>
+                </p:cond>
+              </p:prevCondLst>
+              <p:nextCondLst>
+                <p:cond evt="onNext" delay="0">
+                  <p:tgtEl>
+                    <p:sldTgt/>
+                  </p:tgtEl>
+                </p:cond>
+              </p:nextCondLst>
+            </p:seq>
+          </p:childTnLst>
+        </p:cTn>
       </p:par>
     </p:tnLst>
+    <p:bldLst>
+      <p:bldP spid="2" grpId="0"/>
+      <p:bldP spid="3" grpId="0" uiExpand="1" build="p"/>
+    </p:bldLst>
   </p:timing>
 </p:sld>
 </file>
@@ -13206,10 +13794,10 @@
           <a:p>
             <a:pPr algn="ctr"/>
             <a:r>
-              <a:rPr lang="en-US" smtClean="0"/>
+              <a:rPr lang="en-US" dirty="0" smtClean="0"/>
               <a:t>Overview on the project</a:t>
             </a:r>
-            <a:endParaRPr lang="en-US"/>
+            <a:endParaRPr lang="en-US" dirty="0"/>
           </a:p>
         </p:txBody>
       </p:sp>
@@ -13334,12 +13922,213 @@
   <p:clrMapOvr>
     <a:masterClrMapping/>
   </p:clrMapOvr>
+  <p:transition spd="slow">
+    <p:wipe/>
+  </p:transition>
   <p:timing>
     <p:tnLst>
       <p:par>
-        <p:cTn id="1" dur="indefinite" restart="never" nodeType="tmRoot"/>
+        <p:cTn id="1" dur="indefinite" restart="never" nodeType="tmRoot">
+          <p:childTnLst>
+            <p:seq concurrent="1" nextAc="seek">
+              <p:cTn id="2" dur="indefinite" nodeType="mainSeq">
+                <p:childTnLst>
+                  <p:par>
+                    <p:cTn id="3" fill="hold">
+                      <p:stCondLst>
+                        <p:cond delay="indefinite"/>
+                        <p:cond evt="onBegin" delay="0">
+                          <p:tn val="2"/>
+                        </p:cond>
+                      </p:stCondLst>
+                      <p:childTnLst>
+                        <p:par>
+                          <p:cTn id="4" fill="hold">
+                            <p:stCondLst>
+                              <p:cond delay="0"/>
+                            </p:stCondLst>
+                            <p:childTnLst>
+                              <p:par>
+                                <p:cTn id="5" presetID="6" presetClass="entr" presetSubtype="16" fill="hold" grpId="0" nodeType="afterEffect">
+                                  <p:stCondLst>
+                                    <p:cond delay="0"/>
+                                  </p:stCondLst>
+                                  <p:childTnLst>
+                                    <p:set>
+                                      <p:cBhvr>
+                                        <p:cTn id="6" dur="1" fill="hold">
+                                          <p:stCondLst>
+                                            <p:cond delay="0"/>
+                                          </p:stCondLst>
+                                        </p:cTn>
+                                        <p:tgtEl>
+                                          <p:spTgt spid="2"/>
+                                        </p:tgtEl>
+                                        <p:attrNameLst>
+                                          <p:attrName>style.visibility</p:attrName>
+                                        </p:attrNameLst>
+                                      </p:cBhvr>
+                                      <p:to>
+                                        <p:strVal val="visible"/>
+                                      </p:to>
+                                    </p:set>
+                                    <p:animEffect transition="in" filter="circle(in)">
+                                      <p:cBhvr>
+                                        <p:cTn id="7" dur="1000"/>
+                                        <p:tgtEl>
+                                          <p:spTgt spid="2"/>
+                                        </p:tgtEl>
+                                      </p:cBhvr>
+                                    </p:animEffect>
+                                  </p:childTnLst>
+                                </p:cTn>
+                              </p:par>
+                            </p:childTnLst>
+                          </p:cTn>
+                        </p:par>
+                        <p:par>
+                          <p:cTn id="8" fill="hold">
+                            <p:stCondLst>
+                              <p:cond delay="1000"/>
+                            </p:stCondLst>
+                            <p:childTnLst>
+                              <p:par>
+                                <p:cTn id="9" presetID="6" presetClass="entr" presetSubtype="16" fill="hold" grpId="0" nodeType="afterEffect">
+                                  <p:stCondLst>
+                                    <p:cond delay="500"/>
+                                  </p:stCondLst>
+                                  <p:childTnLst>
+                                    <p:set>
+                                      <p:cBhvr>
+                                        <p:cTn id="10" dur="1" fill="hold">
+                                          <p:stCondLst>
+                                            <p:cond delay="0"/>
+                                          </p:stCondLst>
+                                        </p:cTn>
+                                        <p:tgtEl>
+                                          <p:spTgt spid="6"/>
+                                        </p:tgtEl>
+                                        <p:attrNameLst>
+                                          <p:attrName>style.visibility</p:attrName>
+                                        </p:attrNameLst>
+                                      </p:cBhvr>
+                                      <p:to>
+                                        <p:strVal val="visible"/>
+                                      </p:to>
+                                    </p:set>
+                                    <p:animEffect transition="in" filter="circle(in)">
+                                      <p:cBhvr>
+                                        <p:cTn id="11" dur="2000"/>
+                                        <p:tgtEl>
+                                          <p:spTgt spid="6"/>
+                                        </p:tgtEl>
+                                      </p:cBhvr>
+                                    </p:animEffect>
+                                  </p:childTnLst>
+                                </p:cTn>
+                              </p:par>
+                              <p:par>
+                                <p:cTn id="12" presetID="6" presetClass="entr" presetSubtype="16" fill="hold" nodeType="withEffect">
+                                  <p:stCondLst>
+                                    <p:cond delay="500"/>
+                                  </p:stCondLst>
+                                  <p:childTnLst>
+                                    <p:set>
+                                      <p:cBhvr>
+                                        <p:cTn id="13" dur="1" fill="hold">
+                                          <p:stCondLst>
+                                            <p:cond delay="0"/>
+                                          </p:stCondLst>
+                                        </p:cTn>
+                                        <p:tgtEl>
+                                          <p:spTgt spid="7"/>
+                                        </p:tgtEl>
+                                        <p:attrNameLst>
+                                          <p:attrName>style.visibility</p:attrName>
+                                        </p:attrNameLst>
+                                      </p:cBhvr>
+                                      <p:to>
+                                        <p:strVal val="visible"/>
+                                      </p:to>
+                                    </p:set>
+                                    <p:animEffect transition="in" filter="circle(in)">
+                                      <p:cBhvr>
+                                        <p:cTn id="14" dur="2000"/>
+                                        <p:tgtEl>
+                                          <p:spTgt spid="7"/>
+                                        </p:tgtEl>
+                                      </p:cBhvr>
+                                    </p:animEffect>
+                                  </p:childTnLst>
+                                </p:cTn>
+                              </p:par>
+                              <p:par>
+                                <p:cTn id="15" presetID="6" presetClass="entr" presetSubtype="16" fill="hold" grpId="0" nodeType="withEffect">
+                                  <p:stCondLst>
+                                    <p:cond delay="0"/>
+                                  </p:stCondLst>
+                                  <p:childTnLst>
+                                    <p:set>
+                                      <p:cBhvr>
+                                        <p:cTn id="16" dur="1" fill="hold">
+                                          <p:stCondLst>
+                                            <p:cond delay="0"/>
+                                          </p:stCondLst>
+                                        </p:cTn>
+                                        <p:tgtEl>
+                                          <p:spTgt spid="8"/>
+                                        </p:tgtEl>
+                                        <p:attrNameLst>
+                                          <p:attrName>style.visibility</p:attrName>
+                                        </p:attrNameLst>
+                                      </p:cBhvr>
+                                      <p:to>
+                                        <p:strVal val="visible"/>
+                                      </p:to>
+                                    </p:set>
+                                    <p:animEffect transition="in" filter="circle(in)">
+                                      <p:cBhvr>
+                                        <p:cTn id="17" dur="1000"/>
+                                        <p:tgtEl>
+                                          <p:spTgt spid="8"/>
+                                        </p:tgtEl>
+                                      </p:cBhvr>
+                                    </p:animEffect>
+                                  </p:childTnLst>
+                                </p:cTn>
+                              </p:par>
+                            </p:childTnLst>
+                          </p:cTn>
+                        </p:par>
+                      </p:childTnLst>
+                    </p:cTn>
+                  </p:par>
+                </p:childTnLst>
+              </p:cTn>
+              <p:prevCondLst>
+                <p:cond evt="onPrev" delay="0">
+                  <p:tgtEl>
+                    <p:sldTgt/>
+                  </p:tgtEl>
+                </p:cond>
+              </p:prevCondLst>
+              <p:nextCondLst>
+                <p:cond evt="onNext" delay="0">
+                  <p:tgtEl>
+                    <p:sldTgt/>
+                  </p:tgtEl>
+                </p:cond>
+              </p:nextCondLst>
+            </p:seq>
+          </p:childTnLst>
+        </p:cTn>
       </p:par>
     </p:tnLst>
+    <p:bldLst>
+      <p:bldP spid="2" grpId="0"/>
+      <p:bldP spid="6" grpId="0" animBg="1"/>
+      <p:bldP spid="8" grpId="0"/>
+    </p:bldLst>
   </p:timing>
 </p:sld>
 </file>
@@ -13383,7 +14172,7 @@
           <a:p>
             <a:pPr algn="ctr"/>
             <a:r>
-              <a:rPr lang="en-US" smtClean="0"/>
+              <a:rPr lang="en-US" dirty="0" smtClean="0"/>
               <a:t>Project Implementation</a:t>
             </a:r>
             <a:endParaRPr lang="en-US" dirty="0"/>
@@ -13418,13 +14207,18 @@
           <a:p>
             <a:r>
               <a:rPr lang="en-US" dirty="0" smtClean="0"/>
-              <a:t>Blind FTP over UDP protocol as transportation layer</a:t>
+              <a:t>Blind FTP over UDP protocol </a:t>
             </a:r>
+            <a:endParaRPr lang="en-US" dirty="0" smtClean="0"/>
           </a:p>
           <a:p>
             <a:r>
               <a:rPr lang="en-US" dirty="0" smtClean="0"/>
-              <a:t>Django framework = web framework for python</a:t>
+              <a:t>Django </a:t>
+            </a:r>
+            <a:r>
+              <a:rPr lang="en-US" dirty="0" smtClean="0"/>
+              <a:t>framework = web framework for python</a:t>
             </a:r>
           </a:p>
           <a:p>
@@ -13454,12 +14248,512 @@
   <p:clrMapOvr>
     <a:masterClrMapping/>
   </p:clrMapOvr>
+  <p:transition spd="slow">
+    <p:wipe/>
+  </p:transition>
   <p:timing>
     <p:tnLst>
       <p:par>
-        <p:cTn id="1" dur="indefinite" restart="never" nodeType="tmRoot"/>
+        <p:cTn id="1" dur="indefinite" restart="never" nodeType="tmRoot">
+          <p:childTnLst>
+            <p:seq concurrent="1" nextAc="seek">
+              <p:cTn id="2" dur="indefinite" nodeType="mainSeq">
+                <p:childTnLst>
+                  <p:par>
+                    <p:cTn id="3" fill="hold">
+                      <p:stCondLst>
+                        <p:cond delay="indefinite"/>
+                        <p:cond evt="onBegin" delay="0">
+                          <p:tn val="2"/>
+                        </p:cond>
+                      </p:stCondLst>
+                      <p:childTnLst>
+                        <p:par>
+                          <p:cTn id="4" fill="hold">
+                            <p:stCondLst>
+                              <p:cond delay="0"/>
+                            </p:stCondLst>
+                            <p:childTnLst>
+                              <p:par>
+                                <p:cTn id="5" presetID="2" presetClass="entr" presetSubtype="4" fill="hold" grpId="0" nodeType="afterEffect">
+                                  <p:stCondLst>
+                                    <p:cond delay="0"/>
+                                  </p:stCondLst>
+                                  <p:childTnLst>
+                                    <p:set>
+                                      <p:cBhvr>
+                                        <p:cTn id="6" dur="1" fill="hold">
+                                          <p:stCondLst>
+                                            <p:cond delay="0"/>
+                                          </p:stCondLst>
+                                        </p:cTn>
+                                        <p:tgtEl>
+                                          <p:spTgt spid="2"/>
+                                        </p:tgtEl>
+                                        <p:attrNameLst>
+                                          <p:attrName>style.visibility</p:attrName>
+                                        </p:attrNameLst>
+                                      </p:cBhvr>
+                                      <p:to>
+                                        <p:strVal val="visible"/>
+                                      </p:to>
+                                    </p:set>
+                                    <p:anim calcmode="lin" valueType="num">
+                                      <p:cBhvr additive="base">
+                                        <p:cTn id="7" dur="1000" fill="hold"/>
+                                        <p:tgtEl>
+                                          <p:spTgt spid="2"/>
+                                        </p:tgtEl>
+                                        <p:attrNameLst>
+                                          <p:attrName>ppt_x</p:attrName>
+                                        </p:attrNameLst>
+                                      </p:cBhvr>
+                                      <p:tavLst>
+                                        <p:tav tm="0">
+                                          <p:val>
+                                            <p:strVal val="#ppt_x"/>
+                                          </p:val>
+                                        </p:tav>
+                                        <p:tav tm="100000">
+                                          <p:val>
+                                            <p:strVal val="#ppt_x"/>
+                                          </p:val>
+                                        </p:tav>
+                                      </p:tavLst>
+                                    </p:anim>
+                                    <p:anim calcmode="lin" valueType="num">
+                                      <p:cBhvr additive="base">
+                                        <p:cTn id="8" dur="1000" fill="hold"/>
+                                        <p:tgtEl>
+                                          <p:spTgt spid="2"/>
+                                        </p:tgtEl>
+                                        <p:attrNameLst>
+                                          <p:attrName>ppt_y</p:attrName>
+                                        </p:attrNameLst>
+                                      </p:cBhvr>
+                                      <p:tavLst>
+                                        <p:tav tm="0">
+                                          <p:val>
+                                            <p:strVal val="1+#ppt_h/2"/>
+                                          </p:val>
+                                        </p:tav>
+                                        <p:tav tm="100000">
+                                          <p:val>
+                                            <p:strVal val="#ppt_y"/>
+                                          </p:val>
+                                        </p:tav>
+                                      </p:tavLst>
+                                    </p:anim>
+                                  </p:childTnLst>
+                                </p:cTn>
+                              </p:par>
+                            </p:childTnLst>
+                          </p:cTn>
+                        </p:par>
+                        <p:par>
+                          <p:cTn id="9" fill="hold">
+                            <p:stCondLst>
+                              <p:cond delay="1000"/>
+                            </p:stCondLst>
+                            <p:childTnLst>
+                              <p:par>
+                                <p:cTn id="10" presetID="2" presetClass="entr" presetSubtype="4" fill="hold" grpId="0" nodeType="afterEffect">
+                                  <p:stCondLst>
+                                    <p:cond delay="1000"/>
+                                  </p:stCondLst>
+                                  <p:childTnLst>
+                                    <p:set>
+                                      <p:cBhvr>
+                                        <p:cTn id="11" dur="1" fill="hold">
+                                          <p:stCondLst>
+                                            <p:cond delay="0"/>
+                                          </p:stCondLst>
+                                        </p:cTn>
+                                        <p:tgtEl>
+                                          <p:spTgt spid="3">
+                                            <p:txEl>
+                                              <p:pRg st="0" end="0"/>
+                                            </p:txEl>
+                                          </p:spTgt>
+                                        </p:tgtEl>
+                                        <p:attrNameLst>
+                                          <p:attrName>style.visibility</p:attrName>
+                                        </p:attrNameLst>
+                                      </p:cBhvr>
+                                      <p:to>
+                                        <p:strVal val="visible"/>
+                                      </p:to>
+                                    </p:set>
+                                    <p:anim calcmode="lin" valueType="num">
+                                      <p:cBhvr additive="base">
+                                        <p:cTn id="12" dur="1000" fill="hold"/>
+                                        <p:tgtEl>
+                                          <p:spTgt spid="3">
+                                            <p:txEl>
+                                              <p:pRg st="0" end="0"/>
+                                            </p:txEl>
+                                          </p:spTgt>
+                                        </p:tgtEl>
+                                        <p:attrNameLst>
+                                          <p:attrName>ppt_x</p:attrName>
+                                        </p:attrNameLst>
+                                      </p:cBhvr>
+                                      <p:tavLst>
+                                        <p:tav tm="0">
+                                          <p:val>
+                                            <p:strVal val="#ppt_x"/>
+                                          </p:val>
+                                        </p:tav>
+                                        <p:tav tm="100000">
+                                          <p:val>
+                                            <p:strVal val="#ppt_x"/>
+                                          </p:val>
+                                        </p:tav>
+                                      </p:tavLst>
+                                    </p:anim>
+                                    <p:anim calcmode="lin" valueType="num">
+                                      <p:cBhvr additive="base">
+                                        <p:cTn id="13" dur="1000" fill="hold"/>
+                                        <p:tgtEl>
+                                          <p:spTgt spid="3">
+                                            <p:txEl>
+                                              <p:pRg st="0" end="0"/>
+                                            </p:txEl>
+                                          </p:spTgt>
+                                        </p:tgtEl>
+                                        <p:attrNameLst>
+                                          <p:attrName>ppt_y</p:attrName>
+                                        </p:attrNameLst>
+                                      </p:cBhvr>
+                                      <p:tavLst>
+                                        <p:tav tm="0">
+                                          <p:val>
+                                            <p:strVal val="1+#ppt_h/2"/>
+                                          </p:val>
+                                        </p:tav>
+                                        <p:tav tm="100000">
+                                          <p:val>
+                                            <p:strVal val="#ppt_y"/>
+                                          </p:val>
+                                        </p:tav>
+                                      </p:tavLst>
+                                    </p:anim>
+                                  </p:childTnLst>
+                                </p:cTn>
+                              </p:par>
+                            </p:childTnLst>
+                          </p:cTn>
+                        </p:par>
+                        <p:par>
+                          <p:cTn id="14" fill="hold">
+                            <p:stCondLst>
+                              <p:cond delay="3000"/>
+                            </p:stCondLst>
+                            <p:childTnLst>
+                              <p:par>
+                                <p:cTn id="15" presetID="2" presetClass="entr" presetSubtype="4" fill="hold" grpId="0" nodeType="afterEffect">
+                                  <p:stCondLst>
+                                    <p:cond delay="1000"/>
+                                  </p:stCondLst>
+                                  <p:childTnLst>
+                                    <p:set>
+                                      <p:cBhvr>
+                                        <p:cTn id="16" dur="1" fill="hold">
+                                          <p:stCondLst>
+                                            <p:cond delay="0"/>
+                                          </p:stCondLst>
+                                        </p:cTn>
+                                        <p:tgtEl>
+                                          <p:spTgt spid="3">
+                                            <p:txEl>
+                                              <p:pRg st="1" end="1"/>
+                                            </p:txEl>
+                                          </p:spTgt>
+                                        </p:tgtEl>
+                                        <p:attrNameLst>
+                                          <p:attrName>style.visibility</p:attrName>
+                                        </p:attrNameLst>
+                                      </p:cBhvr>
+                                      <p:to>
+                                        <p:strVal val="visible"/>
+                                      </p:to>
+                                    </p:set>
+                                    <p:anim calcmode="lin" valueType="num">
+                                      <p:cBhvr additive="base">
+                                        <p:cTn id="17" dur="1000" fill="hold"/>
+                                        <p:tgtEl>
+                                          <p:spTgt spid="3">
+                                            <p:txEl>
+                                              <p:pRg st="1" end="1"/>
+                                            </p:txEl>
+                                          </p:spTgt>
+                                        </p:tgtEl>
+                                        <p:attrNameLst>
+                                          <p:attrName>ppt_x</p:attrName>
+                                        </p:attrNameLst>
+                                      </p:cBhvr>
+                                      <p:tavLst>
+                                        <p:tav tm="0">
+                                          <p:val>
+                                            <p:strVal val="#ppt_x"/>
+                                          </p:val>
+                                        </p:tav>
+                                        <p:tav tm="100000">
+                                          <p:val>
+                                            <p:strVal val="#ppt_x"/>
+                                          </p:val>
+                                        </p:tav>
+                                      </p:tavLst>
+                                    </p:anim>
+                                    <p:anim calcmode="lin" valueType="num">
+                                      <p:cBhvr additive="base">
+                                        <p:cTn id="18" dur="1000" fill="hold"/>
+                                        <p:tgtEl>
+                                          <p:spTgt spid="3">
+                                            <p:txEl>
+                                              <p:pRg st="1" end="1"/>
+                                            </p:txEl>
+                                          </p:spTgt>
+                                        </p:tgtEl>
+                                        <p:attrNameLst>
+                                          <p:attrName>ppt_y</p:attrName>
+                                        </p:attrNameLst>
+                                      </p:cBhvr>
+                                      <p:tavLst>
+                                        <p:tav tm="0">
+                                          <p:val>
+                                            <p:strVal val="1+#ppt_h/2"/>
+                                          </p:val>
+                                        </p:tav>
+                                        <p:tav tm="100000">
+                                          <p:val>
+                                            <p:strVal val="#ppt_y"/>
+                                          </p:val>
+                                        </p:tav>
+                                      </p:tavLst>
+                                    </p:anim>
+                                  </p:childTnLst>
+                                </p:cTn>
+                              </p:par>
+                            </p:childTnLst>
+                          </p:cTn>
+                        </p:par>
+                        <p:par>
+                          <p:cTn id="19" fill="hold">
+                            <p:stCondLst>
+                              <p:cond delay="5000"/>
+                            </p:stCondLst>
+                            <p:childTnLst>
+                              <p:par>
+                                <p:cTn id="20" presetID="2" presetClass="entr" presetSubtype="4" fill="hold" grpId="0" nodeType="afterEffect">
+                                  <p:stCondLst>
+                                    <p:cond delay="1000"/>
+                                  </p:stCondLst>
+                                  <p:childTnLst>
+                                    <p:set>
+                                      <p:cBhvr>
+                                        <p:cTn id="21" dur="1" fill="hold">
+                                          <p:stCondLst>
+                                            <p:cond delay="0"/>
+                                          </p:stCondLst>
+                                        </p:cTn>
+                                        <p:tgtEl>
+                                          <p:spTgt spid="3">
+                                            <p:txEl>
+                                              <p:pRg st="2" end="2"/>
+                                            </p:txEl>
+                                          </p:spTgt>
+                                        </p:tgtEl>
+                                        <p:attrNameLst>
+                                          <p:attrName>style.visibility</p:attrName>
+                                        </p:attrNameLst>
+                                      </p:cBhvr>
+                                      <p:to>
+                                        <p:strVal val="visible"/>
+                                      </p:to>
+                                    </p:set>
+                                    <p:anim calcmode="lin" valueType="num">
+                                      <p:cBhvr additive="base">
+                                        <p:cTn id="22" dur="1000" fill="hold"/>
+                                        <p:tgtEl>
+                                          <p:spTgt spid="3">
+                                            <p:txEl>
+                                              <p:pRg st="2" end="2"/>
+                                            </p:txEl>
+                                          </p:spTgt>
+                                        </p:tgtEl>
+                                        <p:attrNameLst>
+                                          <p:attrName>ppt_x</p:attrName>
+                                        </p:attrNameLst>
+                                      </p:cBhvr>
+                                      <p:tavLst>
+                                        <p:tav tm="0">
+                                          <p:val>
+                                            <p:strVal val="#ppt_x"/>
+                                          </p:val>
+                                        </p:tav>
+                                        <p:tav tm="100000">
+                                          <p:val>
+                                            <p:strVal val="#ppt_x"/>
+                                          </p:val>
+                                        </p:tav>
+                                      </p:tavLst>
+                                    </p:anim>
+                                    <p:anim calcmode="lin" valueType="num">
+                                      <p:cBhvr additive="base">
+                                        <p:cTn id="23" dur="1000" fill="hold"/>
+                                        <p:tgtEl>
+                                          <p:spTgt spid="3">
+                                            <p:txEl>
+                                              <p:pRg st="2" end="2"/>
+                                            </p:txEl>
+                                          </p:spTgt>
+                                        </p:tgtEl>
+                                        <p:attrNameLst>
+                                          <p:attrName>ppt_y</p:attrName>
+                                        </p:attrNameLst>
+                                      </p:cBhvr>
+                                      <p:tavLst>
+                                        <p:tav tm="0">
+                                          <p:val>
+                                            <p:strVal val="1+#ppt_h/2"/>
+                                          </p:val>
+                                        </p:tav>
+                                        <p:tav tm="100000">
+                                          <p:val>
+                                            <p:strVal val="#ppt_y"/>
+                                          </p:val>
+                                        </p:tav>
+                                      </p:tavLst>
+                                    </p:anim>
+                                  </p:childTnLst>
+                                </p:cTn>
+                              </p:par>
+                            </p:childTnLst>
+                          </p:cTn>
+                        </p:par>
+                        <p:par>
+                          <p:cTn id="24" fill="hold">
+                            <p:stCondLst>
+                              <p:cond delay="7000"/>
+                            </p:stCondLst>
+                            <p:childTnLst>
+                              <p:par>
+                                <p:cTn id="25" presetID="2" presetClass="entr" presetSubtype="4" fill="hold" grpId="0" nodeType="afterEffect">
+                                  <p:stCondLst>
+                                    <p:cond delay="1000"/>
+                                  </p:stCondLst>
+                                  <p:childTnLst>
+                                    <p:set>
+                                      <p:cBhvr>
+                                        <p:cTn id="26" dur="1" fill="hold">
+                                          <p:stCondLst>
+                                            <p:cond delay="0"/>
+                                          </p:stCondLst>
+                                        </p:cTn>
+                                        <p:tgtEl>
+                                          <p:spTgt spid="3">
+                                            <p:txEl>
+                                              <p:pRg st="3" end="3"/>
+                                            </p:txEl>
+                                          </p:spTgt>
+                                        </p:tgtEl>
+                                        <p:attrNameLst>
+                                          <p:attrName>style.visibility</p:attrName>
+                                        </p:attrNameLst>
+                                      </p:cBhvr>
+                                      <p:to>
+                                        <p:strVal val="visible"/>
+                                      </p:to>
+                                    </p:set>
+                                    <p:anim calcmode="lin" valueType="num">
+                                      <p:cBhvr additive="base">
+                                        <p:cTn id="27" dur="1000" fill="hold"/>
+                                        <p:tgtEl>
+                                          <p:spTgt spid="3">
+                                            <p:txEl>
+                                              <p:pRg st="3" end="3"/>
+                                            </p:txEl>
+                                          </p:spTgt>
+                                        </p:tgtEl>
+                                        <p:attrNameLst>
+                                          <p:attrName>ppt_x</p:attrName>
+                                        </p:attrNameLst>
+                                      </p:cBhvr>
+                                      <p:tavLst>
+                                        <p:tav tm="0">
+                                          <p:val>
+                                            <p:strVal val="#ppt_x"/>
+                                          </p:val>
+                                        </p:tav>
+                                        <p:tav tm="100000">
+                                          <p:val>
+                                            <p:strVal val="#ppt_x"/>
+                                          </p:val>
+                                        </p:tav>
+                                      </p:tavLst>
+                                    </p:anim>
+                                    <p:anim calcmode="lin" valueType="num">
+                                      <p:cBhvr additive="base">
+                                        <p:cTn id="28" dur="1000" fill="hold"/>
+                                        <p:tgtEl>
+                                          <p:spTgt spid="3">
+                                            <p:txEl>
+                                              <p:pRg st="3" end="3"/>
+                                            </p:txEl>
+                                          </p:spTgt>
+                                        </p:tgtEl>
+                                        <p:attrNameLst>
+                                          <p:attrName>ppt_y</p:attrName>
+                                        </p:attrNameLst>
+                                      </p:cBhvr>
+                                      <p:tavLst>
+                                        <p:tav tm="0">
+                                          <p:val>
+                                            <p:strVal val="1+#ppt_h/2"/>
+                                          </p:val>
+                                        </p:tav>
+                                        <p:tav tm="100000">
+                                          <p:val>
+                                            <p:strVal val="#ppt_y"/>
+                                          </p:val>
+                                        </p:tav>
+                                      </p:tavLst>
+                                    </p:anim>
+                                  </p:childTnLst>
+                                </p:cTn>
+                              </p:par>
+                            </p:childTnLst>
+                          </p:cTn>
+                        </p:par>
+                      </p:childTnLst>
+                    </p:cTn>
+                  </p:par>
+                </p:childTnLst>
+              </p:cTn>
+              <p:prevCondLst>
+                <p:cond evt="onPrev" delay="0">
+                  <p:tgtEl>
+                    <p:sldTgt/>
+                  </p:tgtEl>
+                </p:cond>
+              </p:prevCondLst>
+              <p:nextCondLst>
+                <p:cond evt="onNext" delay="0">
+                  <p:tgtEl>
+                    <p:sldTgt/>
+                  </p:tgtEl>
+                </p:cond>
+              </p:nextCondLst>
+            </p:seq>
+          </p:childTnLst>
+        </p:cTn>
       </p:par>
     </p:tnLst>
+    <p:bldLst>
+      <p:bldP spid="2" grpId="0"/>
+      <p:bldP spid="3" grpId="0" uiExpand="1" build="p"/>
+    </p:bldLst>
   </p:timing>
 </p:sld>
 </file>
@@ -13631,6 +14925,9 @@
   <p:clrMapOvr>
     <a:masterClrMapping/>
   </p:clrMapOvr>
+  <p:transition spd="slow">
+    <p:wipe/>
+  </p:transition>
   <p:timing>
     <p:tnLst>
       <p:par>
@@ -13747,6 +15044,131 @@
   <p:clrMapOvr>
     <a:masterClrMapping/>
   </p:clrMapOvr>
+  <p:transition spd="slow">
+    <p:wipe/>
+  </p:transition>
+  <p:timing>
+    <p:tnLst>
+      <p:par>
+        <p:cTn id="1" dur="indefinite" restart="never" nodeType="tmRoot">
+          <p:childTnLst>
+            <p:seq concurrent="1" nextAc="seek">
+              <p:cTn id="2" dur="indefinite" nodeType="mainSeq">
+                <p:childTnLst>
+                  <p:par>
+                    <p:cTn id="3" fill="hold">
+                      <p:stCondLst>
+                        <p:cond delay="indefinite"/>
+                      </p:stCondLst>
+                      <p:childTnLst>
+                        <p:par>
+                          <p:cTn id="4" fill="hold">
+                            <p:stCondLst>
+                              <p:cond delay="0"/>
+                            </p:stCondLst>
+                            <p:childTnLst>
+                              <p:par>
+                                <p:cTn id="5" presetID="5" presetClass="entr" presetSubtype="10" fill="hold" grpId="0" nodeType="clickEffect">
+                                  <p:stCondLst>
+                                    <p:cond delay="0"/>
+                                  </p:stCondLst>
+                                  <p:childTnLst>
+                                    <p:set>
+                                      <p:cBhvr>
+                                        <p:cTn id="6" dur="1" fill="hold">
+                                          <p:stCondLst>
+                                            <p:cond delay="0"/>
+                                          </p:stCondLst>
+                                        </p:cTn>
+                                        <p:tgtEl>
+                                          <p:spTgt spid="2"/>
+                                        </p:tgtEl>
+                                        <p:attrNameLst>
+                                          <p:attrName>style.visibility</p:attrName>
+                                        </p:attrNameLst>
+                                      </p:cBhvr>
+                                      <p:to>
+                                        <p:strVal val="visible"/>
+                                      </p:to>
+                                    </p:set>
+                                    <p:animEffect transition="in" filter="checkerboard(across)">
+                                      <p:cBhvr>
+                                        <p:cTn id="7" dur="500"/>
+                                        <p:tgtEl>
+                                          <p:spTgt spid="2"/>
+                                        </p:tgtEl>
+                                      </p:cBhvr>
+                                    </p:animEffect>
+                                  </p:childTnLst>
+                                </p:cTn>
+                              </p:par>
+                              <p:par>
+                                <p:cTn id="8" presetID="5" presetClass="entr" presetSubtype="10" fill="hold" grpId="0" nodeType="withEffect">
+                                  <p:stCondLst>
+                                    <p:cond delay="0"/>
+                                  </p:stCondLst>
+                                  <p:childTnLst>
+                                    <p:set>
+                                      <p:cBhvr>
+                                        <p:cTn id="9" dur="1" fill="hold">
+                                          <p:stCondLst>
+                                            <p:cond delay="0"/>
+                                          </p:stCondLst>
+                                        </p:cTn>
+                                        <p:tgtEl>
+                                          <p:spTgt spid="5"/>
+                                        </p:tgtEl>
+                                        <p:attrNameLst>
+                                          <p:attrName>style.visibility</p:attrName>
+                                        </p:attrNameLst>
+                                      </p:cBhvr>
+                                      <p:to>
+                                        <p:strVal val="visible"/>
+                                      </p:to>
+                                    </p:set>
+                                    <p:animEffect transition="in" filter="checkerboard(across)">
+                                      <p:cBhvr>
+                                        <p:cTn id="10" dur="500"/>
+                                        <p:tgtEl>
+                                          <p:spTgt spid="5"/>
+                                        </p:tgtEl>
+                                      </p:cBhvr>
+                                    </p:animEffect>
+                                  </p:childTnLst>
+                                </p:cTn>
+                              </p:par>
+                            </p:childTnLst>
+                          </p:cTn>
+                        </p:par>
+                      </p:childTnLst>
+                    </p:cTn>
+                  </p:par>
+                </p:childTnLst>
+              </p:cTn>
+              <p:prevCondLst>
+                <p:cond evt="onPrev" delay="0">
+                  <p:tgtEl>
+                    <p:sldTgt/>
+                  </p:tgtEl>
+                </p:cond>
+              </p:prevCondLst>
+              <p:nextCondLst>
+                <p:cond evt="onNext" delay="0">
+                  <p:tgtEl>
+                    <p:sldTgt/>
+                  </p:tgtEl>
+                </p:cond>
+              </p:nextCondLst>
+            </p:seq>
+          </p:childTnLst>
+        </p:cTn>
+      </p:par>
+    </p:tnLst>
+    <p:bldLst>
+      <p:bldP spid="2" grpId="0"/>
+      <p:bldP spid="5" grpId="0"/>
+    </p:bldLst>
+  </p:timing>
 </p:sld>
 </file>
 
@@ -13814,7 +15236,6 @@
               <a:rPr lang="en-US" dirty="0"/>
               <a:t>[1]  DEEP SECURE, How Does a Data Diode Work? Discussion Paper, February 2017. </a:t>
             </a:r>
-            <a:endParaRPr lang="en-US" dirty="0"/>
           </a:p>
           <a:p>
             <a:pPr marL="0" indent="0">
@@ -13824,7 +15245,6 @@
               <a:rPr lang="en-US" dirty="0"/>
               <a:t>[2]  SANS Institute InfoSec Reading Room, Tactical Data Diodes in Industrial Automation and Control </a:t>
             </a:r>
-            <a:endParaRPr lang="en-US" dirty="0"/>
           </a:p>
           <a:p>
             <a:pPr marL="0" indent="0">
@@ -13834,7 +15254,6 @@
               <a:rPr lang="en-US" dirty="0"/>
               <a:t>Systems, January 2015. </a:t>
             </a:r>
-            <a:endParaRPr lang="en-US" dirty="0"/>
           </a:p>
           <a:p>
             <a:pPr marL="0" indent="0">
@@ -13852,7 +15271,6 @@
               <a:rPr lang="en-US" dirty="0"/>
               <a:t>/data-diode-vs-firewall-feasibility/ [Accessed: 30- Oct- 2017] </a:t>
             </a:r>
-            <a:endParaRPr lang="en-US" dirty="0"/>
           </a:p>
           <a:p>
             <a:pPr marL="0" indent="0">
@@ -13894,7 +15312,6 @@
               <a:rPr lang="en-US" dirty="0"/>
               <a:t> [Accessed: 30- Oct- 2017] </a:t>
             </a:r>
-            <a:endParaRPr lang="en-US" dirty="0"/>
           </a:p>
           <a:p>
             <a:pPr marL="0" indent="0">
@@ -13912,7 +15329,6 @@
               <a:rPr lang="en-US" dirty="0"/>
               <a:t>, Applied Information Security, A hands-on Approach, Springer. </a:t>
             </a:r>
-            <a:endParaRPr lang="en-US" dirty="0"/>
           </a:p>
           <a:p>
             <a:pPr marL="0" indent="0">
@@ -13946,7 +15362,6 @@
               <a:rPr lang="en-US" dirty="0"/>
               <a:t> documentation Documentation, 16 August 2010. </a:t>
             </a:r>
-            <a:endParaRPr lang="en-US" dirty="0"/>
           </a:p>
           <a:p>
             <a:endParaRPr lang="en-US" dirty="0"/>
@@ -13963,6 +15378,804 @@
   <p:clrMapOvr>
     <a:masterClrMapping/>
   </p:clrMapOvr>
+  <mc:AlternateContent xmlns:mc="http://schemas.openxmlformats.org/markup-compatibility/2006">
+    <mc:Choice xmlns:p14="http://schemas.microsoft.com/office/powerpoint/2010/main" Requires="p14">
+      <p:transition spd="slow" p14:dur="3400">
+        <p14:reveal/>
+      </p:transition>
+    </mc:Choice>
+    <mc:Fallback>
+      <p:transition spd="slow">
+        <p:fade/>
+      </p:transition>
+    </mc:Fallback>
+  </mc:AlternateContent>
+  <p:timing>
+    <p:tnLst>
+      <p:par>
+        <p:cTn id="1" dur="indefinite" restart="never" nodeType="tmRoot">
+          <p:childTnLst>
+            <p:seq concurrent="1" nextAc="seek">
+              <p:cTn id="2" dur="indefinite" nodeType="mainSeq">
+                <p:childTnLst>
+                  <p:par>
+                    <p:cTn id="3" fill="hold">
+                      <p:stCondLst>
+                        <p:cond delay="indefinite"/>
+                        <p:cond evt="onBegin" delay="0">
+                          <p:tn val="2"/>
+                        </p:cond>
+                      </p:stCondLst>
+                      <p:childTnLst>
+                        <p:par>
+                          <p:cTn id="4" fill="hold">
+                            <p:stCondLst>
+                              <p:cond delay="0"/>
+                            </p:stCondLst>
+                            <p:childTnLst>
+                              <p:par>
+                                <p:cTn id="5" presetID="2" presetClass="entr" presetSubtype="4" fill="hold" grpId="0" nodeType="afterEffect">
+                                  <p:stCondLst>
+                                    <p:cond delay="0"/>
+                                  </p:stCondLst>
+                                  <p:childTnLst>
+                                    <p:set>
+                                      <p:cBhvr>
+                                        <p:cTn id="6" dur="1" fill="hold">
+                                          <p:stCondLst>
+                                            <p:cond delay="0"/>
+                                          </p:stCondLst>
+                                        </p:cTn>
+                                        <p:tgtEl>
+                                          <p:spTgt spid="2"/>
+                                        </p:tgtEl>
+                                        <p:attrNameLst>
+                                          <p:attrName>style.visibility</p:attrName>
+                                        </p:attrNameLst>
+                                      </p:cBhvr>
+                                      <p:to>
+                                        <p:strVal val="visible"/>
+                                      </p:to>
+                                    </p:set>
+                                    <p:anim calcmode="lin" valueType="num">
+                                      <p:cBhvr additive="base">
+                                        <p:cTn id="7" dur="1000" fill="hold"/>
+                                        <p:tgtEl>
+                                          <p:spTgt spid="2"/>
+                                        </p:tgtEl>
+                                        <p:attrNameLst>
+                                          <p:attrName>ppt_x</p:attrName>
+                                        </p:attrNameLst>
+                                      </p:cBhvr>
+                                      <p:tavLst>
+                                        <p:tav tm="0">
+                                          <p:val>
+                                            <p:strVal val="#ppt_x"/>
+                                          </p:val>
+                                        </p:tav>
+                                        <p:tav tm="100000">
+                                          <p:val>
+                                            <p:strVal val="#ppt_x"/>
+                                          </p:val>
+                                        </p:tav>
+                                      </p:tavLst>
+                                    </p:anim>
+                                    <p:anim calcmode="lin" valueType="num">
+                                      <p:cBhvr additive="base">
+                                        <p:cTn id="8" dur="1000" fill="hold"/>
+                                        <p:tgtEl>
+                                          <p:spTgt spid="2"/>
+                                        </p:tgtEl>
+                                        <p:attrNameLst>
+                                          <p:attrName>ppt_y</p:attrName>
+                                        </p:attrNameLst>
+                                      </p:cBhvr>
+                                      <p:tavLst>
+                                        <p:tav tm="0">
+                                          <p:val>
+                                            <p:strVal val="1+#ppt_h/2"/>
+                                          </p:val>
+                                        </p:tav>
+                                        <p:tav tm="100000">
+                                          <p:val>
+                                            <p:strVal val="#ppt_y"/>
+                                          </p:val>
+                                        </p:tav>
+                                      </p:tavLst>
+                                    </p:anim>
+                                  </p:childTnLst>
+                                </p:cTn>
+                              </p:par>
+                            </p:childTnLst>
+                          </p:cTn>
+                        </p:par>
+                        <p:par>
+                          <p:cTn id="9" fill="hold">
+                            <p:stCondLst>
+                              <p:cond delay="1000"/>
+                            </p:stCondLst>
+                            <p:childTnLst>
+                              <p:par>
+                                <p:cTn id="10" presetID="2" presetClass="entr" presetSubtype="4" fill="hold" grpId="0" nodeType="afterEffect">
+                                  <p:stCondLst>
+                                    <p:cond delay="500"/>
+                                  </p:stCondLst>
+                                  <p:childTnLst>
+                                    <p:set>
+                                      <p:cBhvr>
+                                        <p:cTn id="11" dur="1" fill="hold">
+                                          <p:stCondLst>
+                                            <p:cond delay="0"/>
+                                          </p:stCondLst>
+                                        </p:cTn>
+                                        <p:tgtEl>
+                                          <p:spTgt spid="3">
+                                            <p:txEl>
+                                              <p:pRg st="0" end="0"/>
+                                            </p:txEl>
+                                          </p:spTgt>
+                                        </p:tgtEl>
+                                        <p:attrNameLst>
+                                          <p:attrName>style.visibility</p:attrName>
+                                        </p:attrNameLst>
+                                      </p:cBhvr>
+                                      <p:to>
+                                        <p:strVal val="visible"/>
+                                      </p:to>
+                                    </p:set>
+                                    <p:anim calcmode="lin" valueType="num">
+                                      <p:cBhvr additive="base">
+                                        <p:cTn id="12" dur="500" fill="hold"/>
+                                        <p:tgtEl>
+                                          <p:spTgt spid="3">
+                                            <p:txEl>
+                                              <p:pRg st="0" end="0"/>
+                                            </p:txEl>
+                                          </p:spTgt>
+                                        </p:tgtEl>
+                                        <p:attrNameLst>
+                                          <p:attrName>ppt_x</p:attrName>
+                                        </p:attrNameLst>
+                                      </p:cBhvr>
+                                      <p:tavLst>
+                                        <p:tav tm="0">
+                                          <p:val>
+                                            <p:strVal val="#ppt_x"/>
+                                          </p:val>
+                                        </p:tav>
+                                        <p:tav tm="100000">
+                                          <p:val>
+                                            <p:strVal val="#ppt_x"/>
+                                          </p:val>
+                                        </p:tav>
+                                      </p:tavLst>
+                                    </p:anim>
+                                    <p:anim calcmode="lin" valueType="num">
+                                      <p:cBhvr additive="base">
+                                        <p:cTn id="13" dur="500" fill="hold"/>
+                                        <p:tgtEl>
+                                          <p:spTgt spid="3">
+                                            <p:txEl>
+                                              <p:pRg st="0" end="0"/>
+                                            </p:txEl>
+                                          </p:spTgt>
+                                        </p:tgtEl>
+                                        <p:attrNameLst>
+                                          <p:attrName>ppt_y</p:attrName>
+                                        </p:attrNameLst>
+                                      </p:cBhvr>
+                                      <p:tavLst>
+                                        <p:tav tm="0">
+                                          <p:val>
+                                            <p:strVal val="1+#ppt_h/2"/>
+                                          </p:val>
+                                        </p:tav>
+                                        <p:tav tm="100000">
+                                          <p:val>
+                                            <p:strVal val="#ppt_y"/>
+                                          </p:val>
+                                        </p:tav>
+                                      </p:tavLst>
+                                    </p:anim>
+                                  </p:childTnLst>
+                                </p:cTn>
+                              </p:par>
+                            </p:childTnLst>
+                          </p:cTn>
+                        </p:par>
+                        <p:par>
+                          <p:cTn id="14" fill="hold">
+                            <p:stCondLst>
+                              <p:cond delay="2000"/>
+                            </p:stCondLst>
+                            <p:childTnLst>
+                              <p:par>
+                                <p:cTn id="15" presetID="2" presetClass="entr" presetSubtype="4" fill="hold" grpId="0" nodeType="afterEffect">
+                                  <p:stCondLst>
+                                    <p:cond delay="500"/>
+                                  </p:stCondLst>
+                                  <p:childTnLst>
+                                    <p:set>
+                                      <p:cBhvr>
+                                        <p:cTn id="16" dur="1" fill="hold">
+                                          <p:stCondLst>
+                                            <p:cond delay="0"/>
+                                          </p:stCondLst>
+                                        </p:cTn>
+                                        <p:tgtEl>
+                                          <p:spTgt spid="3">
+                                            <p:txEl>
+                                              <p:pRg st="1" end="1"/>
+                                            </p:txEl>
+                                          </p:spTgt>
+                                        </p:tgtEl>
+                                        <p:attrNameLst>
+                                          <p:attrName>style.visibility</p:attrName>
+                                        </p:attrNameLst>
+                                      </p:cBhvr>
+                                      <p:to>
+                                        <p:strVal val="visible"/>
+                                      </p:to>
+                                    </p:set>
+                                    <p:anim calcmode="lin" valueType="num">
+                                      <p:cBhvr additive="base">
+                                        <p:cTn id="17" dur="500" fill="hold"/>
+                                        <p:tgtEl>
+                                          <p:spTgt spid="3">
+                                            <p:txEl>
+                                              <p:pRg st="1" end="1"/>
+                                            </p:txEl>
+                                          </p:spTgt>
+                                        </p:tgtEl>
+                                        <p:attrNameLst>
+                                          <p:attrName>ppt_x</p:attrName>
+                                        </p:attrNameLst>
+                                      </p:cBhvr>
+                                      <p:tavLst>
+                                        <p:tav tm="0">
+                                          <p:val>
+                                            <p:strVal val="#ppt_x"/>
+                                          </p:val>
+                                        </p:tav>
+                                        <p:tav tm="100000">
+                                          <p:val>
+                                            <p:strVal val="#ppt_x"/>
+                                          </p:val>
+                                        </p:tav>
+                                      </p:tavLst>
+                                    </p:anim>
+                                    <p:anim calcmode="lin" valueType="num">
+                                      <p:cBhvr additive="base">
+                                        <p:cTn id="18" dur="500" fill="hold"/>
+                                        <p:tgtEl>
+                                          <p:spTgt spid="3">
+                                            <p:txEl>
+                                              <p:pRg st="1" end="1"/>
+                                            </p:txEl>
+                                          </p:spTgt>
+                                        </p:tgtEl>
+                                        <p:attrNameLst>
+                                          <p:attrName>ppt_y</p:attrName>
+                                        </p:attrNameLst>
+                                      </p:cBhvr>
+                                      <p:tavLst>
+                                        <p:tav tm="0">
+                                          <p:val>
+                                            <p:strVal val="1+#ppt_h/2"/>
+                                          </p:val>
+                                        </p:tav>
+                                        <p:tav tm="100000">
+                                          <p:val>
+                                            <p:strVal val="#ppt_y"/>
+                                          </p:val>
+                                        </p:tav>
+                                      </p:tavLst>
+                                    </p:anim>
+                                  </p:childTnLst>
+                                </p:cTn>
+                              </p:par>
+                            </p:childTnLst>
+                          </p:cTn>
+                        </p:par>
+                        <p:par>
+                          <p:cTn id="19" fill="hold">
+                            <p:stCondLst>
+                              <p:cond delay="3000"/>
+                            </p:stCondLst>
+                            <p:childTnLst>
+                              <p:par>
+                                <p:cTn id="20" presetID="2" presetClass="entr" presetSubtype="4" fill="hold" grpId="0" nodeType="afterEffect">
+                                  <p:stCondLst>
+                                    <p:cond delay="500"/>
+                                  </p:stCondLst>
+                                  <p:childTnLst>
+                                    <p:set>
+                                      <p:cBhvr>
+                                        <p:cTn id="21" dur="1" fill="hold">
+                                          <p:stCondLst>
+                                            <p:cond delay="0"/>
+                                          </p:stCondLst>
+                                        </p:cTn>
+                                        <p:tgtEl>
+                                          <p:spTgt spid="3">
+                                            <p:txEl>
+                                              <p:pRg st="2" end="2"/>
+                                            </p:txEl>
+                                          </p:spTgt>
+                                        </p:tgtEl>
+                                        <p:attrNameLst>
+                                          <p:attrName>style.visibility</p:attrName>
+                                        </p:attrNameLst>
+                                      </p:cBhvr>
+                                      <p:to>
+                                        <p:strVal val="visible"/>
+                                      </p:to>
+                                    </p:set>
+                                    <p:anim calcmode="lin" valueType="num">
+                                      <p:cBhvr additive="base">
+                                        <p:cTn id="22" dur="500" fill="hold"/>
+                                        <p:tgtEl>
+                                          <p:spTgt spid="3">
+                                            <p:txEl>
+                                              <p:pRg st="2" end="2"/>
+                                            </p:txEl>
+                                          </p:spTgt>
+                                        </p:tgtEl>
+                                        <p:attrNameLst>
+                                          <p:attrName>ppt_x</p:attrName>
+                                        </p:attrNameLst>
+                                      </p:cBhvr>
+                                      <p:tavLst>
+                                        <p:tav tm="0">
+                                          <p:val>
+                                            <p:strVal val="#ppt_x"/>
+                                          </p:val>
+                                        </p:tav>
+                                        <p:tav tm="100000">
+                                          <p:val>
+                                            <p:strVal val="#ppt_x"/>
+                                          </p:val>
+                                        </p:tav>
+                                      </p:tavLst>
+                                    </p:anim>
+                                    <p:anim calcmode="lin" valueType="num">
+                                      <p:cBhvr additive="base">
+                                        <p:cTn id="23" dur="500" fill="hold"/>
+                                        <p:tgtEl>
+                                          <p:spTgt spid="3">
+                                            <p:txEl>
+                                              <p:pRg st="2" end="2"/>
+                                            </p:txEl>
+                                          </p:spTgt>
+                                        </p:tgtEl>
+                                        <p:attrNameLst>
+                                          <p:attrName>ppt_y</p:attrName>
+                                        </p:attrNameLst>
+                                      </p:cBhvr>
+                                      <p:tavLst>
+                                        <p:tav tm="0">
+                                          <p:val>
+                                            <p:strVal val="1+#ppt_h/2"/>
+                                          </p:val>
+                                        </p:tav>
+                                        <p:tav tm="100000">
+                                          <p:val>
+                                            <p:strVal val="#ppt_y"/>
+                                          </p:val>
+                                        </p:tav>
+                                      </p:tavLst>
+                                    </p:anim>
+                                  </p:childTnLst>
+                                </p:cTn>
+                              </p:par>
+                            </p:childTnLst>
+                          </p:cTn>
+                        </p:par>
+                        <p:par>
+                          <p:cTn id="24" fill="hold">
+                            <p:stCondLst>
+                              <p:cond delay="4000"/>
+                            </p:stCondLst>
+                            <p:childTnLst>
+                              <p:par>
+                                <p:cTn id="25" presetID="2" presetClass="entr" presetSubtype="4" fill="hold" grpId="0" nodeType="afterEffect">
+                                  <p:stCondLst>
+                                    <p:cond delay="500"/>
+                                  </p:stCondLst>
+                                  <p:childTnLst>
+                                    <p:set>
+                                      <p:cBhvr>
+                                        <p:cTn id="26" dur="1" fill="hold">
+                                          <p:stCondLst>
+                                            <p:cond delay="0"/>
+                                          </p:stCondLst>
+                                        </p:cTn>
+                                        <p:tgtEl>
+                                          <p:spTgt spid="3">
+                                            <p:txEl>
+                                              <p:pRg st="3" end="3"/>
+                                            </p:txEl>
+                                          </p:spTgt>
+                                        </p:tgtEl>
+                                        <p:attrNameLst>
+                                          <p:attrName>style.visibility</p:attrName>
+                                        </p:attrNameLst>
+                                      </p:cBhvr>
+                                      <p:to>
+                                        <p:strVal val="visible"/>
+                                      </p:to>
+                                    </p:set>
+                                    <p:anim calcmode="lin" valueType="num">
+                                      <p:cBhvr additive="base">
+                                        <p:cTn id="27" dur="500" fill="hold"/>
+                                        <p:tgtEl>
+                                          <p:spTgt spid="3">
+                                            <p:txEl>
+                                              <p:pRg st="3" end="3"/>
+                                            </p:txEl>
+                                          </p:spTgt>
+                                        </p:tgtEl>
+                                        <p:attrNameLst>
+                                          <p:attrName>ppt_x</p:attrName>
+                                        </p:attrNameLst>
+                                      </p:cBhvr>
+                                      <p:tavLst>
+                                        <p:tav tm="0">
+                                          <p:val>
+                                            <p:strVal val="#ppt_x"/>
+                                          </p:val>
+                                        </p:tav>
+                                        <p:tav tm="100000">
+                                          <p:val>
+                                            <p:strVal val="#ppt_x"/>
+                                          </p:val>
+                                        </p:tav>
+                                      </p:tavLst>
+                                    </p:anim>
+                                    <p:anim calcmode="lin" valueType="num">
+                                      <p:cBhvr additive="base">
+                                        <p:cTn id="28" dur="500" fill="hold"/>
+                                        <p:tgtEl>
+                                          <p:spTgt spid="3">
+                                            <p:txEl>
+                                              <p:pRg st="3" end="3"/>
+                                            </p:txEl>
+                                          </p:spTgt>
+                                        </p:tgtEl>
+                                        <p:attrNameLst>
+                                          <p:attrName>ppt_y</p:attrName>
+                                        </p:attrNameLst>
+                                      </p:cBhvr>
+                                      <p:tavLst>
+                                        <p:tav tm="0">
+                                          <p:val>
+                                            <p:strVal val="1+#ppt_h/2"/>
+                                          </p:val>
+                                        </p:tav>
+                                        <p:tav tm="100000">
+                                          <p:val>
+                                            <p:strVal val="#ppt_y"/>
+                                          </p:val>
+                                        </p:tav>
+                                      </p:tavLst>
+                                    </p:anim>
+                                  </p:childTnLst>
+                                </p:cTn>
+                              </p:par>
+                            </p:childTnLst>
+                          </p:cTn>
+                        </p:par>
+                        <p:par>
+                          <p:cTn id="29" fill="hold">
+                            <p:stCondLst>
+                              <p:cond delay="5000"/>
+                            </p:stCondLst>
+                            <p:childTnLst>
+                              <p:par>
+                                <p:cTn id="30" presetID="2" presetClass="entr" presetSubtype="4" fill="hold" grpId="0" nodeType="afterEffect">
+                                  <p:stCondLst>
+                                    <p:cond delay="500"/>
+                                  </p:stCondLst>
+                                  <p:childTnLst>
+                                    <p:set>
+                                      <p:cBhvr>
+                                        <p:cTn id="31" dur="1" fill="hold">
+                                          <p:stCondLst>
+                                            <p:cond delay="0"/>
+                                          </p:stCondLst>
+                                        </p:cTn>
+                                        <p:tgtEl>
+                                          <p:spTgt spid="3">
+                                            <p:txEl>
+                                              <p:pRg st="4" end="4"/>
+                                            </p:txEl>
+                                          </p:spTgt>
+                                        </p:tgtEl>
+                                        <p:attrNameLst>
+                                          <p:attrName>style.visibility</p:attrName>
+                                        </p:attrNameLst>
+                                      </p:cBhvr>
+                                      <p:to>
+                                        <p:strVal val="visible"/>
+                                      </p:to>
+                                    </p:set>
+                                    <p:anim calcmode="lin" valueType="num">
+                                      <p:cBhvr additive="base">
+                                        <p:cTn id="32" dur="500" fill="hold"/>
+                                        <p:tgtEl>
+                                          <p:spTgt spid="3">
+                                            <p:txEl>
+                                              <p:pRg st="4" end="4"/>
+                                            </p:txEl>
+                                          </p:spTgt>
+                                        </p:tgtEl>
+                                        <p:attrNameLst>
+                                          <p:attrName>ppt_x</p:attrName>
+                                        </p:attrNameLst>
+                                      </p:cBhvr>
+                                      <p:tavLst>
+                                        <p:tav tm="0">
+                                          <p:val>
+                                            <p:strVal val="#ppt_x"/>
+                                          </p:val>
+                                        </p:tav>
+                                        <p:tav tm="100000">
+                                          <p:val>
+                                            <p:strVal val="#ppt_x"/>
+                                          </p:val>
+                                        </p:tav>
+                                      </p:tavLst>
+                                    </p:anim>
+                                    <p:anim calcmode="lin" valueType="num">
+                                      <p:cBhvr additive="base">
+                                        <p:cTn id="33" dur="500" fill="hold"/>
+                                        <p:tgtEl>
+                                          <p:spTgt spid="3">
+                                            <p:txEl>
+                                              <p:pRg st="4" end="4"/>
+                                            </p:txEl>
+                                          </p:spTgt>
+                                        </p:tgtEl>
+                                        <p:attrNameLst>
+                                          <p:attrName>ppt_y</p:attrName>
+                                        </p:attrNameLst>
+                                      </p:cBhvr>
+                                      <p:tavLst>
+                                        <p:tav tm="0">
+                                          <p:val>
+                                            <p:strVal val="1+#ppt_h/2"/>
+                                          </p:val>
+                                        </p:tav>
+                                        <p:tav tm="100000">
+                                          <p:val>
+                                            <p:strVal val="#ppt_y"/>
+                                          </p:val>
+                                        </p:tav>
+                                      </p:tavLst>
+                                    </p:anim>
+                                  </p:childTnLst>
+                                </p:cTn>
+                              </p:par>
+                            </p:childTnLst>
+                          </p:cTn>
+                        </p:par>
+                        <p:par>
+                          <p:cTn id="34" fill="hold">
+                            <p:stCondLst>
+                              <p:cond delay="6000"/>
+                            </p:stCondLst>
+                            <p:childTnLst>
+                              <p:par>
+                                <p:cTn id="35" presetID="2" presetClass="entr" presetSubtype="4" fill="hold" grpId="0" nodeType="afterEffect">
+                                  <p:stCondLst>
+                                    <p:cond delay="500"/>
+                                  </p:stCondLst>
+                                  <p:childTnLst>
+                                    <p:set>
+                                      <p:cBhvr>
+                                        <p:cTn id="36" dur="1" fill="hold">
+                                          <p:stCondLst>
+                                            <p:cond delay="0"/>
+                                          </p:stCondLst>
+                                        </p:cTn>
+                                        <p:tgtEl>
+                                          <p:spTgt spid="3">
+                                            <p:txEl>
+                                              <p:pRg st="5" end="5"/>
+                                            </p:txEl>
+                                          </p:spTgt>
+                                        </p:tgtEl>
+                                        <p:attrNameLst>
+                                          <p:attrName>style.visibility</p:attrName>
+                                        </p:attrNameLst>
+                                      </p:cBhvr>
+                                      <p:to>
+                                        <p:strVal val="visible"/>
+                                      </p:to>
+                                    </p:set>
+                                    <p:anim calcmode="lin" valueType="num">
+                                      <p:cBhvr additive="base">
+                                        <p:cTn id="37" dur="500" fill="hold"/>
+                                        <p:tgtEl>
+                                          <p:spTgt spid="3">
+                                            <p:txEl>
+                                              <p:pRg st="5" end="5"/>
+                                            </p:txEl>
+                                          </p:spTgt>
+                                        </p:tgtEl>
+                                        <p:attrNameLst>
+                                          <p:attrName>ppt_x</p:attrName>
+                                        </p:attrNameLst>
+                                      </p:cBhvr>
+                                      <p:tavLst>
+                                        <p:tav tm="0">
+                                          <p:val>
+                                            <p:strVal val="#ppt_x"/>
+                                          </p:val>
+                                        </p:tav>
+                                        <p:tav tm="100000">
+                                          <p:val>
+                                            <p:strVal val="#ppt_x"/>
+                                          </p:val>
+                                        </p:tav>
+                                      </p:tavLst>
+                                    </p:anim>
+                                    <p:anim calcmode="lin" valueType="num">
+                                      <p:cBhvr additive="base">
+                                        <p:cTn id="38" dur="500" fill="hold"/>
+                                        <p:tgtEl>
+                                          <p:spTgt spid="3">
+                                            <p:txEl>
+                                              <p:pRg st="5" end="5"/>
+                                            </p:txEl>
+                                          </p:spTgt>
+                                        </p:tgtEl>
+                                        <p:attrNameLst>
+                                          <p:attrName>ppt_y</p:attrName>
+                                        </p:attrNameLst>
+                                      </p:cBhvr>
+                                      <p:tavLst>
+                                        <p:tav tm="0">
+                                          <p:val>
+                                            <p:strVal val="1+#ppt_h/2"/>
+                                          </p:val>
+                                        </p:tav>
+                                        <p:tav tm="100000">
+                                          <p:val>
+                                            <p:strVal val="#ppt_y"/>
+                                          </p:val>
+                                        </p:tav>
+                                      </p:tavLst>
+                                    </p:anim>
+                                  </p:childTnLst>
+                                </p:cTn>
+                              </p:par>
+                            </p:childTnLst>
+                          </p:cTn>
+                        </p:par>
+                        <p:par>
+                          <p:cTn id="39" fill="hold">
+                            <p:stCondLst>
+                              <p:cond delay="7000"/>
+                            </p:stCondLst>
+                            <p:childTnLst>
+                              <p:par>
+                                <p:cTn id="40" presetID="2" presetClass="entr" presetSubtype="4" fill="hold" grpId="0" nodeType="afterEffect">
+                                  <p:stCondLst>
+                                    <p:cond delay="500"/>
+                                  </p:stCondLst>
+                                  <p:childTnLst>
+                                    <p:set>
+                                      <p:cBhvr>
+                                        <p:cTn id="41" dur="1" fill="hold">
+                                          <p:stCondLst>
+                                            <p:cond delay="0"/>
+                                          </p:stCondLst>
+                                        </p:cTn>
+                                        <p:tgtEl>
+                                          <p:spTgt spid="3">
+                                            <p:txEl>
+                                              <p:pRg st="6" end="6"/>
+                                            </p:txEl>
+                                          </p:spTgt>
+                                        </p:tgtEl>
+                                        <p:attrNameLst>
+                                          <p:attrName>style.visibility</p:attrName>
+                                        </p:attrNameLst>
+                                      </p:cBhvr>
+                                      <p:to>
+                                        <p:strVal val="visible"/>
+                                      </p:to>
+                                    </p:set>
+                                    <p:anim calcmode="lin" valueType="num">
+                                      <p:cBhvr additive="base">
+                                        <p:cTn id="42" dur="500" fill="hold"/>
+                                        <p:tgtEl>
+                                          <p:spTgt spid="3">
+                                            <p:txEl>
+                                              <p:pRg st="6" end="6"/>
+                                            </p:txEl>
+                                          </p:spTgt>
+                                        </p:tgtEl>
+                                        <p:attrNameLst>
+                                          <p:attrName>ppt_x</p:attrName>
+                                        </p:attrNameLst>
+                                      </p:cBhvr>
+                                      <p:tavLst>
+                                        <p:tav tm="0">
+                                          <p:val>
+                                            <p:strVal val="#ppt_x"/>
+                                          </p:val>
+                                        </p:tav>
+                                        <p:tav tm="100000">
+                                          <p:val>
+                                            <p:strVal val="#ppt_x"/>
+                                          </p:val>
+                                        </p:tav>
+                                      </p:tavLst>
+                                    </p:anim>
+                                    <p:anim calcmode="lin" valueType="num">
+                                      <p:cBhvr additive="base">
+                                        <p:cTn id="43" dur="500" fill="hold"/>
+                                        <p:tgtEl>
+                                          <p:spTgt spid="3">
+                                            <p:txEl>
+                                              <p:pRg st="6" end="6"/>
+                                            </p:txEl>
+                                          </p:spTgt>
+                                        </p:tgtEl>
+                                        <p:attrNameLst>
+                                          <p:attrName>ppt_y</p:attrName>
+                                        </p:attrNameLst>
+                                      </p:cBhvr>
+                                      <p:tavLst>
+                                        <p:tav tm="0">
+                                          <p:val>
+                                            <p:strVal val="1+#ppt_h/2"/>
+                                          </p:val>
+                                        </p:tav>
+                                        <p:tav tm="100000">
+                                          <p:val>
+                                            <p:strVal val="#ppt_y"/>
+                                          </p:val>
+                                        </p:tav>
+                                      </p:tavLst>
+                                    </p:anim>
+                                  </p:childTnLst>
+                                </p:cTn>
+                              </p:par>
+                            </p:childTnLst>
+                          </p:cTn>
+                        </p:par>
+                      </p:childTnLst>
+                    </p:cTn>
+                  </p:par>
+                </p:childTnLst>
+              </p:cTn>
+              <p:prevCondLst>
+                <p:cond evt="onPrev" delay="0">
+                  <p:tgtEl>
+                    <p:sldTgt/>
+                  </p:tgtEl>
+                </p:cond>
+              </p:prevCondLst>
+              <p:nextCondLst>
+                <p:cond evt="onNext" delay="0">
+                  <p:tgtEl>
+                    <p:sldTgt/>
+                  </p:tgtEl>
+                </p:cond>
+              </p:nextCondLst>
+            </p:seq>
+          </p:childTnLst>
+        </p:cTn>
+      </p:par>
+    </p:tnLst>
+    <p:bldLst>
+      <p:bldP spid="2" grpId="0"/>
+      <p:bldP spid="3" grpId="0" build="p"/>
+    </p:bldLst>
+  </p:timing>
 </p:sld>
 </file>
 

--- a/demoManagement.pptx
+++ b/demoManagement.pptx
@@ -11,8 +11,8 @@
     <p:sldId id="256" r:id="rId2"/>
     <p:sldId id="257" r:id="rId3"/>
     <p:sldId id="258" r:id="rId4"/>
-    <p:sldId id="259" r:id="rId5"/>
-    <p:sldId id="261" r:id="rId6"/>
+    <p:sldId id="261" r:id="rId5"/>
+    <p:sldId id="259" r:id="rId6"/>
     <p:sldId id="260" r:id="rId7"/>
     <p:sldId id="262" r:id="rId8"/>
     <p:sldId id="263" r:id="rId9"/>
@@ -537,7 +537,7 @@
           <a:p>
             <a:fld id="{A871B6BD-985C-FF4C-8319-27B26F48FA5E}" type="slidenum">
               <a:rPr lang="en-US" smtClean="0"/>
-              <a:t>5</a:t>
+              <a:t>4</a:t>
             </a:fld>
             <a:endParaRPr lang="en-US"/>
           </a:p>
@@ -547,6 +547,174 @@
     <p:extLst>
       <p:ext uri="{BB962C8B-B14F-4D97-AF65-F5344CB8AC3E}">
         <p14:creationId xmlns:p14="http://schemas.microsoft.com/office/powerpoint/2010/main" val="772038046"/>
+      </p:ext>
+    </p:extLst>
+  </p:cSld>
+  <p:clrMapOvr>
+    <a:masterClrMapping/>
+  </p:clrMapOvr>
+</p:notes>
+</file>
+
+<file path=ppt/notesSlides/notesSlide2.xml><?xml version="1.0" encoding="utf-8"?>
+<p:notes xmlns:a="http://schemas.openxmlformats.org/drawingml/2006/main" xmlns:r="http://schemas.openxmlformats.org/officeDocument/2006/relationships" xmlns:p="http://schemas.openxmlformats.org/presentationml/2006/main">
+  <p:cSld>
+    <p:spTree>
+      <p:nvGrpSpPr>
+        <p:cNvPr id="1" name=""/>
+        <p:cNvGrpSpPr/>
+        <p:nvPr/>
+      </p:nvGrpSpPr>
+      <p:grpSpPr>
+        <a:xfrm>
+          <a:off x="0" y="0"/>
+          <a:ext cx="0" cy="0"/>
+          <a:chOff x="0" y="0"/>
+          <a:chExt cx="0" cy="0"/>
+        </a:xfrm>
+      </p:grpSpPr>
+      <p:sp>
+        <p:nvSpPr>
+          <p:cNvPr id="2" name="Slide Image Placeholder 1"/>
+          <p:cNvSpPr>
+            <a:spLocks noGrp="1" noRot="1" noChangeAspect="1"/>
+          </p:cNvSpPr>
+          <p:nvPr>
+            <p:ph type="sldImg"/>
+          </p:nvPr>
+        </p:nvSpPr>
+        <p:spPr/>
+      </p:sp>
+      <p:sp>
+        <p:nvSpPr>
+          <p:cNvPr id="3" name="Notes Placeholder 2"/>
+          <p:cNvSpPr>
+            <a:spLocks noGrp="1"/>
+          </p:cNvSpPr>
+          <p:nvPr>
+            <p:ph type="body" idx="1"/>
+          </p:nvPr>
+        </p:nvSpPr>
+        <p:spPr/>
+        <p:txBody>
+          <a:bodyPr/>
+          <a:lstStyle/>
+          <a:p>
+            <a:endParaRPr lang="en-US" dirty="0"/>
+          </a:p>
+        </p:txBody>
+      </p:sp>
+      <p:sp>
+        <p:nvSpPr>
+          <p:cNvPr id="4" name="Slide Number Placeholder 3"/>
+          <p:cNvSpPr>
+            <a:spLocks noGrp="1"/>
+          </p:cNvSpPr>
+          <p:nvPr>
+            <p:ph type="sldNum" sz="quarter" idx="10"/>
+          </p:nvPr>
+        </p:nvSpPr>
+        <p:spPr/>
+        <p:txBody>
+          <a:bodyPr/>
+          <a:lstStyle/>
+          <a:p>
+            <a:fld id="{A871B6BD-985C-FF4C-8319-27B26F48FA5E}" type="slidenum">
+              <a:rPr lang="en-US" smtClean="0"/>
+              <a:t>6</a:t>
+            </a:fld>
+            <a:endParaRPr lang="en-US"/>
+          </a:p>
+        </p:txBody>
+      </p:sp>
+    </p:spTree>
+    <p:extLst>
+      <p:ext uri="{BB962C8B-B14F-4D97-AF65-F5344CB8AC3E}">
+        <p14:creationId xmlns:p14="http://schemas.microsoft.com/office/powerpoint/2010/main" val="195608852"/>
+      </p:ext>
+    </p:extLst>
+  </p:cSld>
+  <p:clrMapOvr>
+    <a:masterClrMapping/>
+  </p:clrMapOvr>
+</p:notes>
+</file>
+
+<file path=ppt/notesSlides/notesSlide3.xml><?xml version="1.0" encoding="utf-8"?>
+<p:notes xmlns:a="http://schemas.openxmlformats.org/drawingml/2006/main" xmlns:r="http://schemas.openxmlformats.org/officeDocument/2006/relationships" xmlns:p="http://schemas.openxmlformats.org/presentationml/2006/main">
+  <p:cSld>
+    <p:spTree>
+      <p:nvGrpSpPr>
+        <p:cNvPr id="1" name=""/>
+        <p:cNvGrpSpPr/>
+        <p:nvPr/>
+      </p:nvGrpSpPr>
+      <p:grpSpPr>
+        <a:xfrm>
+          <a:off x="0" y="0"/>
+          <a:ext cx="0" cy="0"/>
+          <a:chOff x="0" y="0"/>
+          <a:chExt cx="0" cy="0"/>
+        </a:xfrm>
+      </p:grpSpPr>
+      <p:sp>
+        <p:nvSpPr>
+          <p:cNvPr id="2" name="Slide Image Placeholder 1"/>
+          <p:cNvSpPr>
+            <a:spLocks noGrp="1" noRot="1" noChangeAspect="1"/>
+          </p:cNvSpPr>
+          <p:nvPr>
+            <p:ph type="sldImg"/>
+          </p:nvPr>
+        </p:nvSpPr>
+        <p:spPr/>
+      </p:sp>
+      <p:sp>
+        <p:nvSpPr>
+          <p:cNvPr id="3" name="Notes Placeholder 2"/>
+          <p:cNvSpPr>
+            <a:spLocks noGrp="1"/>
+          </p:cNvSpPr>
+          <p:nvPr>
+            <p:ph type="body" idx="1"/>
+          </p:nvPr>
+        </p:nvSpPr>
+        <p:spPr/>
+        <p:txBody>
+          <a:bodyPr/>
+          <a:lstStyle/>
+          <a:p>
+            <a:endParaRPr lang="en-US" dirty="0"/>
+          </a:p>
+        </p:txBody>
+      </p:sp>
+      <p:sp>
+        <p:nvSpPr>
+          <p:cNvPr id="4" name="Slide Number Placeholder 3"/>
+          <p:cNvSpPr>
+            <a:spLocks noGrp="1"/>
+          </p:cNvSpPr>
+          <p:nvPr>
+            <p:ph type="sldNum" sz="quarter" idx="10"/>
+          </p:nvPr>
+        </p:nvSpPr>
+        <p:spPr/>
+        <p:txBody>
+          <a:bodyPr/>
+          <a:lstStyle/>
+          <a:p>
+            <a:fld id="{A871B6BD-985C-FF4C-8319-27B26F48FA5E}" type="slidenum">
+              <a:rPr lang="en-US" smtClean="0"/>
+              <a:t>7</a:t>
+            </a:fld>
+            <a:endParaRPr lang="en-US"/>
+          </a:p>
+        </p:txBody>
+      </p:sp>
+    </p:spTree>
+    <p:extLst>
+      <p:ext uri="{BB962C8B-B14F-4D97-AF65-F5344CB8AC3E}">
+        <p14:creationId xmlns:p14="http://schemas.microsoft.com/office/powerpoint/2010/main" val="276229983"/>
       </p:ext>
     </p:extLst>
   </p:cSld>
@@ -606,7 +774,7 @@
           <a:noFill/>
           <a:extLst>
             <a:ext uri="{909E8E84-426E-40dd-AFC4-6F175D3DCCD1}">
-              <a14:hiddenFill xmlns="" xmlns:a14="http://schemas.microsoft.com/office/drawing/2010/main">
+              <a14:hiddenFill xmlns:a14="http://schemas.microsoft.com/office/drawing/2010/main" xmlns="">
                 <a:solidFill>
                   <a:srgbClr val="FFFFFF"/>
                 </a:solidFill>
@@ -666,7 +834,7 @@
             </a:ln>
             <a:extLst>
               <a:ext uri="{91240B29-F687-4f45-9708-019B960494DF}">
-                <a14:hiddenLine xmlns="" xmlns:a14="http://schemas.microsoft.com/office/drawing/2010/main" w="9525">
+                <a14:hiddenLine xmlns:a14="http://schemas.microsoft.com/office/drawing/2010/main" xmlns="" w="9525">
                   <a:solidFill>
                     <a:srgbClr val="000000"/>
                   </a:solidFill>
@@ -756,7 +924,7 @@
             </a:ln>
             <a:extLst>
               <a:ext uri="{91240B29-F687-4f45-9708-019B960494DF}">
-                <a14:hiddenLine xmlns="" xmlns:a14="http://schemas.microsoft.com/office/drawing/2010/main" w="9525">
+                <a14:hiddenLine xmlns:a14="http://schemas.microsoft.com/office/drawing/2010/main" xmlns="" w="9525">
                   <a:solidFill>
                     <a:srgbClr val="000000"/>
                   </a:solidFill>
@@ -846,7 +1014,7 @@
             </a:ln>
             <a:extLst>
               <a:ext uri="{91240B29-F687-4f45-9708-019B960494DF}">
-                <a14:hiddenLine xmlns="" xmlns:a14="http://schemas.microsoft.com/office/drawing/2010/main" w="9525">
+                <a14:hiddenLine xmlns:a14="http://schemas.microsoft.com/office/drawing/2010/main" xmlns="" w="9525">
                   <a:solidFill>
                     <a:srgbClr val="000000"/>
                   </a:solidFill>
@@ -880,7 +1048,7 @@
             </a:ln>
             <a:extLst>
               <a:ext uri="{91240B29-F687-4f45-9708-019B960494DF}">
-                <a14:hiddenLine xmlns="" xmlns:a14="http://schemas.microsoft.com/office/drawing/2010/main" w="9525">
+                <a14:hiddenLine xmlns:a14="http://schemas.microsoft.com/office/drawing/2010/main" xmlns="" w="9525">
                   <a:solidFill>
                     <a:srgbClr val="000000"/>
                   </a:solidFill>
@@ -970,7 +1138,7 @@
             </a:ln>
             <a:extLst>
               <a:ext uri="{91240B29-F687-4f45-9708-019B960494DF}">
-                <a14:hiddenLine xmlns="" xmlns:a14="http://schemas.microsoft.com/office/drawing/2010/main" w="9525">
+                <a14:hiddenLine xmlns:a14="http://schemas.microsoft.com/office/drawing/2010/main" xmlns="" w="9525">
                   <a:solidFill>
                     <a:srgbClr val="000000"/>
                   </a:solidFill>
@@ -1032,7 +1200,7 @@
             </a:ln>
             <a:extLst>
               <a:ext uri="{91240B29-F687-4f45-9708-019B960494DF}">
-                <a14:hiddenLine xmlns="" xmlns:a14="http://schemas.microsoft.com/office/drawing/2010/main" w="9525">
+                <a14:hiddenLine xmlns:a14="http://schemas.microsoft.com/office/drawing/2010/main" xmlns="" w="9525">
                   <a:solidFill>
                     <a:srgbClr val="000000"/>
                   </a:solidFill>
@@ -1094,7 +1262,7 @@
             </a:ln>
             <a:extLst>
               <a:ext uri="{91240B29-F687-4f45-9708-019B960494DF}">
-                <a14:hiddenLine xmlns="" xmlns:a14="http://schemas.microsoft.com/office/drawing/2010/main" w="9525">
+                <a14:hiddenLine xmlns:a14="http://schemas.microsoft.com/office/drawing/2010/main" xmlns="" w="9525">
                   <a:solidFill>
                     <a:srgbClr val="000000"/>
                   </a:solidFill>
@@ -1184,7 +1352,7 @@
             </a:ln>
             <a:extLst>
               <a:ext uri="{91240B29-F687-4f45-9708-019B960494DF}">
-                <a14:hiddenLine xmlns="" xmlns:a14="http://schemas.microsoft.com/office/drawing/2010/main" w="9525">
+                <a14:hiddenLine xmlns:a14="http://schemas.microsoft.com/office/drawing/2010/main" xmlns="" w="9525">
                   <a:solidFill>
                     <a:srgbClr val="000000"/>
                   </a:solidFill>
@@ -1246,7 +1414,7 @@
             </a:ln>
             <a:extLst>
               <a:ext uri="{91240B29-F687-4f45-9708-019B960494DF}">
-                <a14:hiddenLine xmlns="" xmlns:a14="http://schemas.microsoft.com/office/drawing/2010/main" w="9525">
+                <a14:hiddenLine xmlns:a14="http://schemas.microsoft.com/office/drawing/2010/main" xmlns="" w="9525">
                   <a:solidFill>
                     <a:srgbClr val="000000"/>
                   </a:solidFill>
@@ -1308,7 +1476,7 @@
             </a:ln>
             <a:extLst>
               <a:ext uri="{91240B29-F687-4f45-9708-019B960494DF}">
-                <a14:hiddenLine xmlns="" xmlns:a14="http://schemas.microsoft.com/office/drawing/2010/main" w="9525">
+                <a14:hiddenLine xmlns:a14="http://schemas.microsoft.com/office/drawing/2010/main" xmlns="" w="9525">
                   <a:solidFill>
                     <a:srgbClr val="000000"/>
                   </a:solidFill>
@@ -1398,7 +1566,7 @@
             </a:ln>
             <a:extLst>
               <a:ext uri="{91240B29-F687-4f45-9708-019B960494DF}">
-                <a14:hiddenLine xmlns="" xmlns:a14="http://schemas.microsoft.com/office/drawing/2010/main" w="9525">
+                <a14:hiddenLine xmlns:a14="http://schemas.microsoft.com/office/drawing/2010/main" xmlns="" w="9525">
                   <a:solidFill>
                     <a:srgbClr val="000000"/>
                   </a:solidFill>
@@ -1488,7 +1656,7 @@
             </a:ln>
             <a:extLst>
               <a:ext uri="{91240B29-F687-4f45-9708-019B960494DF}">
-                <a14:hiddenLine xmlns="" xmlns:a14="http://schemas.microsoft.com/office/drawing/2010/main" w="9525">
+                <a14:hiddenLine xmlns:a14="http://schemas.microsoft.com/office/drawing/2010/main" xmlns="" w="9525">
                   <a:solidFill>
                     <a:srgbClr val="000000"/>
                   </a:solidFill>
@@ -1550,7 +1718,7 @@
             </a:ln>
             <a:extLst>
               <a:ext uri="{91240B29-F687-4f45-9708-019B960494DF}">
-                <a14:hiddenLine xmlns="" xmlns:a14="http://schemas.microsoft.com/office/drawing/2010/main" w="9525">
+                <a14:hiddenLine xmlns:a14="http://schemas.microsoft.com/office/drawing/2010/main" xmlns="" w="9525">
                   <a:solidFill>
                     <a:srgbClr val="000000"/>
                   </a:solidFill>
@@ -1660,7 +1828,7 @@
             </a:ln>
             <a:extLst>
               <a:ext uri="{91240B29-F687-4f45-9708-019B960494DF}">
-                <a14:hiddenLine xmlns="" xmlns:a14="http://schemas.microsoft.com/office/drawing/2010/main" w="9525">
+                <a14:hiddenLine xmlns:a14="http://schemas.microsoft.com/office/drawing/2010/main" xmlns="" w="9525">
                   <a:solidFill>
                     <a:srgbClr val="000000"/>
                   </a:solidFill>
@@ -1722,7 +1890,7 @@
             </a:ln>
             <a:extLst>
               <a:ext uri="{91240B29-F687-4f45-9708-019B960494DF}">
-                <a14:hiddenLine xmlns="" xmlns:a14="http://schemas.microsoft.com/office/drawing/2010/main" w="9525">
+                <a14:hiddenLine xmlns:a14="http://schemas.microsoft.com/office/drawing/2010/main" xmlns="" w="9525">
                   <a:solidFill>
                     <a:srgbClr val="000000"/>
                   </a:solidFill>
@@ -1812,7 +1980,7 @@
             </a:ln>
             <a:extLst>
               <a:ext uri="{91240B29-F687-4f45-9708-019B960494DF}">
-                <a14:hiddenLine xmlns="" xmlns:a14="http://schemas.microsoft.com/office/drawing/2010/main" w="9525">
+                <a14:hiddenLine xmlns:a14="http://schemas.microsoft.com/office/drawing/2010/main" xmlns="" w="9525">
                   <a:solidFill>
                     <a:srgbClr val="000000"/>
                   </a:solidFill>
@@ -1902,7 +2070,7 @@
             </a:ln>
             <a:extLst>
               <a:ext uri="{91240B29-F687-4f45-9708-019B960494DF}">
-                <a14:hiddenLine xmlns="" xmlns:a14="http://schemas.microsoft.com/office/drawing/2010/main" w="9525">
+                <a14:hiddenLine xmlns:a14="http://schemas.microsoft.com/office/drawing/2010/main" xmlns="" w="9525">
                   <a:solidFill>
                     <a:srgbClr val="000000"/>
                   </a:solidFill>
@@ -1964,7 +2132,7 @@
             </a:ln>
             <a:extLst>
               <a:ext uri="{91240B29-F687-4f45-9708-019B960494DF}">
-                <a14:hiddenLine xmlns="" xmlns:a14="http://schemas.microsoft.com/office/drawing/2010/main" w="9525">
+                <a14:hiddenLine xmlns:a14="http://schemas.microsoft.com/office/drawing/2010/main" xmlns="" w="9525">
                   <a:solidFill>
                     <a:srgbClr val="000000"/>
                   </a:solidFill>
@@ -2054,7 +2222,7 @@
             </a:ln>
             <a:extLst>
               <a:ext uri="{91240B29-F687-4f45-9708-019B960494DF}">
-                <a14:hiddenLine xmlns="" xmlns:a14="http://schemas.microsoft.com/office/drawing/2010/main" w="9525">
+                <a14:hiddenLine xmlns:a14="http://schemas.microsoft.com/office/drawing/2010/main" xmlns="" w="9525">
                   <a:solidFill>
                     <a:srgbClr val="000000"/>
                   </a:solidFill>
@@ -2144,7 +2312,7 @@
             </a:ln>
             <a:extLst>
               <a:ext uri="{91240B29-F687-4f45-9708-019B960494DF}">
-                <a14:hiddenLine xmlns="" xmlns:a14="http://schemas.microsoft.com/office/drawing/2010/main" w="9525">
+                <a14:hiddenLine xmlns:a14="http://schemas.microsoft.com/office/drawing/2010/main" xmlns="" w="9525">
                   <a:solidFill>
                     <a:srgbClr val="000000"/>
                   </a:solidFill>
@@ -2200,7 +2368,7 @@
             </a:ln>
             <a:extLst>
               <a:ext uri="{91240B29-F687-4f45-9708-019B960494DF}">
-                <a14:hiddenLine xmlns="" xmlns:a14="http://schemas.microsoft.com/office/drawing/2010/main" w="9525">
+                <a14:hiddenLine xmlns:a14="http://schemas.microsoft.com/office/drawing/2010/main" xmlns="" w="9525">
                   <a:solidFill>
                     <a:srgbClr val="000000"/>
                   </a:solidFill>
@@ -2290,7 +2458,7 @@
             </a:ln>
             <a:extLst>
               <a:ext uri="{91240B29-F687-4f45-9708-019B960494DF}">
-                <a14:hiddenLine xmlns="" xmlns:a14="http://schemas.microsoft.com/office/drawing/2010/main" w="9525">
+                <a14:hiddenLine xmlns:a14="http://schemas.microsoft.com/office/drawing/2010/main" xmlns="" w="9525">
                   <a:solidFill>
                     <a:srgbClr val="000000"/>
                   </a:solidFill>
@@ -2346,7 +2514,7 @@
             </a:ln>
             <a:extLst>
               <a:ext uri="{91240B29-F687-4f45-9708-019B960494DF}">
-                <a14:hiddenLine xmlns="" xmlns:a14="http://schemas.microsoft.com/office/drawing/2010/main" w="9525">
+                <a14:hiddenLine xmlns:a14="http://schemas.microsoft.com/office/drawing/2010/main" xmlns="" w="9525">
                   <a:solidFill>
                     <a:srgbClr val="000000"/>
                   </a:solidFill>
@@ -2436,7 +2604,7 @@
             </a:ln>
             <a:extLst>
               <a:ext uri="{91240B29-F687-4f45-9708-019B960494DF}">
-                <a14:hiddenLine xmlns="" xmlns:a14="http://schemas.microsoft.com/office/drawing/2010/main" w="9525">
+                <a14:hiddenLine xmlns:a14="http://schemas.microsoft.com/office/drawing/2010/main" xmlns="" w="9525">
                   <a:solidFill>
                     <a:srgbClr val="000000"/>
                   </a:solidFill>
@@ -2504,7 +2672,7 @@
             </a:ln>
             <a:extLst>
               <a:ext uri="{91240B29-F687-4f45-9708-019B960494DF}">
-                <a14:hiddenLine xmlns="" xmlns:a14="http://schemas.microsoft.com/office/drawing/2010/main" w="9525">
+                <a14:hiddenLine xmlns:a14="http://schemas.microsoft.com/office/drawing/2010/main" xmlns="" w="9525">
                   <a:solidFill>
                     <a:srgbClr val="000000"/>
                   </a:solidFill>
@@ -2594,7 +2762,7 @@
             </a:ln>
             <a:extLst>
               <a:ext uri="{91240B29-F687-4f45-9708-019B960494DF}">
-                <a14:hiddenLine xmlns="" xmlns:a14="http://schemas.microsoft.com/office/drawing/2010/main" w="9525">
+                <a14:hiddenLine xmlns:a14="http://schemas.microsoft.com/office/drawing/2010/main" xmlns="" w="9525">
                   <a:solidFill>
                     <a:srgbClr val="000000"/>
                   </a:solidFill>
@@ -2662,7 +2830,7 @@
             </a:ln>
             <a:extLst>
               <a:ext uri="{91240B29-F687-4f45-9708-019B960494DF}">
-                <a14:hiddenLine xmlns="" xmlns:a14="http://schemas.microsoft.com/office/drawing/2010/main" w="9525">
+                <a14:hiddenLine xmlns:a14="http://schemas.microsoft.com/office/drawing/2010/main" xmlns="" w="9525">
                   <a:solidFill>
                     <a:srgbClr val="000000"/>
                   </a:solidFill>
@@ -2752,7 +2920,7 @@
             </a:ln>
             <a:extLst>
               <a:ext uri="{91240B29-F687-4f45-9708-019B960494DF}">
-                <a14:hiddenLine xmlns="" xmlns:a14="http://schemas.microsoft.com/office/drawing/2010/main" w="9525">
+                <a14:hiddenLine xmlns:a14="http://schemas.microsoft.com/office/drawing/2010/main" xmlns="" w="9525">
                   <a:solidFill>
                     <a:srgbClr val="000000"/>
                   </a:solidFill>
@@ -2786,7 +2954,7 @@
             </a:ln>
             <a:extLst>
               <a:ext uri="{91240B29-F687-4f45-9708-019B960494DF}">
-                <a14:hiddenLine xmlns="" xmlns:a14="http://schemas.microsoft.com/office/drawing/2010/main" w="9525">
+                <a14:hiddenLine xmlns:a14="http://schemas.microsoft.com/office/drawing/2010/main" xmlns="" w="9525">
                   <a:solidFill>
                     <a:srgbClr val="000000"/>
                   </a:solidFill>
@@ -2876,7 +3044,7 @@
             </a:ln>
             <a:extLst>
               <a:ext uri="{91240B29-F687-4f45-9708-019B960494DF}">
-                <a14:hiddenLine xmlns="" xmlns:a14="http://schemas.microsoft.com/office/drawing/2010/main" w="9525">
+                <a14:hiddenLine xmlns:a14="http://schemas.microsoft.com/office/drawing/2010/main" xmlns="" w="9525">
                   <a:solidFill>
                     <a:srgbClr val="000000"/>
                   </a:solidFill>
@@ -2938,7 +3106,7 @@
             </a:ln>
             <a:extLst>
               <a:ext uri="{91240B29-F687-4f45-9708-019B960494DF}">
-                <a14:hiddenLine xmlns="" xmlns:a14="http://schemas.microsoft.com/office/drawing/2010/main" w="9525">
+                <a14:hiddenLine xmlns:a14="http://schemas.microsoft.com/office/drawing/2010/main" xmlns="" w="9525">
                   <a:solidFill>
                     <a:srgbClr val="000000"/>
                   </a:solidFill>
@@ -3000,7 +3168,7 @@
             </a:ln>
             <a:extLst>
               <a:ext uri="{91240B29-F687-4f45-9708-019B960494DF}">
-                <a14:hiddenLine xmlns="" xmlns:a14="http://schemas.microsoft.com/office/drawing/2010/main" w="9525">
+                <a14:hiddenLine xmlns:a14="http://schemas.microsoft.com/office/drawing/2010/main" xmlns="" w="9525">
                   <a:solidFill>
                     <a:srgbClr val="000000"/>
                   </a:solidFill>
@@ -3090,7 +3258,7 @@
             </a:ln>
             <a:extLst>
               <a:ext uri="{91240B29-F687-4f45-9708-019B960494DF}">
-                <a14:hiddenLine xmlns="" xmlns:a14="http://schemas.microsoft.com/office/drawing/2010/main" w="9525">
+                <a14:hiddenLine xmlns:a14="http://schemas.microsoft.com/office/drawing/2010/main" xmlns="" w="9525">
                   <a:solidFill>
                     <a:srgbClr val="000000"/>
                   </a:solidFill>
@@ -3158,7 +3326,7 @@
             </a:ln>
             <a:extLst>
               <a:ext uri="{91240B29-F687-4f45-9708-019B960494DF}">
-                <a14:hiddenLine xmlns="" xmlns:a14="http://schemas.microsoft.com/office/drawing/2010/main" w="9525">
+                <a14:hiddenLine xmlns:a14="http://schemas.microsoft.com/office/drawing/2010/main" xmlns="" w="9525">
                   <a:solidFill>
                     <a:srgbClr val="000000"/>
                   </a:solidFill>
@@ -3220,7 +3388,7 @@
             </a:ln>
             <a:extLst>
               <a:ext uri="{91240B29-F687-4f45-9708-019B960494DF}">
-                <a14:hiddenLine xmlns="" xmlns:a14="http://schemas.microsoft.com/office/drawing/2010/main" w="9525">
+                <a14:hiddenLine xmlns:a14="http://schemas.microsoft.com/office/drawing/2010/main" xmlns="" w="9525">
                   <a:solidFill>
                     <a:srgbClr val="000000"/>
                   </a:solidFill>
@@ -3310,7 +3478,7 @@
             </a:ln>
             <a:extLst>
               <a:ext uri="{91240B29-F687-4f45-9708-019B960494DF}">
-                <a14:hiddenLine xmlns="" xmlns:a14="http://schemas.microsoft.com/office/drawing/2010/main" w="9525">
+                <a14:hiddenLine xmlns:a14="http://schemas.microsoft.com/office/drawing/2010/main" xmlns="" w="9525">
                   <a:solidFill>
                     <a:srgbClr val="000000"/>
                   </a:solidFill>
@@ -3372,7 +3540,7 @@
             </a:ln>
             <a:extLst>
               <a:ext uri="{91240B29-F687-4f45-9708-019B960494DF}">
-                <a14:hiddenLine xmlns="" xmlns:a14="http://schemas.microsoft.com/office/drawing/2010/main" w="9525">
+                <a14:hiddenLine xmlns:a14="http://schemas.microsoft.com/office/drawing/2010/main" xmlns="" w="9525">
                   <a:solidFill>
                     <a:srgbClr val="000000"/>
                   </a:solidFill>
@@ -3462,7 +3630,7 @@
             </a:ln>
             <a:extLst>
               <a:ext uri="{91240B29-F687-4f45-9708-019B960494DF}">
-                <a14:hiddenLine xmlns="" xmlns:a14="http://schemas.microsoft.com/office/drawing/2010/main" w="9525">
+                <a14:hiddenLine xmlns:a14="http://schemas.microsoft.com/office/drawing/2010/main" xmlns="" w="9525">
                   <a:solidFill>
                     <a:srgbClr val="000000"/>
                   </a:solidFill>
@@ -3524,7 +3692,7 @@
             </a:ln>
             <a:extLst>
               <a:ext uri="{91240B29-F687-4f45-9708-019B960494DF}">
-                <a14:hiddenLine xmlns="" xmlns:a14="http://schemas.microsoft.com/office/drawing/2010/main" w="9525">
+                <a14:hiddenLine xmlns:a14="http://schemas.microsoft.com/office/drawing/2010/main" xmlns="" w="9525">
                   <a:solidFill>
                     <a:srgbClr val="000000"/>
                   </a:solidFill>
@@ -3614,7 +3782,7 @@
             </a:ln>
             <a:extLst>
               <a:ext uri="{91240B29-F687-4f45-9708-019B960494DF}">
-                <a14:hiddenLine xmlns="" xmlns:a14="http://schemas.microsoft.com/office/drawing/2010/main" w="9525">
+                <a14:hiddenLine xmlns:a14="http://schemas.microsoft.com/office/drawing/2010/main" xmlns="" w="9525">
                   <a:solidFill>
                     <a:srgbClr val="000000"/>
                   </a:solidFill>
@@ -3648,7 +3816,7 @@
             </a:ln>
             <a:extLst>
               <a:ext uri="{91240B29-F687-4f45-9708-019B960494DF}">
-                <a14:hiddenLine xmlns="" xmlns:a14="http://schemas.microsoft.com/office/drawing/2010/main" w="9525">
+                <a14:hiddenLine xmlns:a14="http://schemas.microsoft.com/office/drawing/2010/main" xmlns="" w="9525">
                   <a:solidFill>
                     <a:srgbClr val="000000"/>
                   </a:solidFill>
@@ -3713,7 +3881,7 @@
             </a:ln>
             <a:extLst>
               <a:ext uri="{91240B29-F687-4f45-9708-019B960494DF}">
-                <a14:hiddenLine xmlns="" xmlns:a14="http://schemas.microsoft.com/office/drawing/2010/main" w="9525">
+                <a14:hiddenLine xmlns:a14="http://schemas.microsoft.com/office/drawing/2010/main" xmlns="" w="9525">
                   <a:solidFill>
                     <a:srgbClr val="000000"/>
                   </a:solidFill>
@@ -3803,7 +3971,7 @@
             </a:ln>
             <a:extLst>
               <a:ext uri="{91240B29-F687-4f45-9708-019B960494DF}">
-                <a14:hiddenLine xmlns="" xmlns:a14="http://schemas.microsoft.com/office/drawing/2010/main" w="9525">
+                <a14:hiddenLine xmlns:a14="http://schemas.microsoft.com/office/drawing/2010/main" xmlns="" w="9525">
                   <a:solidFill>
                     <a:srgbClr val="000000"/>
                   </a:solidFill>
@@ -3865,7 +4033,7 @@
             </a:ln>
             <a:extLst>
               <a:ext uri="{91240B29-F687-4f45-9708-019B960494DF}">
-                <a14:hiddenLine xmlns="" xmlns:a14="http://schemas.microsoft.com/office/drawing/2010/main" w="9525">
+                <a14:hiddenLine xmlns:a14="http://schemas.microsoft.com/office/drawing/2010/main" xmlns="" w="9525">
                   <a:solidFill>
                     <a:srgbClr val="000000"/>
                   </a:solidFill>
@@ -3955,7 +4123,7 @@
             </a:ln>
             <a:extLst>
               <a:ext uri="{91240B29-F687-4f45-9708-019B960494DF}">
-                <a14:hiddenLine xmlns="" xmlns:a14="http://schemas.microsoft.com/office/drawing/2010/main" w="9525">
+                <a14:hiddenLine xmlns:a14="http://schemas.microsoft.com/office/drawing/2010/main" xmlns="" w="9525">
                   <a:solidFill>
                     <a:srgbClr val="000000"/>
                   </a:solidFill>
@@ -4045,7 +4213,7 @@
             </a:ln>
             <a:extLst>
               <a:ext uri="{91240B29-F687-4f45-9708-019B960494DF}">
-                <a14:hiddenLine xmlns="" xmlns:a14="http://schemas.microsoft.com/office/drawing/2010/main" w="9525">
+                <a14:hiddenLine xmlns:a14="http://schemas.microsoft.com/office/drawing/2010/main" xmlns="" w="9525">
                   <a:solidFill>
                     <a:srgbClr val="000000"/>
                   </a:solidFill>
@@ -4110,7 +4278,7 @@
             </a:ln>
             <a:extLst>
               <a:ext uri="{91240B29-F687-4f45-9708-019B960494DF}">
-                <a14:hiddenLine xmlns="" xmlns:a14="http://schemas.microsoft.com/office/drawing/2010/main" w="9525">
+                <a14:hiddenLine xmlns:a14="http://schemas.microsoft.com/office/drawing/2010/main" xmlns="" w="9525">
                   <a:solidFill>
                     <a:srgbClr val="000000"/>
                   </a:solidFill>
@@ -4172,7 +4340,7 @@
             </a:ln>
             <a:extLst>
               <a:ext uri="{91240B29-F687-4f45-9708-019B960494DF}">
-                <a14:hiddenLine xmlns="" xmlns:a14="http://schemas.microsoft.com/office/drawing/2010/main" w="9525">
+                <a14:hiddenLine xmlns:a14="http://schemas.microsoft.com/office/drawing/2010/main" xmlns="" w="9525">
                   <a:solidFill>
                     <a:srgbClr val="000000"/>
                   </a:solidFill>
@@ -4262,7 +4430,7 @@
             </a:ln>
             <a:extLst>
               <a:ext uri="{91240B29-F687-4f45-9708-019B960494DF}">
-                <a14:hiddenLine xmlns="" xmlns:a14="http://schemas.microsoft.com/office/drawing/2010/main" w="9525">
+                <a14:hiddenLine xmlns:a14="http://schemas.microsoft.com/office/drawing/2010/main" xmlns="" w="9525">
                   <a:solidFill>
                     <a:srgbClr val="000000"/>
                   </a:solidFill>
@@ -4352,7 +4520,7 @@
             </a:ln>
             <a:extLst>
               <a:ext uri="{91240B29-F687-4f45-9708-019B960494DF}">
-                <a14:hiddenLine xmlns="" xmlns:a14="http://schemas.microsoft.com/office/drawing/2010/main" w="9525">
+                <a14:hiddenLine xmlns:a14="http://schemas.microsoft.com/office/drawing/2010/main" xmlns="" w="9525">
                   <a:solidFill>
                     <a:srgbClr val="000000"/>
                   </a:solidFill>
@@ -4414,7 +4582,7 @@
             </a:ln>
             <a:extLst>
               <a:ext uri="{91240B29-F687-4f45-9708-019B960494DF}">
-                <a14:hiddenLine xmlns="" xmlns:a14="http://schemas.microsoft.com/office/drawing/2010/main" w="9525">
+                <a14:hiddenLine xmlns:a14="http://schemas.microsoft.com/office/drawing/2010/main" xmlns="" w="9525">
                   <a:solidFill>
                     <a:srgbClr val="000000"/>
                   </a:solidFill>
@@ -4534,7 +4702,7 @@
             </a:ln>
             <a:extLst>
               <a:ext uri="{91240B29-F687-4f45-9708-019B960494DF}">
-                <a14:hiddenLine xmlns="" xmlns:a14="http://schemas.microsoft.com/office/drawing/2010/main" w="9525">
+                <a14:hiddenLine xmlns:a14="http://schemas.microsoft.com/office/drawing/2010/main" xmlns="" w="9525">
                   <a:solidFill>
                     <a:srgbClr val="000000"/>
                   </a:solidFill>
@@ -4602,7 +4770,7 @@
             </a:ln>
             <a:extLst>
               <a:ext uri="{91240B29-F687-4f45-9708-019B960494DF}">
-                <a14:hiddenLine xmlns="" xmlns:a14="http://schemas.microsoft.com/office/drawing/2010/main" w="9525">
+                <a14:hiddenLine xmlns:a14="http://schemas.microsoft.com/office/drawing/2010/main" xmlns="" w="9525">
                   <a:solidFill>
                     <a:srgbClr val="000000"/>
                   </a:solidFill>
@@ -4692,7 +4860,7 @@
             </a:ln>
             <a:extLst>
               <a:ext uri="{91240B29-F687-4f45-9708-019B960494DF}">
-                <a14:hiddenLine xmlns="" xmlns:a14="http://schemas.microsoft.com/office/drawing/2010/main" w="9525">
+                <a14:hiddenLine xmlns:a14="http://schemas.microsoft.com/office/drawing/2010/main" xmlns="" w="9525">
                   <a:solidFill>
                     <a:srgbClr val="000000"/>
                   </a:solidFill>
@@ -9414,7 +9582,7 @@
           <a:noFill/>
           <a:extLst>
             <a:ext uri="{909E8E84-426E-40dd-AFC4-6F175D3DCCD1}">
-              <a14:hiddenFill xmlns="" xmlns:a14="http://schemas.microsoft.com/office/drawing/2010/main">
+              <a14:hiddenFill xmlns:a14="http://schemas.microsoft.com/office/drawing/2010/main" xmlns="">
                 <a:solidFill>
                   <a:srgbClr val="FFFFFF"/>
                 </a:solidFill>
@@ -9488,7 +9656,7 @@
               </a:ln>
               <a:extLst>
                 <a:ext uri="{91240B29-F687-4f45-9708-019B960494DF}">
-                  <a14:hiddenLine xmlns="" xmlns:a14="http://schemas.microsoft.com/office/drawing/2010/main" w="9525">
+                  <a14:hiddenLine xmlns:a14="http://schemas.microsoft.com/office/drawing/2010/main" xmlns="" w="9525">
                     <a:solidFill>
                       <a:srgbClr val="000000"/>
                     </a:solidFill>
@@ -9578,7 +9746,7 @@
               </a:ln>
               <a:extLst>
                 <a:ext uri="{91240B29-F687-4f45-9708-019B960494DF}">
-                  <a14:hiddenLine xmlns="" xmlns:a14="http://schemas.microsoft.com/office/drawing/2010/main" w="9525">
+                  <a14:hiddenLine xmlns:a14="http://schemas.microsoft.com/office/drawing/2010/main" xmlns="" w="9525">
                     <a:solidFill>
                       <a:srgbClr val="000000"/>
                     </a:solidFill>
@@ -9668,7 +9836,7 @@
               </a:ln>
               <a:extLst>
                 <a:ext uri="{91240B29-F687-4f45-9708-019B960494DF}">
-                  <a14:hiddenLine xmlns="" xmlns:a14="http://schemas.microsoft.com/office/drawing/2010/main" w="9525">
+                  <a14:hiddenLine xmlns:a14="http://schemas.microsoft.com/office/drawing/2010/main" xmlns="" w="9525">
                     <a:solidFill>
                       <a:srgbClr val="000000"/>
                     </a:solidFill>
@@ -9730,7 +9898,7 @@
               </a:ln>
               <a:extLst>
                 <a:ext uri="{91240B29-F687-4f45-9708-019B960494DF}">
-                  <a14:hiddenLine xmlns="" xmlns:a14="http://schemas.microsoft.com/office/drawing/2010/main" w="9525">
+                  <a14:hiddenLine xmlns:a14="http://schemas.microsoft.com/office/drawing/2010/main" xmlns="" w="9525">
                     <a:solidFill>
                       <a:srgbClr val="000000"/>
                     </a:solidFill>
@@ -9820,7 +9988,7 @@
               </a:ln>
               <a:extLst>
                 <a:ext uri="{91240B29-F687-4f45-9708-019B960494DF}">
-                  <a14:hiddenLine xmlns="" xmlns:a14="http://schemas.microsoft.com/office/drawing/2010/main" w="9525">
+                  <a14:hiddenLine xmlns:a14="http://schemas.microsoft.com/office/drawing/2010/main" xmlns="" w="9525">
                     <a:solidFill>
                       <a:srgbClr val="000000"/>
                     </a:solidFill>
@@ -9882,7 +10050,7 @@
               </a:ln>
               <a:extLst>
                 <a:ext uri="{91240B29-F687-4f45-9708-019B960494DF}">
-                  <a14:hiddenLine xmlns="" xmlns:a14="http://schemas.microsoft.com/office/drawing/2010/main" w="9525">
+                  <a14:hiddenLine xmlns:a14="http://schemas.microsoft.com/office/drawing/2010/main" xmlns="" w="9525">
                     <a:solidFill>
                       <a:srgbClr val="000000"/>
                     </a:solidFill>
@@ -9944,7 +10112,7 @@
               </a:ln>
               <a:extLst>
                 <a:ext uri="{91240B29-F687-4f45-9708-019B960494DF}">
-                  <a14:hiddenLine xmlns="" xmlns:a14="http://schemas.microsoft.com/office/drawing/2010/main" w="9525">
+                  <a14:hiddenLine xmlns:a14="http://schemas.microsoft.com/office/drawing/2010/main" xmlns="" w="9525">
                     <a:solidFill>
                       <a:srgbClr val="000000"/>
                     </a:solidFill>
@@ -10034,7 +10202,7 @@
               </a:ln>
               <a:extLst>
                 <a:ext uri="{91240B29-F687-4f45-9708-019B960494DF}">
-                  <a14:hiddenLine xmlns="" xmlns:a14="http://schemas.microsoft.com/office/drawing/2010/main" w="9525">
+                  <a14:hiddenLine xmlns:a14="http://schemas.microsoft.com/office/drawing/2010/main" xmlns="" w="9525">
                     <a:solidFill>
                       <a:srgbClr val="000000"/>
                     </a:solidFill>
@@ -10124,7 +10292,7 @@
               </a:ln>
               <a:extLst>
                 <a:ext uri="{91240B29-F687-4f45-9708-019B960494DF}">
-                  <a14:hiddenLine xmlns="" xmlns:a14="http://schemas.microsoft.com/office/drawing/2010/main" w="9525">
+                  <a14:hiddenLine xmlns:a14="http://schemas.microsoft.com/office/drawing/2010/main" xmlns="" w="9525">
                     <a:solidFill>
                       <a:srgbClr val="000000"/>
                     </a:solidFill>
@@ -10186,7 +10354,7 @@
               </a:ln>
               <a:extLst>
                 <a:ext uri="{91240B29-F687-4f45-9708-019B960494DF}">
-                  <a14:hiddenLine xmlns="" xmlns:a14="http://schemas.microsoft.com/office/drawing/2010/main" w="9525">
+                  <a14:hiddenLine xmlns:a14="http://schemas.microsoft.com/office/drawing/2010/main" xmlns="" w="9525">
                     <a:solidFill>
                       <a:srgbClr val="000000"/>
                     </a:solidFill>
@@ -10296,7 +10464,7 @@
               </a:ln>
               <a:extLst>
                 <a:ext uri="{91240B29-F687-4f45-9708-019B960494DF}">
-                  <a14:hiddenLine xmlns="" xmlns:a14="http://schemas.microsoft.com/office/drawing/2010/main" w="9525">
+                  <a14:hiddenLine xmlns:a14="http://schemas.microsoft.com/office/drawing/2010/main" xmlns="" w="9525">
                     <a:solidFill>
                       <a:srgbClr val="000000"/>
                     </a:solidFill>
@@ -10380,7 +10548,7 @@
               </a:ln>
               <a:extLst>
                 <a:ext uri="{91240B29-F687-4f45-9708-019B960494DF}">
-                  <a14:hiddenLine xmlns="" xmlns:a14="http://schemas.microsoft.com/office/drawing/2010/main" w="9525">
+                  <a14:hiddenLine xmlns:a14="http://schemas.microsoft.com/office/drawing/2010/main" xmlns="" w="9525">
                     <a:solidFill>
                       <a:srgbClr val="000000"/>
                     </a:solidFill>
@@ -10442,7 +10610,7 @@
               </a:ln>
               <a:extLst>
                 <a:ext uri="{91240B29-F687-4f45-9708-019B960494DF}">
-                  <a14:hiddenLine xmlns="" xmlns:a14="http://schemas.microsoft.com/office/drawing/2010/main" w="9525">
+                  <a14:hiddenLine xmlns:a14="http://schemas.microsoft.com/office/drawing/2010/main" xmlns="" w="9525">
                     <a:solidFill>
                       <a:srgbClr val="000000"/>
                     </a:solidFill>
@@ -10504,7 +10672,7 @@
               </a:ln>
               <a:extLst>
                 <a:ext uri="{91240B29-F687-4f45-9708-019B960494DF}">
-                  <a14:hiddenLine xmlns="" xmlns:a14="http://schemas.microsoft.com/office/drawing/2010/main" w="9525">
+                  <a14:hiddenLine xmlns:a14="http://schemas.microsoft.com/office/drawing/2010/main" xmlns="" w="9525">
                     <a:solidFill>
                       <a:srgbClr val="000000"/>
                     </a:solidFill>
@@ -10594,7 +10762,7 @@
               </a:ln>
               <a:extLst>
                 <a:ext uri="{91240B29-F687-4f45-9708-019B960494DF}">
-                  <a14:hiddenLine xmlns="" xmlns:a14="http://schemas.microsoft.com/office/drawing/2010/main" w="9525">
+                  <a14:hiddenLine xmlns:a14="http://schemas.microsoft.com/office/drawing/2010/main" xmlns="" w="9525">
                     <a:solidFill>
                       <a:srgbClr val="000000"/>
                     </a:solidFill>
@@ -10628,7 +10796,7 @@
               </a:ln>
               <a:extLst>
                 <a:ext uri="{91240B29-F687-4f45-9708-019B960494DF}">
-                  <a14:hiddenLine xmlns="" xmlns:a14="http://schemas.microsoft.com/office/drawing/2010/main" w="9525">
+                  <a14:hiddenLine xmlns:a14="http://schemas.microsoft.com/office/drawing/2010/main" xmlns="" w="9525">
                     <a:solidFill>
                       <a:srgbClr val="000000"/>
                     </a:solidFill>
@@ -10693,7 +10861,7 @@
               </a:ln>
               <a:extLst>
                 <a:ext uri="{91240B29-F687-4f45-9708-019B960494DF}">
-                  <a14:hiddenLine xmlns="" xmlns:a14="http://schemas.microsoft.com/office/drawing/2010/main" w="9525">
+                  <a14:hiddenLine xmlns:a14="http://schemas.microsoft.com/office/drawing/2010/main" xmlns="" w="9525">
                     <a:solidFill>
                       <a:srgbClr val="000000"/>
                     </a:solidFill>
@@ -10783,7 +10951,7 @@
               </a:ln>
               <a:extLst>
                 <a:ext uri="{91240B29-F687-4f45-9708-019B960494DF}">
-                  <a14:hiddenLine xmlns="" xmlns:a14="http://schemas.microsoft.com/office/drawing/2010/main" w="9525">
+                  <a14:hiddenLine xmlns:a14="http://schemas.microsoft.com/office/drawing/2010/main" xmlns="" w="9525">
                     <a:solidFill>
                       <a:srgbClr val="000000"/>
                     </a:solidFill>
@@ -10845,7 +11013,7 @@
               </a:ln>
               <a:extLst>
                 <a:ext uri="{91240B29-F687-4f45-9708-019B960494DF}">
-                  <a14:hiddenLine xmlns="" xmlns:a14="http://schemas.microsoft.com/office/drawing/2010/main" w="9525">
+                  <a14:hiddenLine xmlns:a14="http://schemas.microsoft.com/office/drawing/2010/main" xmlns="" w="9525">
                     <a:solidFill>
                       <a:srgbClr val="000000"/>
                     </a:solidFill>
@@ -10935,7 +11103,7 @@
               </a:ln>
               <a:extLst>
                 <a:ext uri="{91240B29-F687-4f45-9708-019B960494DF}">
-                  <a14:hiddenLine xmlns="" xmlns:a14="http://schemas.microsoft.com/office/drawing/2010/main" w="9525">
+                  <a14:hiddenLine xmlns:a14="http://schemas.microsoft.com/office/drawing/2010/main" xmlns="" w="9525">
                     <a:solidFill>
                       <a:srgbClr val="000000"/>
                     </a:solidFill>
@@ -11000,7 +11168,7 @@
               </a:ln>
               <a:extLst>
                 <a:ext uri="{91240B29-F687-4f45-9708-019B960494DF}">
-                  <a14:hiddenLine xmlns="" xmlns:a14="http://schemas.microsoft.com/office/drawing/2010/main" w="9525">
+                  <a14:hiddenLine xmlns:a14="http://schemas.microsoft.com/office/drawing/2010/main" xmlns="" w="9525">
                     <a:solidFill>
                       <a:srgbClr val="000000"/>
                     </a:solidFill>
@@ -11062,7 +11230,7 @@
               </a:ln>
               <a:extLst>
                 <a:ext uri="{91240B29-F687-4f45-9708-019B960494DF}">
-                  <a14:hiddenLine xmlns="" xmlns:a14="http://schemas.microsoft.com/office/drawing/2010/main" w="9525">
+                  <a14:hiddenLine xmlns:a14="http://schemas.microsoft.com/office/drawing/2010/main" xmlns="" w="9525">
                     <a:solidFill>
                       <a:srgbClr val="000000"/>
                     </a:solidFill>
@@ -11152,7 +11320,7 @@
               </a:ln>
               <a:extLst>
                 <a:ext uri="{91240B29-F687-4f45-9708-019B960494DF}">
-                  <a14:hiddenLine xmlns="" xmlns:a14="http://schemas.microsoft.com/office/drawing/2010/main" w="9525">
+                  <a14:hiddenLine xmlns:a14="http://schemas.microsoft.com/office/drawing/2010/main" xmlns="" w="9525">
                     <a:solidFill>
                       <a:srgbClr val="000000"/>
                     </a:solidFill>
@@ -11242,7 +11410,7 @@
               </a:ln>
               <a:extLst>
                 <a:ext uri="{91240B29-F687-4f45-9708-019B960494DF}">
-                  <a14:hiddenLine xmlns="" xmlns:a14="http://schemas.microsoft.com/office/drawing/2010/main" w="9525">
+                  <a14:hiddenLine xmlns:a14="http://schemas.microsoft.com/office/drawing/2010/main" xmlns="" w="9525">
                     <a:solidFill>
                       <a:srgbClr val="000000"/>
                     </a:solidFill>
@@ -11307,7 +11475,7 @@
               </a:ln>
               <a:extLst>
                 <a:ext uri="{91240B29-F687-4f45-9708-019B960494DF}">
-                  <a14:hiddenLine xmlns="" xmlns:a14="http://schemas.microsoft.com/office/drawing/2010/main" w="9525">
+                  <a14:hiddenLine xmlns:a14="http://schemas.microsoft.com/office/drawing/2010/main" xmlns="" w="9525">
                     <a:solidFill>
                       <a:srgbClr val="000000"/>
                     </a:solidFill>
@@ -11427,7 +11595,7 @@
               </a:ln>
               <a:extLst>
                 <a:ext uri="{91240B29-F687-4f45-9708-019B960494DF}">
-                  <a14:hiddenLine xmlns="" xmlns:a14="http://schemas.microsoft.com/office/drawing/2010/main" w="9525">
+                  <a14:hiddenLine xmlns:a14="http://schemas.microsoft.com/office/drawing/2010/main" xmlns="" w="9525">
                     <a:solidFill>
                       <a:srgbClr val="000000"/>
                     </a:solidFill>
@@ -11525,7 +11693,7 @@
               </a:ln>
               <a:extLst>
                 <a:ext uri="{91240B29-F687-4f45-9708-019B960494DF}">
-                  <a14:hiddenLine xmlns="" xmlns:a14="http://schemas.microsoft.com/office/drawing/2010/main" w="9525">
+                  <a14:hiddenLine xmlns:a14="http://schemas.microsoft.com/office/drawing/2010/main" xmlns="" w="9525">
                     <a:solidFill>
                       <a:srgbClr val="000000"/>
                     </a:solidFill>
@@ -11640,7 +11808,7 @@
               </a:ln>
               <a:extLst>
                 <a:ext uri="{91240B29-F687-4f45-9708-019B960494DF}">
-                  <a14:hiddenLine xmlns="" xmlns:a14="http://schemas.microsoft.com/office/drawing/2010/main" w="9525">
+                  <a14:hiddenLine xmlns:a14="http://schemas.microsoft.com/office/drawing/2010/main" xmlns="" w="9525">
                     <a:solidFill>
                       <a:srgbClr val="000000"/>
                     </a:solidFill>
@@ -11730,7 +11898,7 @@
               </a:ln>
               <a:extLst>
                 <a:ext uri="{91240B29-F687-4f45-9708-019B960494DF}">
-                  <a14:hiddenLine xmlns="" xmlns:a14="http://schemas.microsoft.com/office/drawing/2010/main" w="9525">
+                  <a14:hiddenLine xmlns:a14="http://schemas.microsoft.com/office/drawing/2010/main" xmlns="" w="9525">
                     <a:solidFill>
                       <a:srgbClr val="000000"/>
                     </a:solidFill>
@@ -11795,7 +11963,7 @@
               </a:ln>
               <a:extLst>
                 <a:ext uri="{91240B29-F687-4f45-9708-019B960494DF}">
-                  <a14:hiddenLine xmlns="" xmlns:a14="http://schemas.microsoft.com/office/drawing/2010/main" w="9525">
+                  <a14:hiddenLine xmlns:a14="http://schemas.microsoft.com/office/drawing/2010/main" xmlns="" w="9525">
                     <a:solidFill>
                       <a:srgbClr val="000000"/>
                     </a:solidFill>
@@ -11885,7 +12053,7 @@
               </a:ln>
               <a:extLst>
                 <a:ext uri="{91240B29-F687-4f45-9708-019B960494DF}">
-                  <a14:hiddenLine xmlns="" xmlns:a14="http://schemas.microsoft.com/office/drawing/2010/main" w="9525">
+                  <a14:hiddenLine xmlns:a14="http://schemas.microsoft.com/office/drawing/2010/main" xmlns="" w="9525">
                     <a:solidFill>
                       <a:srgbClr val="000000"/>
                     </a:solidFill>
@@ -11953,7 +12121,7 @@
               </a:ln>
               <a:extLst>
                 <a:ext uri="{91240B29-F687-4f45-9708-019B960494DF}">
-                  <a14:hiddenLine xmlns="" xmlns:a14="http://schemas.microsoft.com/office/drawing/2010/main" w="9525">
+                  <a14:hiddenLine xmlns:a14="http://schemas.microsoft.com/office/drawing/2010/main" xmlns="" w="9525">
                     <a:solidFill>
                       <a:srgbClr val="000000"/>
                     </a:solidFill>
@@ -12043,7 +12211,7 @@
               </a:ln>
               <a:extLst>
                 <a:ext uri="{91240B29-F687-4f45-9708-019B960494DF}">
-                  <a14:hiddenLine xmlns="" xmlns:a14="http://schemas.microsoft.com/office/drawing/2010/main" w="9525">
+                  <a14:hiddenLine xmlns:a14="http://schemas.microsoft.com/office/drawing/2010/main" xmlns="" w="9525">
                     <a:solidFill>
                       <a:srgbClr val="000000"/>
                     </a:solidFill>
@@ -12111,7 +12279,7 @@
               </a:ln>
               <a:extLst>
                 <a:ext uri="{91240B29-F687-4f45-9708-019B960494DF}">
-                  <a14:hiddenLine xmlns="" xmlns:a14="http://schemas.microsoft.com/office/drawing/2010/main" w="9525">
+                  <a14:hiddenLine xmlns:a14="http://schemas.microsoft.com/office/drawing/2010/main" xmlns="" w="9525">
                     <a:solidFill>
                       <a:srgbClr val="000000"/>
                     </a:solidFill>
@@ -12201,7 +12369,7 @@
               </a:ln>
               <a:extLst>
                 <a:ext uri="{91240B29-F687-4f45-9708-019B960494DF}">
-                  <a14:hiddenLine xmlns="" xmlns:a14="http://schemas.microsoft.com/office/drawing/2010/main" w="9525">
+                  <a14:hiddenLine xmlns:a14="http://schemas.microsoft.com/office/drawing/2010/main" xmlns="" w="9525">
                     <a:solidFill>
                       <a:srgbClr val="000000"/>
                     </a:solidFill>
@@ -12235,7 +12403,7 @@
               </a:ln>
               <a:extLst>
                 <a:ext uri="{91240B29-F687-4f45-9708-019B960494DF}">
-                  <a14:hiddenLine xmlns="" xmlns:a14="http://schemas.microsoft.com/office/drawing/2010/main" w="9525">
+                  <a14:hiddenLine xmlns:a14="http://schemas.microsoft.com/office/drawing/2010/main" xmlns="" w="9525">
                     <a:solidFill>
                       <a:srgbClr val="000000"/>
                     </a:solidFill>
@@ -12996,25 +13164,46 @@
           <a:p>
             <a:r>
               <a:rPr lang="en-US" dirty="0" smtClean="0"/>
-              <a:t>Introduction to the context</a:t>
+              <a:t>Introduction to the </a:t>
             </a:r>
-          </a:p>
-          <a:p>
             <a:r>
               <a:rPr lang="en-US" dirty="0" smtClean="0"/>
-              <a:t>Overview on the project</a:t>
+              <a:t>context</a:t>
             </a:r>
           </a:p>
           <a:p>
+            <a:r>
+              <a:rPr lang="en-US" dirty="0"/>
+              <a:t>Project </a:t>
+            </a:r>
             <a:r>
               <a:rPr lang="en-US" dirty="0" smtClean="0"/>
-              <a:t>Project implementation</a:t>
+              <a:t>implementation </a:t>
             </a:r>
           </a:p>
           <a:p>
             <a:r>
               <a:rPr lang="en-US" dirty="0" smtClean="0"/>
-              <a:t>Live Demonstration</a:t>
+              <a:t>Overview </a:t>
+            </a:r>
+            <a:r>
+              <a:rPr lang="en-US" dirty="0"/>
+              <a:t>on the network </a:t>
+            </a:r>
+            <a:r>
+              <a:rPr lang="en-US" dirty="0" smtClean="0"/>
+              <a:t>architecture</a:t>
+            </a:r>
+            <a:endParaRPr lang="en-US" dirty="0" smtClean="0"/>
+          </a:p>
+          <a:p>
+            <a:r>
+              <a:rPr lang="en-US" dirty="0" smtClean="0"/>
+              <a:t>Live </a:t>
+            </a:r>
+            <a:r>
+              <a:rPr lang="en-US" dirty="0" smtClean="0"/>
+              <a:t>Demonstration</a:t>
             </a:r>
           </a:p>
           <a:p>
@@ -13795,384 +13984,6 @@
             <a:pPr algn="ctr"/>
             <a:r>
               <a:rPr lang="en-US" dirty="0" smtClean="0"/>
-              <a:t>Overview on the project</a:t>
-            </a:r>
-            <a:endParaRPr lang="en-US" dirty="0"/>
-          </a:p>
-        </p:txBody>
-      </p:sp>
-      <p:sp>
-        <p:nvSpPr>
-          <p:cNvPr id="6" name="Rounded Rectangle 5"/>
-          <p:cNvSpPr/>
-          <p:nvPr/>
-        </p:nvSpPr>
-        <p:spPr>
-          <a:xfrm>
-            <a:off x="2093358" y="1344403"/>
-            <a:ext cx="8002103" cy="3092823"/>
-          </a:xfrm>
-          <a:prstGeom prst="roundRect">
-            <a:avLst/>
-          </a:prstGeom>
-          <a:solidFill>
-            <a:srgbClr val="E5523B">
-              <a:alpha val="99000"/>
-            </a:srgbClr>
-          </a:solidFill>
-          <a:ln w="31750">
-            <a:solidFill>
-              <a:schemeClr val="tx1"/>
-            </a:solidFill>
-          </a:ln>
-        </p:spPr>
-        <p:style>
-          <a:lnRef idx="2">
-            <a:schemeClr val="accent1">
-              <a:shade val="50000"/>
-            </a:schemeClr>
-          </a:lnRef>
-          <a:fillRef idx="1">
-            <a:schemeClr val="accent1"/>
-          </a:fillRef>
-          <a:effectRef idx="0">
-            <a:schemeClr val="accent1"/>
-          </a:effectRef>
-          <a:fontRef idx="minor">
-            <a:schemeClr val="lt1"/>
-          </a:fontRef>
-        </p:style>
-        <p:txBody>
-          <a:bodyPr rtlCol="0" anchor="ctr"/>
-          <a:lstStyle/>
-          <a:p>
-            <a:pPr algn="ctr"/>
-            <a:endParaRPr lang="en-US"/>
-          </a:p>
-        </p:txBody>
-      </p:sp>
-      <p:pic>
-        <p:nvPicPr>
-          <p:cNvPr id="7" name="Content Placeholder 3"/>
-          <p:cNvPicPr>
-            <a:picLocks noGrp="1" noChangeAspect="1"/>
-          </p:cNvPicPr>
-          <p:nvPr>
-            <p:ph idx="1"/>
-          </p:nvPr>
-        </p:nvPicPr>
-        <p:blipFill>
-          <a:blip r:embed="rId2">
-            <a:extLst>
-              <a:ext uri="{28A0092B-C50C-407E-A947-70E740481C1C}">
-                <a14:useLocalDpi xmlns:a14="http://schemas.microsoft.com/office/drawing/2010/main" val="0"/>
-              </a:ext>
-            </a:extLst>
-          </a:blip>
-          <a:stretch>
-            <a:fillRect/>
-          </a:stretch>
-        </p:blipFill>
-        <p:spPr>
-          <a:xfrm>
-            <a:off x="2093358" y="1568216"/>
-            <a:ext cx="8002103" cy="4393312"/>
-          </a:xfrm>
-          <a:noFill/>
-        </p:spPr>
-      </p:pic>
-      <p:sp>
-        <p:nvSpPr>
-          <p:cNvPr id="8" name="TextBox 7"/>
-          <p:cNvSpPr txBox="1"/>
-          <p:nvPr/>
-        </p:nvSpPr>
-        <p:spPr>
-          <a:xfrm>
-            <a:off x="5171840" y="3077881"/>
-            <a:ext cx="1845138" cy="461665"/>
-          </a:xfrm>
-          <a:prstGeom prst="rect">
-            <a:avLst/>
-          </a:prstGeom>
-          <a:noFill/>
-        </p:spPr>
-        <p:txBody>
-          <a:bodyPr wrap="square" rtlCol="0">
-            <a:spAutoFit/>
-          </a:bodyPr>
-          <a:lstStyle/>
-          <a:p>
-            <a:pPr algn="ctr"/>
-            <a:r>
-              <a:rPr lang="en-US" sz="2400" b="1" u="sng" dirty="0" smtClean="0"/>
-              <a:t>Data Diode</a:t>
-            </a:r>
-            <a:endParaRPr lang="en-US" sz="2400" b="1" u="sng" dirty="0"/>
-          </a:p>
-        </p:txBody>
-      </p:sp>
-    </p:spTree>
-    <p:extLst>
-      <p:ext uri="{BB962C8B-B14F-4D97-AF65-F5344CB8AC3E}">
-        <p14:creationId xmlns:p14="http://schemas.microsoft.com/office/powerpoint/2010/main" val="1103774329"/>
-      </p:ext>
-    </p:extLst>
-  </p:cSld>
-  <p:clrMapOvr>
-    <a:masterClrMapping/>
-  </p:clrMapOvr>
-  <p:transition spd="slow">
-    <p:wipe/>
-  </p:transition>
-  <p:timing>
-    <p:tnLst>
-      <p:par>
-        <p:cTn id="1" dur="indefinite" restart="never" nodeType="tmRoot">
-          <p:childTnLst>
-            <p:seq concurrent="1" nextAc="seek">
-              <p:cTn id="2" dur="indefinite" nodeType="mainSeq">
-                <p:childTnLst>
-                  <p:par>
-                    <p:cTn id="3" fill="hold">
-                      <p:stCondLst>
-                        <p:cond delay="indefinite"/>
-                        <p:cond evt="onBegin" delay="0">
-                          <p:tn val="2"/>
-                        </p:cond>
-                      </p:stCondLst>
-                      <p:childTnLst>
-                        <p:par>
-                          <p:cTn id="4" fill="hold">
-                            <p:stCondLst>
-                              <p:cond delay="0"/>
-                            </p:stCondLst>
-                            <p:childTnLst>
-                              <p:par>
-                                <p:cTn id="5" presetID="6" presetClass="entr" presetSubtype="16" fill="hold" grpId="0" nodeType="afterEffect">
-                                  <p:stCondLst>
-                                    <p:cond delay="0"/>
-                                  </p:stCondLst>
-                                  <p:childTnLst>
-                                    <p:set>
-                                      <p:cBhvr>
-                                        <p:cTn id="6" dur="1" fill="hold">
-                                          <p:stCondLst>
-                                            <p:cond delay="0"/>
-                                          </p:stCondLst>
-                                        </p:cTn>
-                                        <p:tgtEl>
-                                          <p:spTgt spid="2"/>
-                                        </p:tgtEl>
-                                        <p:attrNameLst>
-                                          <p:attrName>style.visibility</p:attrName>
-                                        </p:attrNameLst>
-                                      </p:cBhvr>
-                                      <p:to>
-                                        <p:strVal val="visible"/>
-                                      </p:to>
-                                    </p:set>
-                                    <p:animEffect transition="in" filter="circle(in)">
-                                      <p:cBhvr>
-                                        <p:cTn id="7" dur="1000"/>
-                                        <p:tgtEl>
-                                          <p:spTgt spid="2"/>
-                                        </p:tgtEl>
-                                      </p:cBhvr>
-                                    </p:animEffect>
-                                  </p:childTnLst>
-                                </p:cTn>
-                              </p:par>
-                            </p:childTnLst>
-                          </p:cTn>
-                        </p:par>
-                        <p:par>
-                          <p:cTn id="8" fill="hold">
-                            <p:stCondLst>
-                              <p:cond delay="1000"/>
-                            </p:stCondLst>
-                            <p:childTnLst>
-                              <p:par>
-                                <p:cTn id="9" presetID="6" presetClass="entr" presetSubtype="16" fill="hold" grpId="0" nodeType="afterEffect">
-                                  <p:stCondLst>
-                                    <p:cond delay="500"/>
-                                  </p:stCondLst>
-                                  <p:childTnLst>
-                                    <p:set>
-                                      <p:cBhvr>
-                                        <p:cTn id="10" dur="1" fill="hold">
-                                          <p:stCondLst>
-                                            <p:cond delay="0"/>
-                                          </p:stCondLst>
-                                        </p:cTn>
-                                        <p:tgtEl>
-                                          <p:spTgt spid="6"/>
-                                        </p:tgtEl>
-                                        <p:attrNameLst>
-                                          <p:attrName>style.visibility</p:attrName>
-                                        </p:attrNameLst>
-                                      </p:cBhvr>
-                                      <p:to>
-                                        <p:strVal val="visible"/>
-                                      </p:to>
-                                    </p:set>
-                                    <p:animEffect transition="in" filter="circle(in)">
-                                      <p:cBhvr>
-                                        <p:cTn id="11" dur="2000"/>
-                                        <p:tgtEl>
-                                          <p:spTgt spid="6"/>
-                                        </p:tgtEl>
-                                      </p:cBhvr>
-                                    </p:animEffect>
-                                  </p:childTnLst>
-                                </p:cTn>
-                              </p:par>
-                              <p:par>
-                                <p:cTn id="12" presetID="6" presetClass="entr" presetSubtype="16" fill="hold" nodeType="withEffect">
-                                  <p:stCondLst>
-                                    <p:cond delay="500"/>
-                                  </p:stCondLst>
-                                  <p:childTnLst>
-                                    <p:set>
-                                      <p:cBhvr>
-                                        <p:cTn id="13" dur="1" fill="hold">
-                                          <p:stCondLst>
-                                            <p:cond delay="0"/>
-                                          </p:stCondLst>
-                                        </p:cTn>
-                                        <p:tgtEl>
-                                          <p:spTgt spid="7"/>
-                                        </p:tgtEl>
-                                        <p:attrNameLst>
-                                          <p:attrName>style.visibility</p:attrName>
-                                        </p:attrNameLst>
-                                      </p:cBhvr>
-                                      <p:to>
-                                        <p:strVal val="visible"/>
-                                      </p:to>
-                                    </p:set>
-                                    <p:animEffect transition="in" filter="circle(in)">
-                                      <p:cBhvr>
-                                        <p:cTn id="14" dur="2000"/>
-                                        <p:tgtEl>
-                                          <p:spTgt spid="7"/>
-                                        </p:tgtEl>
-                                      </p:cBhvr>
-                                    </p:animEffect>
-                                  </p:childTnLst>
-                                </p:cTn>
-                              </p:par>
-                              <p:par>
-                                <p:cTn id="15" presetID="6" presetClass="entr" presetSubtype="16" fill="hold" grpId="0" nodeType="withEffect">
-                                  <p:stCondLst>
-                                    <p:cond delay="0"/>
-                                  </p:stCondLst>
-                                  <p:childTnLst>
-                                    <p:set>
-                                      <p:cBhvr>
-                                        <p:cTn id="16" dur="1" fill="hold">
-                                          <p:stCondLst>
-                                            <p:cond delay="0"/>
-                                          </p:stCondLst>
-                                        </p:cTn>
-                                        <p:tgtEl>
-                                          <p:spTgt spid="8"/>
-                                        </p:tgtEl>
-                                        <p:attrNameLst>
-                                          <p:attrName>style.visibility</p:attrName>
-                                        </p:attrNameLst>
-                                      </p:cBhvr>
-                                      <p:to>
-                                        <p:strVal val="visible"/>
-                                      </p:to>
-                                    </p:set>
-                                    <p:animEffect transition="in" filter="circle(in)">
-                                      <p:cBhvr>
-                                        <p:cTn id="17" dur="1000"/>
-                                        <p:tgtEl>
-                                          <p:spTgt spid="8"/>
-                                        </p:tgtEl>
-                                      </p:cBhvr>
-                                    </p:animEffect>
-                                  </p:childTnLst>
-                                </p:cTn>
-                              </p:par>
-                            </p:childTnLst>
-                          </p:cTn>
-                        </p:par>
-                      </p:childTnLst>
-                    </p:cTn>
-                  </p:par>
-                </p:childTnLst>
-              </p:cTn>
-              <p:prevCondLst>
-                <p:cond evt="onPrev" delay="0">
-                  <p:tgtEl>
-                    <p:sldTgt/>
-                  </p:tgtEl>
-                </p:cond>
-              </p:prevCondLst>
-              <p:nextCondLst>
-                <p:cond evt="onNext" delay="0">
-                  <p:tgtEl>
-                    <p:sldTgt/>
-                  </p:tgtEl>
-                </p:cond>
-              </p:nextCondLst>
-            </p:seq>
-          </p:childTnLst>
-        </p:cTn>
-      </p:par>
-    </p:tnLst>
-    <p:bldLst>
-      <p:bldP spid="2" grpId="0"/>
-      <p:bldP spid="6" grpId="0" animBg="1"/>
-      <p:bldP spid="8" grpId="0"/>
-    </p:bldLst>
-  </p:timing>
-</p:sld>
-</file>
-
-<file path=ppt/slides/slide5.xml><?xml version="1.0" encoding="utf-8"?>
-<p:sld xmlns:a="http://schemas.openxmlformats.org/drawingml/2006/main" xmlns:r="http://schemas.openxmlformats.org/officeDocument/2006/relationships" xmlns:p="http://schemas.openxmlformats.org/presentationml/2006/main">
-  <p:cSld>
-    <p:spTree>
-      <p:nvGrpSpPr>
-        <p:cNvPr id="1" name=""/>
-        <p:cNvGrpSpPr/>
-        <p:nvPr/>
-      </p:nvGrpSpPr>
-      <p:grpSpPr>
-        <a:xfrm>
-          <a:off x="0" y="0"/>
-          <a:ext cx="0" cy="0"/>
-          <a:chOff x="0" y="0"/>
-          <a:chExt cx="0" cy="0"/>
-        </a:xfrm>
-      </p:grpSpPr>
-      <p:sp>
-        <p:nvSpPr>
-          <p:cNvPr id="2" name="Title 1"/>
-          <p:cNvSpPr>
-            <a:spLocks noGrp="1"/>
-          </p:cNvSpPr>
-          <p:nvPr>
-            <p:ph type="title"/>
-          </p:nvPr>
-        </p:nvSpPr>
-        <p:spPr>
-          <a:xfrm>
-            <a:off x="1141413" y="0"/>
-            <a:ext cx="9905998" cy="1478570"/>
-          </a:xfrm>
-        </p:spPr>
-        <p:txBody>
-          <a:bodyPr/>
-          <a:lstStyle/>
-          <a:p>
-            <a:pPr algn="ctr"/>
-            <a:r>
-              <a:rPr lang="en-US" dirty="0" smtClean="0"/>
               <a:t>Project Implementation</a:t>
             </a:r>
             <a:endParaRPr lang="en-US" dirty="0"/>
@@ -14209,16 +14020,11 @@
               <a:rPr lang="en-US" dirty="0" smtClean="0"/>
               <a:t>Blind FTP over UDP protocol </a:t>
             </a:r>
-            <a:endParaRPr lang="en-US" dirty="0" smtClean="0"/>
           </a:p>
           <a:p>
             <a:r>
               <a:rPr lang="en-US" dirty="0" smtClean="0"/>
-              <a:t>Django </a:t>
-            </a:r>
-            <a:r>
-              <a:rPr lang="en-US" dirty="0" smtClean="0"/>
-              <a:t>framework = web framework for python</a:t>
+              <a:t>Django framework = web framework for python</a:t>
             </a:r>
           </a:p>
           <a:p>
@@ -14758,6 +14564,235 @@
 </p:sld>
 </file>
 
+<file path=ppt/slides/slide5.xml><?xml version="1.0" encoding="utf-8"?>
+<p:sld xmlns:a="http://schemas.openxmlformats.org/drawingml/2006/main" xmlns:r="http://schemas.openxmlformats.org/officeDocument/2006/relationships" xmlns:p="http://schemas.openxmlformats.org/presentationml/2006/main">
+  <p:cSld>
+    <p:spTree>
+      <p:nvGrpSpPr>
+        <p:cNvPr id="1" name=""/>
+        <p:cNvGrpSpPr/>
+        <p:nvPr/>
+      </p:nvGrpSpPr>
+      <p:grpSpPr>
+        <a:xfrm>
+          <a:off x="0" y="0"/>
+          <a:ext cx="0" cy="0"/>
+          <a:chOff x="0" y="0"/>
+          <a:chExt cx="0" cy="0"/>
+        </a:xfrm>
+      </p:grpSpPr>
+      <p:sp>
+        <p:nvSpPr>
+          <p:cNvPr id="2" name="Title 1"/>
+          <p:cNvSpPr>
+            <a:spLocks noGrp="1"/>
+          </p:cNvSpPr>
+          <p:nvPr>
+            <p:ph type="title"/>
+          </p:nvPr>
+        </p:nvSpPr>
+        <p:spPr>
+          <a:xfrm>
+            <a:off x="1141413" y="0"/>
+            <a:ext cx="9905998" cy="1478570"/>
+          </a:xfrm>
+        </p:spPr>
+        <p:txBody>
+          <a:bodyPr/>
+          <a:lstStyle/>
+          <a:p>
+            <a:pPr algn="ctr"/>
+            <a:r>
+              <a:rPr lang="en-US" dirty="0" smtClean="0"/>
+              <a:t>Overview on the </a:t>
+            </a:r>
+            <a:r>
+              <a:rPr lang="en-US" smtClean="0"/>
+              <a:t>Network architecture</a:t>
+            </a:r>
+            <a:endParaRPr lang="en-US" dirty="0"/>
+          </a:p>
+        </p:txBody>
+      </p:sp>
+      <p:pic>
+        <p:nvPicPr>
+          <p:cNvPr id="4" name="Picture 3"/>
+          <p:cNvPicPr>
+            <a:picLocks noChangeAspect="1"/>
+          </p:cNvPicPr>
+          <p:nvPr/>
+        </p:nvPicPr>
+        <p:blipFill>
+          <a:blip r:embed="rId2">
+            <a:extLst>
+              <a:ext uri="{28A0092B-C50C-407E-A947-70E740481C1C}">
+                <a14:useLocalDpi xmlns:a14="http://schemas.microsoft.com/office/drawing/2010/main" val="0"/>
+              </a:ext>
+            </a:extLst>
+          </a:blip>
+          <a:stretch>
+            <a:fillRect/>
+          </a:stretch>
+        </p:blipFill>
+        <p:spPr>
+          <a:xfrm>
+            <a:off x="2322227" y="977873"/>
+            <a:ext cx="7544369" cy="5655830"/>
+          </a:xfrm>
+          <a:prstGeom prst="rect">
+            <a:avLst/>
+          </a:prstGeom>
+        </p:spPr>
+      </p:pic>
+    </p:spTree>
+    <p:extLst>
+      <p:ext uri="{BB962C8B-B14F-4D97-AF65-F5344CB8AC3E}">
+        <p14:creationId xmlns:p14="http://schemas.microsoft.com/office/powerpoint/2010/main" val="1103774329"/>
+      </p:ext>
+    </p:extLst>
+  </p:cSld>
+  <p:clrMapOvr>
+    <a:masterClrMapping/>
+  </p:clrMapOvr>
+  <p:transition spd="slow">
+    <p:wipe/>
+  </p:transition>
+  <p:timing>
+    <p:tnLst>
+      <p:par>
+        <p:cTn id="1" dur="indefinite" restart="never" nodeType="tmRoot">
+          <p:childTnLst>
+            <p:seq concurrent="1" nextAc="seek">
+              <p:cTn id="2" dur="indefinite" nodeType="mainSeq">
+                <p:childTnLst>
+                  <p:par>
+                    <p:cTn id="3" fill="hold">
+                      <p:stCondLst>
+                        <p:cond delay="indefinite"/>
+                        <p:cond evt="onBegin" delay="0">
+                          <p:tn val="2"/>
+                        </p:cond>
+                      </p:stCondLst>
+                      <p:childTnLst>
+                        <p:par>
+                          <p:cTn id="4" fill="hold">
+                            <p:stCondLst>
+                              <p:cond delay="0"/>
+                            </p:stCondLst>
+                            <p:childTnLst>
+                              <p:par>
+                                <p:cTn id="5" presetID="6" presetClass="entr" presetSubtype="16" fill="hold" grpId="0" nodeType="afterEffect">
+                                  <p:stCondLst>
+                                    <p:cond delay="0"/>
+                                  </p:stCondLst>
+                                  <p:childTnLst>
+                                    <p:set>
+                                      <p:cBhvr>
+                                        <p:cTn id="6" dur="1" fill="hold">
+                                          <p:stCondLst>
+                                            <p:cond delay="0"/>
+                                          </p:stCondLst>
+                                        </p:cTn>
+                                        <p:tgtEl>
+                                          <p:spTgt spid="2"/>
+                                        </p:tgtEl>
+                                        <p:attrNameLst>
+                                          <p:attrName>style.visibility</p:attrName>
+                                        </p:attrNameLst>
+                                      </p:cBhvr>
+                                      <p:to>
+                                        <p:strVal val="visible"/>
+                                      </p:to>
+                                    </p:set>
+                                    <p:animEffect transition="in" filter="circle(in)">
+                                      <p:cBhvr>
+                                        <p:cTn id="7" dur="1000"/>
+                                        <p:tgtEl>
+                                          <p:spTgt spid="2"/>
+                                        </p:tgtEl>
+                                      </p:cBhvr>
+                                    </p:animEffect>
+                                  </p:childTnLst>
+                                </p:cTn>
+                              </p:par>
+                            </p:childTnLst>
+                          </p:cTn>
+                        </p:par>
+                        <p:par>
+                          <p:cTn id="8" fill="hold">
+                            <p:stCondLst>
+                              <p:cond delay="1000"/>
+                            </p:stCondLst>
+                            <p:childTnLst>
+                              <p:par>
+                                <p:cTn id="9" presetID="6" presetClass="entr" presetSubtype="16" fill="hold" nodeType="afterEffect">
+                                  <p:stCondLst>
+                                    <p:cond delay="500"/>
+                                  </p:stCondLst>
+                                  <p:childTnLst>
+                                    <p:set>
+                                      <p:cBhvr>
+                                        <p:cTn id="10" dur="1" fill="hold">
+                                          <p:stCondLst>
+                                            <p:cond delay="0"/>
+                                          </p:stCondLst>
+                                        </p:cTn>
+                                        <p:tgtEl>
+                                          <p:spTgt spid="4"/>
+                                        </p:tgtEl>
+                                        <p:attrNameLst>
+                                          <p:attrName>style.visibility</p:attrName>
+                                        </p:attrNameLst>
+                                      </p:cBhvr>
+                                      <p:to>
+                                        <p:strVal val="visible"/>
+                                      </p:to>
+                                    </p:set>
+                                    <p:animEffect transition="in" filter="circle(in)">
+                                      <p:cBhvr>
+                                        <p:cTn id="11" dur="1000"/>
+                                        <p:tgtEl>
+                                          <p:spTgt spid="4"/>
+                                        </p:tgtEl>
+                                      </p:cBhvr>
+                                    </p:animEffect>
+                                  </p:childTnLst>
+                                </p:cTn>
+                              </p:par>
+                            </p:childTnLst>
+                          </p:cTn>
+                        </p:par>
+                      </p:childTnLst>
+                    </p:cTn>
+                  </p:par>
+                </p:childTnLst>
+              </p:cTn>
+              <p:prevCondLst>
+                <p:cond evt="onPrev" delay="0">
+                  <p:tgtEl>
+                    <p:sldTgt/>
+                  </p:tgtEl>
+                </p:cond>
+              </p:prevCondLst>
+              <p:nextCondLst>
+                <p:cond evt="onNext" delay="0">
+                  <p:tgtEl>
+                    <p:sldTgt/>
+                  </p:tgtEl>
+                </p:cond>
+              </p:nextCondLst>
+            </p:seq>
+          </p:childTnLst>
+        </p:cTn>
+      </p:par>
+    </p:tnLst>
+    <p:bldLst>
+      <p:bldP spid="2" grpId="0"/>
+    </p:bldLst>
+  </p:timing>
+</p:sld>
+</file>
+
 <file path=ppt/slides/slide6.xml><?xml version="1.0" encoding="utf-8"?>
 <p:sld xmlns:a="http://schemas.openxmlformats.org/drawingml/2006/main" xmlns:r="http://schemas.openxmlformats.org/officeDocument/2006/relationships" xmlns:p="http://schemas.openxmlformats.org/presentationml/2006/main">
   <p:cSld>
@@ -14812,8 +14847,8 @@
         </p:nvSpPr>
         <p:spPr>
           <a:xfrm>
-            <a:off x="2093358" y="1344403"/>
-            <a:ext cx="8002103" cy="3092823"/>
+            <a:off x="2452903" y="981307"/>
+            <a:ext cx="7283012" cy="3769113"/>
           </a:xfrm>
           <a:prstGeom prst="roundRect">
             <a:avLst/>
@@ -14854,36 +14889,6 @@
           </a:p>
         </p:txBody>
       </p:sp>
-      <p:pic>
-        <p:nvPicPr>
-          <p:cNvPr id="4" name="Content Placeholder 3"/>
-          <p:cNvPicPr>
-            <a:picLocks noGrp="1" noChangeAspect="1"/>
-          </p:cNvPicPr>
-          <p:nvPr>
-            <p:ph idx="1"/>
-          </p:nvPr>
-        </p:nvPicPr>
-        <p:blipFill>
-          <a:blip r:embed="rId2">
-            <a:extLst>
-              <a:ext uri="{28A0092B-C50C-407E-A947-70E740481C1C}">
-                <a14:useLocalDpi xmlns:a14="http://schemas.microsoft.com/office/drawing/2010/main" val="0"/>
-              </a:ext>
-            </a:extLst>
-          </a:blip>
-          <a:stretch>
-            <a:fillRect/>
-          </a:stretch>
-        </p:blipFill>
-        <p:spPr>
-          <a:xfrm>
-            <a:off x="2093358" y="1568216"/>
-            <a:ext cx="8002103" cy="4393312"/>
-          </a:xfrm>
-          <a:noFill/>
-        </p:spPr>
-      </p:pic>
       <p:sp>
         <p:nvSpPr>
           <p:cNvPr id="11" name="TextBox 10"/>
@@ -14915,6 +14920,36 @@
           </a:p>
         </p:txBody>
       </p:sp>
+      <p:pic>
+        <p:nvPicPr>
+          <p:cNvPr id="5" name="Picture 4"/>
+          <p:cNvPicPr>
+            <a:picLocks noChangeAspect="1"/>
+          </p:cNvPicPr>
+          <p:nvPr/>
+        </p:nvPicPr>
+        <p:blipFill>
+          <a:blip r:embed="rId3">
+            <a:extLst>
+              <a:ext uri="{28A0092B-C50C-407E-A947-70E740481C1C}">
+                <a14:useLocalDpi xmlns:a14="http://schemas.microsoft.com/office/drawing/2010/main" val="0"/>
+              </a:ext>
+            </a:extLst>
+          </a:blip>
+          <a:stretch>
+            <a:fillRect/>
+          </a:stretch>
+        </p:blipFill>
+        <p:spPr>
+          <a:xfrm>
+            <a:off x="2452903" y="922352"/>
+            <a:ext cx="7283012" cy="5059349"/>
+          </a:xfrm>
+          <a:prstGeom prst="rect">
+            <a:avLst/>
+          </a:prstGeom>
+        </p:spPr>
+      </p:pic>
     </p:spTree>
     <p:extLst>
       <p:ext uri="{BB962C8B-B14F-4D97-AF65-F5344CB8AC3E}">
@@ -14931,9 +14966,216 @@
   <p:timing>
     <p:tnLst>
       <p:par>
-        <p:cTn id="1" dur="indefinite" restart="never" nodeType="tmRoot"/>
+        <p:cTn id="1" dur="indefinite" restart="never" nodeType="tmRoot">
+          <p:childTnLst>
+            <p:seq concurrent="1" nextAc="seek">
+              <p:cTn id="2" dur="indefinite" nodeType="mainSeq">
+                <p:childTnLst>
+                  <p:par>
+                    <p:cTn id="3" fill="hold">
+                      <p:stCondLst>
+                        <p:cond delay="indefinite"/>
+                        <p:cond evt="onBegin" delay="0">
+                          <p:tn val="2"/>
+                        </p:cond>
+                      </p:stCondLst>
+                      <p:childTnLst>
+                        <p:par>
+                          <p:cTn id="4" fill="hold">
+                            <p:stCondLst>
+                              <p:cond delay="0"/>
+                            </p:stCondLst>
+                            <p:childTnLst>
+                              <p:par>
+                                <p:cTn id="5" presetID="6" presetClass="entr" presetSubtype="16" fill="hold" grpId="0" nodeType="afterEffect">
+                                  <p:stCondLst>
+                                    <p:cond delay="0"/>
+                                  </p:stCondLst>
+                                  <p:childTnLst>
+                                    <p:set>
+                                      <p:cBhvr>
+                                        <p:cTn id="6" dur="1" fill="hold">
+                                          <p:stCondLst>
+                                            <p:cond delay="0"/>
+                                          </p:stCondLst>
+                                        </p:cTn>
+                                        <p:tgtEl>
+                                          <p:spTgt spid="2"/>
+                                        </p:tgtEl>
+                                        <p:attrNameLst>
+                                          <p:attrName>style.visibility</p:attrName>
+                                        </p:attrNameLst>
+                                      </p:cBhvr>
+                                      <p:to>
+                                        <p:strVal val="visible"/>
+                                      </p:to>
+                                    </p:set>
+                                    <p:animEffect transition="in" filter="circle(in)">
+                                      <p:cBhvr>
+                                        <p:cTn id="7" dur="1000"/>
+                                        <p:tgtEl>
+                                          <p:spTgt spid="2"/>
+                                        </p:tgtEl>
+                                      </p:cBhvr>
+                                    </p:animEffect>
+                                  </p:childTnLst>
+                                </p:cTn>
+                              </p:par>
+                            </p:childTnLst>
+                          </p:cTn>
+                        </p:par>
+                        <p:par>
+                          <p:cTn id="8" fill="hold">
+                            <p:stCondLst>
+                              <p:cond delay="1000"/>
+                            </p:stCondLst>
+                            <p:childTnLst>
+                              <p:par>
+                                <p:cTn id="9" presetID="6" presetClass="entr" presetSubtype="16" fill="hold" grpId="0" nodeType="afterEffect">
+                                  <p:stCondLst>
+                                    <p:cond delay="0"/>
+                                  </p:stCondLst>
+                                  <p:childTnLst>
+                                    <p:set>
+                                      <p:cBhvr>
+                                        <p:cTn id="10" dur="1" fill="hold">
+                                          <p:stCondLst>
+                                            <p:cond delay="0"/>
+                                          </p:stCondLst>
+                                        </p:cTn>
+                                        <p:tgtEl>
+                                          <p:spTgt spid="8"/>
+                                        </p:tgtEl>
+                                        <p:attrNameLst>
+                                          <p:attrName>style.visibility</p:attrName>
+                                        </p:attrNameLst>
+                                      </p:cBhvr>
+                                      <p:to>
+                                        <p:strVal val="visible"/>
+                                      </p:to>
+                                    </p:set>
+                                    <p:animEffect transition="in" filter="circle(in)">
+                                      <p:cBhvr>
+                                        <p:cTn id="11" dur="500"/>
+                                        <p:tgtEl>
+                                          <p:spTgt spid="8"/>
+                                        </p:tgtEl>
+                                      </p:cBhvr>
+                                    </p:animEffect>
+                                  </p:childTnLst>
+                                </p:cTn>
+                              </p:par>
+                              <p:par>
+                                <p:cTn id="12" presetID="6" presetClass="entr" presetSubtype="16" fill="hold" grpId="0" nodeType="withEffect">
+                                  <p:stCondLst>
+                                    <p:cond delay="0"/>
+                                  </p:stCondLst>
+                                  <p:childTnLst>
+                                    <p:set>
+                                      <p:cBhvr>
+                                        <p:cTn id="13" dur="1" fill="hold">
+                                          <p:stCondLst>
+                                            <p:cond delay="0"/>
+                                          </p:stCondLst>
+                                        </p:cTn>
+                                        <p:tgtEl>
+                                          <p:spTgt spid="11"/>
+                                        </p:tgtEl>
+                                        <p:attrNameLst>
+                                          <p:attrName>style.visibility</p:attrName>
+                                        </p:attrNameLst>
+                                      </p:cBhvr>
+                                      <p:to>
+                                        <p:strVal val="visible"/>
+                                      </p:to>
+                                    </p:set>
+                                    <p:animEffect transition="in" filter="circle(in)">
+                                      <p:cBhvr>
+                                        <p:cTn id="14" dur="500"/>
+                                        <p:tgtEl>
+                                          <p:spTgt spid="11"/>
+                                        </p:tgtEl>
+                                      </p:cBhvr>
+                                    </p:animEffect>
+                                  </p:childTnLst>
+                                </p:cTn>
+                              </p:par>
+                            </p:childTnLst>
+                          </p:cTn>
+                        </p:par>
+                        <p:par>
+                          <p:cTn id="15" fill="hold">
+                            <p:stCondLst>
+                              <p:cond delay="1500"/>
+                            </p:stCondLst>
+                            <p:childTnLst>
+                              <p:par>
+                                <p:cTn id="16" presetID="6" presetClass="entr" presetSubtype="16" fill="hold" nodeType="afterEffect">
+                                  <p:stCondLst>
+                                    <p:cond delay="0"/>
+                                  </p:stCondLst>
+                                  <p:childTnLst>
+                                    <p:set>
+                                      <p:cBhvr>
+                                        <p:cTn id="17" dur="1" fill="hold">
+                                          <p:stCondLst>
+                                            <p:cond delay="0"/>
+                                          </p:stCondLst>
+                                        </p:cTn>
+                                        <p:tgtEl>
+                                          <p:spTgt spid="5"/>
+                                        </p:tgtEl>
+                                        <p:attrNameLst>
+                                          <p:attrName>style.visibility</p:attrName>
+                                        </p:attrNameLst>
+                                      </p:cBhvr>
+                                      <p:to>
+                                        <p:strVal val="visible"/>
+                                      </p:to>
+                                    </p:set>
+                                    <p:animEffect transition="in" filter="circle(in)">
+                                      <p:cBhvr>
+                                        <p:cTn id="18" dur="500"/>
+                                        <p:tgtEl>
+                                          <p:spTgt spid="5"/>
+                                        </p:tgtEl>
+                                      </p:cBhvr>
+                                    </p:animEffect>
+                                  </p:childTnLst>
+                                </p:cTn>
+                              </p:par>
+                            </p:childTnLst>
+                          </p:cTn>
+                        </p:par>
+                      </p:childTnLst>
+                    </p:cTn>
+                  </p:par>
+                </p:childTnLst>
+              </p:cTn>
+              <p:prevCondLst>
+                <p:cond evt="onPrev" delay="0">
+                  <p:tgtEl>
+                    <p:sldTgt/>
+                  </p:tgtEl>
+                </p:cond>
+              </p:prevCondLst>
+              <p:nextCondLst>
+                <p:cond evt="onNext" delay="0">
+                  <p:tgtEl>
+                    <p:sldTgt/>
+                  </p:tgtEl>
+                </p:cond>
+              </p:nextCondLst>
+            </p:seq>
+          </p:childTnLst>
+        </p:cTn>
       </p:par>
     </p:tnLst>
+    <p:bldLst>
+      <p:bldP spid="2" grpId="0"/>
+      <p:bldP spid="8" grpId="0" animBg="1"/>
+      <p:bldP spid="11" grpId="0"/>
+    </p:bldLst>
   </p:timing>
 </p:sld>
 </file>
@@ -15059,6 +15301,9 @@
                     <p:cTn id="3" fill="hold">
                       <p:stCondLst>
                         <p:cond delay="indefinite"/>
+                        <p:cond evt="onBegin" delay="0">
+                          <p:tn val="2"/>
+                        </p:cond>
                       </p:stCondLst>
                       <p:childTnLst>
                         <p:par>
@@ -15068,7 +15313,7 @@
                             </p:stCondLst>
                             <p:childTnLst>
                               <p:par>
-                                <p:cTn id="5" presetID="5" presetClass="entr" presetSubtype="10" fill="hold" grpId="0" nodeType="clickEffect">
+                                <p:cTn id="5" presetID="5" presetClass="entr" presetSubtype="10" fill="hold" grpId="0" nodeType="afterEffect">
                                   <p:stCondLst>
                                     <p:cond delay="0"/>
                                   </p:stCondLst>
@@ -15378,13 +15623,13 @@
   <p:clrMapOvr>
     <a:masterClrMapping/>
   </p:clrMapOvr>
-  <mc:AlternateContent xmlns:mc="http://schemas.openxmlformats.org/markup-compatibility/2006">
-    <mc:Choice xmlns:p14="http://schemas.microsoft.com/office/powerpoint/2010/main" Requires="p14">
+  <mc:AlternateContent xmlns:mc="http://schemas.openxmlformats.org/markup-compatibility/2006" xmlns:p14="http://schemas.microsoft.com/office/powerpoint/2010/main">
+    <mc:Choice Requires="p14">
       <p:transition spd="slow" p14:dur="3400">
         <p14:reveal/>
       </p:transition>
     </mc:Choice>
-    <mc:Fallback>
+    <mc:Fallback xmlns="">
       <p:transition spd="slow">
         <p:fade/>
       </p:transition>
